--- a/퐈날프로젝트/경기도 부동산프로젝트.pptx
+++ b/퐈날프로젝트/경기도 부동산프로젝트.pptx
@@ -5,7 +5,7 @@
     <p:sldMasterId id="2147483648" r:id="rId1"/>
   </p:sldMasterIdLst>
   <p:notesMasterIdLst>
-    <p:notesMasterId r:id="rId37"/>
+    <p:notesMasterId r:id="rId35"/>
   </p:notesMasterIdLst>
   <p:sldIdLst>
     <p:sldId id="256" r:id="rId2"/>
@@ -29,20 +29,18 @@
     <p:sldId id="272" r:id="rId20"/>
     <p:sldId id="273" r:id="rId21"/>
     <p:sldId id="290" r:id="rId22"/>
-    <p:sldId id="261" r:id="rId23"/>
+    <p:sldId id="293" r:id="rId23"/>
     <p:sldId id="279" r:id="rId24"/>
     <p:sldId id="280" r:id="rId25"/>
     <p:sldId id="291" r:id="rId26"/>
-    <p:sldId id="281" r:id="rId27"/>
-    <p:sldId id="282" r:id="rId28"/>
-    <p:sldId id="283" r:id="rId29"/>
-    <p:sldId id="284" r:id="rId30"/>
-    <p:sldId id="285" r:id="rId31"/>
-    <p:sldId id="286" r:id="rId32"/>
-    <p:sldId id="287" r:id="rId33"/>
-    <p:sldId id="288" r:id="rId34"/>
-    <p:sldId id="292" r:id="rId35"/>
-    <p:sldId id="289" r:id="rId36"/>
+    <p:sldId id="294" r:id="rId27"/>
+    <p:sldId id="295" r:id="rId28"/>
+    <p:sldId id="296" r:id="rId29"/>
+    <p:sldId id="297" r:id="rId30"/>
+    <p:sldId id="287" r:id="rId31"/>
+    <p:sldId id="298" r:id="rId32"/>
+    <p:sldId id="292" r:id="rId33"/>
+    <p:sldId id="289" r:id="rId34"/>
   </p:sldIdLst>
   <p:sldSz cx="12192000" cy="6858000"/>
   <p:notesSz cx="6858000" cy="9144000"/>
@@ -141,6 +139,11 @@
       </a:defRPr>
     </a:lvl9pPr>
   </p:defaultTextStyle>
+  <p:extLst>
+    <p:ext uri="{EFAFB233-063F-42B5-8137-9DF3F51BA10A}">
+      <p15:sldGuideLst xmlns:p15="http://schemas.microsoft.com/office/powerpoint/2012/main"/>
+    </p:ext>
+  </p:extLst>
 </p:presentation>
 </file>
 
@@ -918,6 +921,272 @@
     <p:extLst>
       <p:ext uri="{BB962C8B-B14F-4D97-AF65-F5344CB8AC3E}">
         <p14:creationId xmlns:p14="http://schemas.microsoft.com/office/powerpoint/2010/main" val="3072648024"/>
+      </p:ext>
+    </p:extLst>
+  </p:cSld>
+  <p:clrMapOvr>
+    <a:masterClrMapping/>
+  </p:clrMapOvr>
+</p:notes>
+</file>
+
+<file path=ppt/notesSlides/notesSlide6.xml><?xml version="1.0" encoding="utf-8"?>
+<p:notes xmlns:a="http://schemas.openxmlformats.org/drawingml/2006/main" xmlns:r="http://schemas.openxmlformats.org/officeDocument/2006/relationships" xmlns:p="http://schemas.openxmlformats.org/presentationml/2006/main">
+  <p:cSld>
+    <p:spTree>
+      <p:nvGrpSpPr>
+        <p:cNvPr id="1" name=""/>
+        <p:cNvGrpSpPr/>
+        <p:nvPr/>
+      </p:nvGrpSpPr>
+      <p:grpSpPr>
+        <a:xfrm>
+          <a:off x="0" y="0"/>
+          <a:ext cx="0" cy="0"/>
+          <a:chOff x="0" y="0"/>
+          <a:chExt cx="0" cy="0"/>
+        </a:xfrm>
+      </p:grpSpPr>
+      <p:sp>
+        <p:nvSpPr>
+          <p:cNvPr id="2" name="슬라이드 이미지 개체 틀 1"/>
+          <p:cNvSpPr>
+            <a:spLocks noGrp="1" noRot="1" noChangeAspect="1"/>
+          </p:cNvSpPr>
+          <p:nvPr>
+            <p:ph type="sldImg"/>
+          </p:nvPr>
+        </p:nvSpPr>
+        <p:spPr/>
+      </p:sp>
+      <p:sp>
+        <p:nvSpPr>
+          <p:cNvPr id="3" name="슬라이드 노트 개체 틀 2"/>
+          <p:cNvSpPr>
+            <a:spLocks noGrp="1"/>
+          </p:cNvSpPr>
+          <p:nvPr>
+            <p:ph type="body" idx="1"/>
+          </p:nvPr>
+        </p:nvSpPr>
+        <p:spPr/>
+        <p:txBody>
+          <a:bodyPr/>
+          <a:lstStyle/>
+          <a:p>
+            <a:endParaRPr lang="en-US" altLang="ko-KR" sz="1200" dirty="0"/>
+          </a:p>
+          <a:p>
+            <a:r>
+              <a:rPr lang="ko-KR" altLang="en-US" sz="1200" dirty="0"/>
+              <a:t>변수로서 서울 가격지수와 각 군집의 평균 가격지수를 추가하게 됨</a:t>
+            </a:r>
+            <a:r>
+              <a:rPr lang="en-US" altLang="ko-KR" sz="1200" dirty="0"/>
+              <a:t>.</a:t>
+            </a:r>
+            <a:endParaRPr lang="ko-KR" altLang="en-US" sz="1200" dirty="0"/>
+          </a:p>
+          <a:p>
+            <a:endParaRPr lang="ko-KR" altLang="en-US" dirty="0"/>
+          </a:p>
+        </p:txBody>
+      </p:sp>
+      <p:sp>
+        <p:nvSpPr>
+          <p:cNvPr id="4" name="슬라이드 번호 개체 틀 3"/>
+          <p:cNvSpPr>
+            <a:spLocks noGrp="1"/>
+          </p:cNvSpPr>
+          <p:nvPr>
+            <p:ph type="sldNum" sz="quarter" idx="5"/>
+          </p:nvPr>
+        </p:nvSpPr>
+        <p:spPr/>
+        <p:txBody>
+          <a:bodyPr/>
+          <a:lstStyle/>
+          <a:p>
+            <a:fld id="{B51D3AD8-830F-4A7C-8B20-46C713423B3A}" type="slidenum">
+              <a:rPr lang="ko-KR" altLang="en-US" smtClean="0"/>
+              <a:t>22</a:t>
+            </a:fld>
+            <a:endParaRPr lang="ko-KR" altLang="en-US"/>
+          </a:p>
+        </p:txBody>
+      </p:sp>
+    </p:spTree>
+    <p:extLst>
+      <p:ext uri="{BB962C8B-B14F-4D97-AF65-F5344CB8AC3E}">
+        <p14:creationId xmlns:p14="http://schemas.microsoft.com/office/powerpoint/2010/main" val="2092256901"/>
+      </p:ext>
+    </p:extLst>
+  </p:cSld>
+  <p:clrMapOvr>
+    <a:masterClrMapping/>
+  </p:clrMapOvr>
+</p:notes>
+</file>
+
+<file path=ppt/notesSlides/notesSlide7.xml><?xml version="1.0" encoding="utf-8"?>
+<p:notes xmlns:a="http://schemas.openxmlformats.org/drawingml/2006/main" xmlns:r="http://schemas.openxmlformats.org/officeDocument/2006/relationships" xmlns:p="http://schemas.openxmlformats.org/presentationml/2006/main">
+  <p:cSld>
+    <p:spTree>
+      <p:nvGrpSpPr>
+        <p:cNvPr id="1" name=""/>
+        <p:cNvGrpSpPr/>
+        <p:nvPr/>
+      </p:nvGrpSpPr>
+      <p:grpSpPr>
+        <a:xfrm>
+          <a:off x="0" y="0"/>
+          <a:ext cx="0" cy="0"/>
+          <a:chOff x="0" y="0"/>
+          <a:chExt cx="0" cy="0"/>
+        </a:xfrm>
+      </p:grpSpPr>
+      <p:sp>
+        <p:nvSpPr>
+          <p:cNvPr id="2" name="슬라이드 이미지 개체 틀 1"/>
+          <p:cNvSpPr>
+            <a:spLocks noGrp="1" noRot="1" noChangeAspect="1"/>
+          </p:cNvSpPr>
+          <p:nvPr>
+            <p:ph type="sldImg"/>
+          </p:nvPr>
+        </p:nvSpPr>
+        <p:spPr/>
+      </p:sp>
+      <p:sp>
+        <p:nvSpPr>
+          <p:cNvPr id="3" name="슬라이드 노트 개체 틀 2"/>
+          <p:cNvSpPr>
+            <a:spLocks noGrp="1"/>
+          </p:cNvSpPr>
+          <p:nvPr>
+            <p:ph type="body" idx="1"/>
+          </p:nvPr>
+        </p:nvSpPr>
+        <p:spPr/>
+        <p:txBody>
+          <a:bodyPr/>
+          <a:lstStyle/>
+          <a:p>
+            <a:endParaRPr lang="ko-KR" altLang="en-US" dirty="0"/>
+          </a:p>
+        </p:txBody>
+      </p:sp>
+      <p:sp>
+        <p:nvSpPr>
+          <p:cNvPr id="4" name="슬라이드 번호 개체 틀 3"/>
+          <p:cNvSpPr>
+            <a:spLocks noGrp="1"/>
+          </p:cNvSpPr>
+          <p:nvPr>
+            <p:ph type="sldNum" sz="quarter" idx="5"/>
+          </p:nvPr>
+        </p:nvSpPr>
+        <p:spPr/>
+        <p:txBody>
+          <a:bodyPr/>
+          <a:lstStyle/>
+          <a:p>
+            <a:fld id="{B51D3AD8-830F-4A7C-8B20-46C713423B3A}" type="slidenum">
+              <a:rPr lang="ko-KR" altLang="en-US" smtClean="0"/>
+              <a:t>30</a:t>
+            </a:fld>
+            <a:endParaRPr lang="ko-KR" altLang="en-US"/>
+          </a:p>
+        </p:txBody>
+      </p:sp>
+    </p:spTree>
+    <p:extLst>
+      <p:ext uri="{BB962C8B-B14F-4D97-AF65-F5344CB8AC3E}">
+        <p14:creationId xmlns:p14="http://schemas.microsoft.com/office/powerpoint/2010/main" val="1999790371"/>
+      </p:ext>
+    </p:extLst>
+  </p:cSld>
+  <p:clrMapOvr>
+    <a:masterClrMapping/>
+  </p:clrMapOvr>
+</p:notes>
+</file>
+
+<file path=ppt/notesSlides/notesSlide8.xml><?xml version="1.0" encoding="utf-8"?>
+<p:notes xmlns:a="http://schemas.openxmlformats.org/drawingml/2006/main" xmlns:r="http://schemas.openxmlformats.org/officeDocument/2006/relationships" xmlns:p="http://schemas.openxmlformats.org/presentationml/2006/main">
+  <p:cSld>
+    <p:spTree>
+      <p:nvGrpSpPr>
+        <p:cNvPr id="1" name=""/>
+        <p:cNvGrpSpPr/>
+        <p:nvPr/>
+      </p:nvGrpSpPr>
+      <p:grpSpPr>
+        <a:xfrm>
+          <a:off x="0" y="0"/>
+          <a:ext cx="0" cy="0"/>
+          <a:chOff x="0" y="0"/>
+          <a:chExt cx="0" cy="0"/>
+        </a:xfrm>
+      </p:grpSpPr>
+      <p:sp>
+        <p:nvSpPr>
+          <p:cNvPr id="2" name="슬라이드 이미지 개체 틀 1"/>
+          <p:cNvSpPr>
+            <a:spLocks noGrp="1" noRot="1" noChangeAspect="1"/>
+          </p:cNvSpPr>
+          <p:nvPr>
+            <p:ph type="sldImg"/>
+          </p:nvPr>
+        </p:nvSpPr>
+        <p:spPr/>
+      </p:sp>
+      <p:sp>
+        <p:nvSpPr>
+          <p:cNvPr id="3" name="슬라이드 노트 개체 틀 2"/>
+          <p:cNvSpPr>
+            <a:spLocks noGrp="1"/>
+          </p:cNvSpPr>
+          <p:nvPr>
+            <p:ph type="body" idx="1"/>
+          </p:nvPr>
+        </p:nvSpPr>
+        <p:spPr/>
+        <p:txBody>
+          <a:bodyPr/>
+          <a:lstStyle/>
+          <a:p>
+            <a:endParaRPr lang="ko-KR" altLang="en-US" dirty="0"/>
+          </a:p>
+        </p:txBody>
+      </p:sp>
+      <p:sp>
+        <p:nvSpPr>
+          <p:cNvPr id="4" name="슬라이드 번호 개체 틀 3"/>
+          <p:cNvSpPr>
+            <a:spLocks noGrp="1"/>
+          </p:cNvSpPr>
+          <p:nvPr>
+            <p:ph type="sldNum" sz="quarter" idx="5"/>
+          </p:nvPr>
+        </p:nvSpPr>
+        <p:spPr/>
+        <p:txBody>
+          <a:bodyPr/>
+          <a:lstStyle/>
+          <a:p>
+            <a:fld id="{B51D3AD8-830F-4A7C-8B20-46C713423B3A}" type="slidenum">
+              <a:rPr lang="ko-KR" altLang="en-US" smtClean="0"/>
+              <a:t>31</a:t>
+            </a:fld>
+            <a:endParaRPr lang="ko-KR" altLang="en-US"/>
+          </a:p>
+        </p:txBody>
+      </p:sp>
+    </p:spTree>
+    <p:extLst>
+      <p:ext uri="{BB962C8B-B14F-4D97-AF65-F5344CB8AC3E}">
+        <p14:creationId xmlns:p14="http://schemas.microsoft.com/office/powerpoint/2010/main" val="3196379646"/>
       </p:ext>
     </p:extLst>
   </p:cSld>
@@ -5272,10 +5541,10 @@
       </p:grpSpPr>
       <p:sp>
         <p:nvSpPr>
-          <p:cNvPr id="2" name="직사각형 1">
-            <a:extLst>
-              <a:ext uri="{FF2B5EF4-FFF2-40B4-BE49-F238E27FC236}">
-                <a16:creationId xmlns:a16="http://schemas.microsoft.com/office/drawing/2014/main" id="{1F70DD83-D183-9264-93D7-A19C0DBB281E}"/>
+          <p:cNvPr id="10" name="직사각형 9">
+            <a:extLst>
+              <a:ext uri="{FF2B5EF4-FFF2-40B4-BE49-F238E27FC236}">
+                <a16:creationId xmlns:a16="http://schemas.microsoft.com/office/drawing/2014/main" id="{F839FB69-2C9B-8D56-B576-43903F6723D7}"/>
               </a:ext>
             </a:extLst>
           </p:cNvPr>
@@ -5284,18 +5553,24 @@
         </p:nvSpPr>
         <p:spPr>
           <a:xfrm>
-            <a:off x="279400" y="228600"/>
+            <a:off x="279400" y="299720"/>
             <a:ext cx="11633200" cy="6258560"/>
           </a:xfrm>
           <a:prstGeom prst="rect">
             <a:avLst/>
           </a:prstGeom>
-          <a:solidFill>
-            <a:schemeClr val="bg1">
-              <a:lumMod val="95000"/>
-              <a:alpha val="70000"/>
-            </a:schemeClr>
-          </a:solidFill>
+          <a:pattFill prst="horzBrick">
+            <a:fgClr>
+              <a:schemeClr val="bg1">
+                <a:lumMod val="85000"/>
+              </a:schemeClr>
+            </a:fgClr>
+            <a:bgClr>
+              <a:schemeClr val="bg1">
+                <a:lumMod val="95000"/>
+              </a:schemeClr>
+            </a:bgClr>
+          </a:pattFill>
           <a:ln>
             <a:noFill/>
           </a:ln>
@@ -5620,10 +5895,10 @@
       </p:grpSpPr>
       <p:sp>
         <p:nvSpPr>
-          <p:cNvPr id="2" name="직사각형 1">
-            <a:extLst>
-              <a:ext uri="{FF2B5EF4-FFF2-40B4-BE49-F238E27FC236}">
-                <a16:creationId xmlns:a16="http://schemas.microsoft.com/office/drawing/2014/main" id="{1F70DD83-D183-9264-93D7-A19C0DBB281E}"/>
+          <p:cNvPr id="11" name="직사각형 10">
+            <a:extLst>
+              <a:ext uri="{FF2B5EF4-FFF2-40B4-BE49-F238E27FC236}">
+                <a16:creationId xmlns:a16="http://schemas.microsoft.com/office/drawing/2014/main" id="{78362F3A-4B87-A176-828A-45F34233A272}"/>
               </a:ext>
             </a:extLst>
           </p:cNvPr>
@@ -5632,18 +5907,24 @@
         </p:nvSpPr>
         <p:spPr>
           <a:xfrm>
-            <a:off x="279400" y="228600"/>
+            <a:off x="279400" y="299720"/>
             <a:ext cx="11633200" cy="6258560"/>
           </a:xfrm>
           <a:prstGeom prst="rect">
             <a:avLst/>
           </a:prstGeom>
-          <a:solidFill>
-            <a:schemeClr val="bg1">
-              <a:lumMod val="95000"/>
-              <a:alpha val="70000"/>
-            </a:schemeClr>
-          </a:solidFill>
+          <a:pattFill prst="horzBrick">
+            <a:fgClr>
+              <a:schemeClr val="bg1">
+                <a:lumMod val="85000"/>
+              </a:schemeClr>
+            </a:fgClr>
+            <a:bgClr>
+              <a:schemeClr val="bg1">
+                <a:lumMod val="95000"/>
+              </a:schemeClr>
+            </a:bgClr>
+          </a:pattFill>
           <a:ln>
             <a:noFill/>
           </a:ln>
@@ -5669,10 +5950,6 @@
           <a:lstStyle/>
           <a:p>
             <a:pPr algn="ctr"/>
-            <a:r>
-              <a:rPr lang="en-US" altLang="ko-KR" b="1"/>
-              <a:t>DTW(Dynamic Time Warping)</a:t>
-            </a:r>
             <a:endParaRPr lang="ko-KR" altLang="en-US" dirty="0"/>
           </a:p>
         </p:txBody>
@@ -6064,10 +6341,10 @@
       </p:grpSpPr>
       <p:sp>
         <p:nvSpPr>
-          <p:cNvPr id="2" name="직사각형 1">
-            <a:extLst>
-              <a:ext uri="{FF2B5EF4-FFF2-40B4-BE49-F238E27FC236}">
-                <a16:creationId xmlns:a16="http://schemas.microsoft.com/office/drawing/2014/main" id="{1F70DD83-D183-9264-93D7-A19C0DBB281E}"/>
+          <p:cNvPr id="17" name="직사각형 16">
+            <a:extLst>
+              <a:ext uri="{FF2B5EF4-FFF2-40B4-BE49-F238E27FC236}">
+                <a16:creationId xmlns:a16="http://schemas.microsoft.com/office/drawing/2014/main" id="{F8D12247-3FAB-AA0F-AAF1-E8742A7EA3DD}"/>
               </a:ext>
             </a:extLst>
           </p:cNvPr>
@@ -6076,18 +6353,24 @@
         </p:nvSpPr>
         <p:spPr>
           <a:xfrm>
-            <a:off x="279400" y="228600"/>
+            <a:off x="279400" y="299720"/>
             <a:ext cx="11633200" cy="6258560"/>
           </a:xfrm>
           <a:prstGeom prst="rect">
             <a:avLst/>
           </a:prstGeom>
-          <a:solidFill>
-            <a:schemeClr val="bg1">
-              <a:lumMod val="95000"/>
-              <a:alpha val="70000"/>
-            </a:schemeClr>
-          </a:solidFill>
+          <a:pattFill prst="horzBrick">
+            <a:fgClr>
+              <a:schemeClr val="bg1">
+                <a:lumMod val="85000"/>
+              </a:schemeClr>
+            </a:fgClr>
+            <a:bgClr>
+              <a:schemeClr val="bg1">
+                <a:lumMod val="95000"/>
+              </a:schemeClr>
+            </a:bgClr>
+          </a:pattFill>
           <a:ln>
             <a:noFill/>
           </a:ln>
@@ -6113,10 +6396,6 @@
           <a:lstStyle/>
           <a:p>
             <a:pPr algn="ctr"/>
-            <a:r>
-              <a:rPr lang="en-US" altLang="ko-KR" b="1" dirty="0"/>
-              <a:t>DTW(Dynamic Time Warping)</a:t>
-            </a:r>
             <a:endParaRPr lang="ko-KR" altLang="en-US" dirty="0"/>
           </a:p>
         </p:txBody>
@@ -6548,10 +6827,10 @@
       </p:grpSpPr>
       <p:sp>
         <p:nvSpPr>
-          <p:cNvPr id="2" name="직사각형 1">
-            <a:extLst>
-              <a:ext uri="{FF2B5EF4-FFF2-40B4-BE49-F238E27FC236}">
-                <a16:creationId xmlns:a16="http://schemas.microsoft.com/office/drawing/2014/main" id="{1F70DD83-D183-9264-93D7-A19C0DBB281E}"/>
+          <p:cNvPr id="16" name="직사각형 15">
+            <a:extLst>
+              <a:ext uri="{FF2B5EF4-FFF2-40B4-BE49-F238E27FC236}">
+                <a16:creationId xmlns:a16="http://schemas.microsoft.com/office/drawing/2014/main" id="{C00952BE-A3E5-2DEA-BA93-C8FCE13B386A}"/>
               </a:ext>
             </a:extLst>
           </p:cNvPr>
@@ -6560,18 +6839,24 @@
         </p:nvSpPr>
         <p:spPr>
           <a:xfrm>
-            <a:off x="279400" y="332017"/>
+            <a:off x="279400" y="299720"/>
             <a:ext cx="11633200" cy="6258560"/>
           </a:xfrm>
           <a:prstGeom prst="rect">
             <a:avLst/>
           </a:prstGeom>
-          <a:solidFill>
-            <a:schemeClr val="bg1">
-              <a:lumMod val="95000"/>
-              <a:alpha val="70000"/>
-            </a:schemeClr>
-          </a:solidFill>
+          <a:pattFill prst="horzBrick">
+            <a:fgClr>
+              <a:schemeClr val="bg1">
+                <a:lumMod val="85000"/>
+              </a:schemeClr>
+            </a:fgClr>
+            <a:bgClr>
+              <a:schemeClr val="bg1">
+                <a:lumMod val="95000"/>
+              </a:schemeClr>
+            </a:bgClr>
+          </a:pattFill>
           <a:ln>
             <a:noFill/>
           </a:ln>
@@ -6597,10 +6882,6 @@
           <a:lstStyle/>
           <a:p>
             <a:pPr algn="ctr"/>
-            <a:r>
-              <a:rPr lang="en-US" altLang="ko-KR" b="1"/>
-              <a:t>DTW(Dynamic Time Warping)</a:t>
-            </a:r>
             <a:endParaRPr lang="ko-KR" altLang="en-US" dirty="0"/>
           </a:p>
         </p:txBody>
@@ -7151,45 +7432,6 @@
           </a:p>
         </p:txBody>
       </p:sp>
-      <p:pic>
-        <p:nvPicPr>
-          <p:cNvPr id="21" name="그래픽 20" descr="확인 표시 단색으로 채워진">
-            <a:extLst>
-              <a:ext uri="{FF2B5EF4-FFF2-40B4-BE49-F238E27FC236}">
-                <a16:creationId xmlns:a16="http://schemas.microsoft.com/office/drawing/2014/main" id="{23F54D9F-AF41-A56A-F205-D3E6B13A40B3}"/>
-              </a:ext>
-            </a:extLst>
-          </p:cNvPr>
-          <p:cNvPicPr>
-            <a:picLocks noChangeAspect="1"/>
-          </p:cNvPicPr>
-          <p:nvPr/>
-        </p:nvPicPr>
-        <p:blipFill>
-          <a:blip r:embed="rId8">
-            <a:extLst>
-              <a:ext uri="{28A0092B-C50C-407E-A947-70E740481C1C}">
-                <a14:useLocalDpi xmlns:a14="http://schemas.microsoft.com/office/drawing/2010/main" val="0"/>
-              </a:ext>
-              <a:ext uri="{96DAC541-7B7A-43D3-8B79-37D633B846F1}">
-                <asvg:svgBlip xmlns:asvg="http://schemas.microsoft.com/office/drawing/2016/SVG/main" r:embed="rId9"/>
-              </a:ext>
-            </a:extLst>
-          </a:blip>
-          <a:stretch>
-            <a:fillRect/>
-          </a:stretch>
-        </p:blipFill>
-        <p:spPr>
-          <a:xfrm>
-            <a:off x="4065939" y="2057027"/>
-            <a:ext cx="914400" cy="914400"/>
-          </a:xfrm>
-          <a:prstGeom prst="rect">
-            <a:avLst/>
-          </a:prstGeom>
-        </p:spPr>
-      </p:pic>
     </p:spTree>
     <p:extLst>
       <p:ext uri="{BB962C8B-B14F-4D97-AF65-F5344CB8AC3E}">
@@ -7270,8 +7512,11 @@
           <a:bodyPr rtlCol="0" anchor="ctr"/>
           <a:lstStyle/>
           <a:p>
-            <a:pPr algn="ctr"/>
-            <a:endParaRPr lang="ko-KR" altLang="en-US" dirty="0"/>
+            <a:r>
+              <a:rPr lang="en-US" altLang="ko-KR" sz="1800" b="1"/>
+              <a:t>K = 3</a:t>
+            </a:r>
+            <a:endParaRPr lang="en-US" altLang="ko-KR" sz="1800" b="1" dirty="0"/>
           </a:p>
         </p:txBody>
       </p:sp>
@@ -7503,8 +7748,8 @@
         </p:nvSpPr>
         <p:spPr>
           <a:xfrm>
-            <a:off x="2935840" y="3060621"/>
-            <a:ext cx="6097712" cy="1754326"/>
+            <a:off x="2925566" y="4288867"/>
+            <a:ext cx="6097712" cy="646331"/>
           </a:xfrm>
           <a:prstGeom prst="rect">
             <a:avLst/>
@@ -7516,15 +7761,6 @@
             <a:spAutoFit/>
           </a:bodyPr>
           <a:lstStyle/>
-          <a:p>
-            <a:r>
-              <a:rPr lang="en-US" altLang="ko-KR" sz="3600" b="1" dirty="0"/>
-              <a:t>K = 3</a:t>
-            </a:r>
-          </a:p>
-          <a:p>
-            <a:endParaRPr lang="en-US" altLang="ko-KR" sz="3600" b="1" dirty="0"/>
-          </a:p>
           <a:p>
             <a:r>
               <a:rPr lang="ko-KR" altLang="en-US" sz="3600" b="1" dirty="0"/>
@@ -7635,7 +7871,7 @@
         </p:blipFill>
         <p:spPr>
           <a:xfrm>
-            <a:off x="6858337" y="4108161"/>
+            <a:off x="6534726" y="3601701"/>
             <a:ext cx="1319892" cy="1319892"/>
           </a:xfrm>
           <a:prstGeom prst="rect">
@@ -7643,6 +7879,47 @@
           </a:prstGeom>
         </p:spPr>
       </p:pic>
+      <p:sp>
+        <p:nvSpPr>
+          <p:cNvPr id="17" name="TextBox 16">
+            <a:extLst>
+              <a:ext uri="{FF2B5EF4-FFF2-40B4-BE49-F238E27FC236}">
+                <a16:creationId xmlns:a16="http://schemas.microsoft.com/office/drawing/2014/main" id="{4A37D509-6832-34A8-F5D2-66100706116D}"/>
+              </a:ext>
+            </a:extLst>
+          </p:cNvPr>
+          <p:cNvSpPr txBox="1"/>
+          <p:nvPr/>
+        </p:nvSpPr>
+        <p:spPr>
+          <a:xfrm>
+            <a:off x="3757772" y="3419295"/>
+            <a:ext cx="1358757" cy="584775"/>
+          </a:xfrm>
+          <a:prstGeom prst="rect">
+            <a:avLst/>
+          </a:prstGeom>
+          <a:noFill/>
+        </p:spPr>
+        <p:txBody>
+          <a:bodyPr wrap="square">
+            <a:spAutoFit/>
+          </a:bodyPr>
+          <a:lstStyle/>
+          <a:p>
+            <a:r>
+              <a:rPr lang="en-US" altLang="ko-KR" sz="3200" b="1" dirty="0">
+                <a:solidFill>
+                  <a:schemeClr val="accent5">
+                    <a:lumMod val="50000"/>
+                  </a:schemeClr>
+                </a:solidFill>
+              </a:rPr>
+              <a:t>K = 3</a:t>
+            </a:r>
+          </a:p>
+        </p:txBody>
+      </p:sp>
     </p:spTree>
     <p:extLst>
       <p:ext uri="{BB962C8B-B14F-4D97-AF65-F5344CB8AC3E}">
@@ -9569,8 +9846,8 @@
         </p:blipFill>
         <p:spPr bwMode="auto">
           <a:xfrm>
-            <a:off x="1457370" y="916706"/>
-            <a:ext cx="9201490" cy="4849703"/>
+            <a:off x="969019" y="998876"/>
+            <a:ext cx="9863833" cy="5198795"/>
           </a:xfrm>
           <a:prstGeom prst="rect">
             <a:avLst/>
@@ -9619,10 +9896,10 @@
       </p:grpSpPr>
       <p:sp>
         <p:nvSpPr>
-          <p:cNvPr id="2" name="직사각형 1">
-            <a:extLst>
-              <a:ext uri="{FF2B5EF4-FFF2-40B4-BE49-F238E27FC236}">
-                <a16:creationId xmlns:a16="http://schemas.microsoft.com/office/drawing/2014/main" id="{1F70DD83-D183-9264-93D7-A19C0DBB281E}"/>
+          <p:cNvPr id="17" name="직사각형 16">
+            <a:extLst>
+              <a:ext uri="{FF2B5EF4-FFF2-40B4-BE49-F238E27FC236}">
+                <a16:creationId xmlns:a16="http://schemas.microsoft.com/office/drawing/2014/main" id="{E5BF26ED-3DC5-B36F-20CE-906E785108BC}"/>
               </a:ext>
             </a:extLst>
           </p:cNvPr>
@@ -9631,18 +9908,24 @@
         </p:nvSpPr>
         <p:spPr>
           <a:xfrm>
-            <a:off x="279400" y="228600"/>
+            <a:off x="279400" y="299720"/>
             <a:ext cx="11633200" cy="6258560"/>
           </a:xfrm>
           <a:prstGeom prst="rect">
             <a:avLst/>
           </a:prstGeom>
-          <a:solidFill>
-            <a:schemeClr val="bg1">
-              <a:lumMod val="95000"/>
-              <a:alpha val="70000"/>
-            </a:schemeClr>
-          </a:solidFill>
+          <a:pattFill prst="horzBrick">
+            <a:fgClr>
+              <a:schemeClr val="bg1">
+                <a:lumMod val="85000"/>
+              </a:schemeClr>
+            </a:fgClr>
+            <a:bgClr>
+              <a:schemeClr val="bg1">
+                <a:lumMod val="95000"/>
+              </a:schemeClr>
+            </a:bgClr>
+          </a:pattFill>
           <a:ln>
             <a:noFill/>
           </a:ln>
@@ -11484,10 +11767,10 @@
       </p:grpSpPr>
       <p:sp>
         <p:nvSpPr>
-          <p:cNvPr id="25" name="직사각형 24">
-            <a:extLst>
-              <a:ext uri="{FF2B5EF4-FFF2-40B4-BE49-F238E27FC236}">
-                <a16:creationId xmlns:a16="http://schemas.microsoft.com/office/drawing/2014/main" id="{BD4231F5-E022-B70E-332B-07212E7946B9}"/>
+          <p:cNvPr id="10" name="직사각형 9">
+            <a:extLst>
+              <a:ext uri="{FF2B5EF4-FFF2-40B4-BE49-F238E27FC236}">
+                <a16:creationId xmlns:a16="http://schemas.microsoft.com/office/drawing/2014/main" id="{543A45E2-A703-131F-9AC5-BB86A32785F7}"/>
               </a:ext>
             </a:extLst>
           </p:cNvPr>
@@ -11496,18 +11779,24 @@
         </p:nvSpPr>
         <p:spPr>
           <a:xfrm>
-            <a:off x="279400" y="228600"/>
+            <a:off x="279400" y="299720"/>
             <a:ext cx="11633200" cy="6258560"/>
           </a:xfrm>
           <a:prstGeom prst="rect">
             <a:avLst/>
           </a:prstGeom>
-          <a:solidFill>
-            <a:schemeClr val="bg1">
-              <a:lumMod val="95000"/>
-              <a:alpha val="70000"/>
-            </a:schemeClr>
-          </a:solidFill>
+          <a:pattFill prst="horzBrick">
+            <a:fgClr>
+              <a:schemeClr val="bg1">
+                <a:lumMod val="85000"/>
+              </a:schemeClr>
+            </a:fgClr>
+            <a:bgClr>
+              <a:schemeClr val="bg1">
+                <a:lumMod val="95000"/>
+              </a:schemeClr>
+            </a:bgClr>
+          </a:pattFill>
           <a:ln>
             <a:noFill/>
           </a:ln>
@@ -11532,18 +11821,8 @@
           <a:bodyPr rtlCol="0" anchor="ctr"/>
           <a:lstStyle/>
           <a:p>
-            <a:endParaRPr lang="en-US" altLang="ko-KR" sz="1800"/>
-          </a:p>
-          <a:p>
-            <a:r>
-              <a:rPr lang="ko-KR" altLang="en-US" sz="1800"/>
-              <a:t>변수로서 서울 가격지수와 각 군집의 평균 가격지수를 추가하게 됨</a:t>
-            </a:r>
-            <a:r>
-              <a:rPr lang="en-US" altLang="ko-KR" sz="1800"/>
-              <a:t>.</a:t>
-            </a:r>
-            <a:endParaRPr lang="ko-KR" altLang="en-US" sz="1800" dirty="0"/>
+            <a:pPr algn="ctr"/>
+            <a:endParaRPr lang="ko-KR" altLang="en-US" dirty="0"/>
           </a:p>
         </p:txBody>
       </p:sp>
@@ -11885,38 +12164,36 @@
       </p:grpSpPr>
       <p:sp>
         <p:nvSpPr>
-          <p:cNvPr id="7" name="Rectangle 6">
-            <a:extLst>
-              <a:ext uri="{FF2B5EF4-FFF2-40B4-BE49-F238E27FC236}">
-                <a16:creationId xmlns:a16="http://schemas.microsoft.com/office/drawing/2014/main" id="{F3060C83-F051-4F0E-ABAD-AA0DFC48B218}"/>
-              </a:ext>
-              <a:ext uri="{C183D7F6-B498-43B3-948B-1728B52AA6E4}">
-                <adec:decorative xmlns:adec="http://schemas.microsoft.com/office/drawing/2017/decorative" val="1"/>
-              </a:ext>
-            </a:extLst>
-          </p:cNvPr>
-          <p:cNvSpPr>
-            <a:spLocks noGrp="1" noRot="1" noChangeAspect="1" noMove="1" noResize="1" noEditPoints="1" noAdjustHandles="1" noChangeArrowheads="1" noChangeShapeType="1" noTextEdit="1"/>
-          </p:cNvSpPr>
-          <p:nvPr>
-            <p:extLst>
-              <p:ext uri="{386F3935-93C4-4BCD-93E2-E3B085C9AB24}">
-                <p16:designElem xmlns:p16="http://schemas.microsoft.com/office/powerpoint/2015/main" val="1"/>
-              </p:ext>
-            </p:extLst>
-          </p:nvPr>
+          <p:cNvPr id="13" name="직사각형 12">
+            <a:extLst>
+              <a:ext uri="{FF2B5EF4-FFF2-40B4-BE49-F238E27FC236}">
+                <a16:creationId xmlns:a16="http://schemas.microsoft.com/office/drawing/2014/main" id="{FCA77ED1-4A37-A8EB-254D-F4F901B24FDE}"/>
+              </a:ext>
+            </a:extLst>
+          </p:cNvPr>
+          <p:cNvSpPr/>
+          <p:nvPr/>
         </p:nvSpPr>
         <p:spPr>
           <a:xfrm>
-            <a:off x="0" y="0"/>
-            <a:ext cx="12192000" cy="6858000"/>
+            <a:off x="279400" y="299720"/>
+            <a:ext cx="11633200" cy="6258560"/>
           </a:xfrm>
           <a:prstGeom prst="rect">
             <a:avLst/>
           </a:prstGeom>
-          <a:solidFill>
-            <a:schemeClr val="bg1"/>
-          </a:solidFill>
+          <a:pattFill prst="horzBrick">
+            <a:fgClr>
+              <a:schemeClr val="bg1">
+                <a:lumMod val="85000"/>
+              </a:schemeClr>
+            </a:fgClr>
+            <a:bgClr>
+              <a:schemeClr val="bg1">
+                <a:lumMod val="95000"/>
+              </a:schemeClr>
+            </a:bgClr>
+          </a:pattFill>
           <a:ln>
             <a:noFill/>
           </a:ln>
@@ -11941,704 +12218,324 @@
           <a:bodyPr rtlCol="0" anchor="ctr"/>
           <a:lstStyle/>
           <a:p>
-            <a:pPr marL="0" marR="0" lvl="0" indent="0" algn="ctr" defTabSz="914400" rtl="0" eaLnBrk="1" fontAlgn="auto" latinLnBrk="1" hangingPunct="1">
-              <a:lnSpc>
-                <a:spcPct val="100000"/>
-              </a:lnSpc>
-              <a:spcBef>
-                <a:spcPts val="0"/>
-              </a:spcBef>
-              <a:spcAft>
-                <a:spcPts val="0"/>
-              </a:spcAft>
-              <a:buClrTx/>
-              <a:buSzTx/>
-              <a:buFontTx/>
-              <a:buNone/>
-              <a:tabLst/>
-              <a:defRPr/>
-            </a:pPr>
-            <a:endParaRPr kumimoji="0" lang="en-US" sz="1800" b="0" i="0" u="none" strike="noStrike" kern="1200" cap="none" spc="0" normalizeH="0" baseline="0" noProof="0" dirty="0">
-              <a:ln>
-                <a:noFill/>
-              </a:ln>
-              <a:solidFill>
-                <a:prstClr val="white"/>
-              </a:solidFill>
-              <a:effectLst/>
-              <a:uLnTx/>
-              <a:uFillTx/>
-              <a:latin typeface="맑은 고딕" panose="020F0502020204030204"/>
-              <a:ea typeface="+mn-ea"/>
-              <a:cs typeface="+mn-cs"/>
-            </a:endParaRPr>
+            <a:pPr algn="ctr"/>
+            <a:endParaRPr lang="ko-KR" altLang="en-US" dirty="0"/>
+          </a:p>
+        </p:txBody>
+      </p:sp>
+      <p:grpSp>
+        <p:nvGrpSpPr>
+          <p:cNvPr id="28" name="그룹 27">
+            <a:extLst>
+              <a:ext uri="{FF2B5EF4-FFF2-40B4-BE49-F238E27FC236}">
+                <a16:creationId xmlns:a16="http://schemas.microsoft.com/office/drawing/2014/main" id="{E80125E0-12B5-4721-84B8-245F73267F5A}"/>
+              </a:ext>
+            </a:extLst>
+          </p:cNvPr>
+          <p:cNvGrpSpPr/>
+          <p:nvPr/>
+        </p:nvGrpSpPr>
+        <p:grpSpPr>
+          <a:xfrm>
+            <a:off x="466124" y="652048"/>
+            <a:ext cx="6168357" cy="839671"/>
+            <a:chOff x="416847" y="602127"/>
+            <a:chExt cx="4540529" cy="624548"/>
+          </a:xfrm>
+        </p:grpSpPr>
+        <p:pic>
+          <p:nvPicPr>
+            <p:cNvPr id="29" name="그래픽 28" descr="건물 단색으로 채워진">
+              <a:extLst>
+                <a:ext uri="{FF2B5EF4-FFF2-40B4-BE49-F238E27FC236}">
+                  <a16:creationId xmlns:a16="http://schemas.microsoft.com/office/drawing/2014/main" id="{CB313AE2-B1D0-404B-72F3-E8B79090D069}"/>
+                </a:ext>
+              </a:extLst>
+            </p:cNvPr>
+            <p:cNvPicPr>
+              <a:picLocks noChangeAspect="1"/>
+            </p:cNvPicPr>
+            <p:nvPr/>
+          </p:nvPicPr>
+          <p:blipFill>
+            <a:blip r:embed="rId3">
+              <a:extLst>
+                <a:ext uri="{28A0092B-C50C-407E-A947-70E740481C1C}">
+                  <a14:useLocalDpi xmlns:a14="http://schemas.microsoft.com/office/drawing/2010/main" val="0"/>
+                </a:ext>
+                <a:ext uri="{96DAC541-7B7A-43D3-8B79-37D633B846F1}">
+                  <asvg:svgBlip xmlns:asvg="http://schemas.microsoft.com/office/drawing/2016/SVG/main" r:embed="rId4"/>
+                </a:ext>
+              </a:extLst>
+            </a:blip>
+            <a:stretch>
+              <a:fillRect/>
+            </a:stretch>
+          </p:blipFill>
+          <p:spPr>
+            <a:xfrm>
+              <a:off x="416847" y="602127"/>
+              <a:ext cx="624547" cy="624548"/>
+            </a:xfrm>
+            <a:prstGeom prst="rect">
+              <a:avLst/>
+            </a:prstGeom>
+          </p:spPr>
+        </p:pic>
+        <p:sp>
+          <p:nvSpPr>
+            <p:cNvPr id="30" name="TextBox 29">
+              <a:extLst>
+                <a:ext uri="{FF2B5EF4-FFF2-40B4-BE49-F238E27FC236}">
+                  <a16:creationId xmlns:a16="http://schemas.microsoft.com/office/drawing/2014/main" id="{A04A8F4B-23AF-3A45-AAB5-3199C68C7446}"/>
+                </a:ext>
+              </a:extLst>
+            </p:cNvPr>
+            <p:cNvSpPr txBox="1"/>
+            <p:nvPr/>
+          </p:nvSpPr>
+          <p:spPr>
+            <a:xfrm>
+              <a:off x="1500707" y="651137"/>
+              <a:ext cx="3456669" cy="526526"/>
+            </a:xfrm>
+            <a:prstGeom prst="rect">
+              <a:avLst/>
+            </a:prstGeom>
+            <a:noFill/>
+          </p:spPr>
+          <p:txBody>
+            <a:bodyPr wrap="square" rtlCol="0">
+              <a:spAutoFit/>
+            </a:bodyPr>
+            <a:lstStyle/>
+            <a:p>
+              <a:r>
+                <a:rPr lang="en-US" altLang="ko-KR" sz="4000" b="1" dirty="0">
+                  <a:solidFill>
+                    <a:schemeClr val="tx1">
+                      <a:lumMod val="75000"/>
+                      <a:lumOff val="25000"/>
+                    </a:schemeClr>
+                  </a:solidFill>
+                </a:rPr>
+                <a:t>LSTM-</a:t>
+              </a:r>
+              <a:r>
+                <a:rPr lang="ko-KR" altLang="en-US" sz="4000" b="1" dirty="0">
+                  <a:solidFill>
+                    <a:schemeClr val="tx1">
+                      <a:lumMod val="75000"/>
+                      <a:lumOff val="25000"/>
+                    </a:schemeClr>
+                  </a:solidFill>
+                </a:rPr>
+                <a:t>변수추출</a:t>
+              </a:r>
+            </a:p>
+          </p:txBody>
+        </p:sp>
+        <p:sp>
+          <p:nvSpPr>
+            <p:cNvPr id="31" name="TextBox 30">
+              <a:extLst>
+                <a:ext uri="{FF2B5EF4-FFF2-40B4-BE49-F238E27FC236}">
+                  <a16:creationId xmlns:a16="http://schemas.microsoft.com/office/drawing/2014/main" id="{529E9418-0AC1-7D3E-5BA0-D6FB196594AD}"/>
+                </a:ext>
+              </a:extLst>
+            </p:cNvPr>
+            <p:cNvSpPr txBox="1"/>
+            <p:nvPr/>
+          </p:nvSpPr>
+          <p:spPr>
+            <a:xfrm>
+              <a:off x="1065326" y="602127"/>
+              <a:ext cx="870761" cy="618096"/>
+            </a:xfrm>
+            <a:prstGeom prst="rect">
+              <a:avLst/>
+            </a:prstGeom>
+            <a:noFill/>
+          </p:spPr>
+          <p:txBody>
+            <a:bodyPr wrap="square" rtlCol="0">
+              <a:spAutoFit/>
+            </a:bodyPr>
+            <a:lstStyle/>
+            <a:p>
+              <a:r>
+                <a:rPr lang="en-US" altLang="ko-KR" sz="4800" b="1" dirty="0">
+                  <a:solidFill>
+                    <a:schemeClr val="tx2">
+                      <a:lumMod val="75000"/>
+                    </a:schemeClr>
+                  </a:solidFill>
+                  <a:effectLst>
+                    <a:outerShdw blurRad="38100" dist="38100" dir="2700000" algn="tl">
+                      <a:srgbClr val="000000">
+                        <a:alpha val="43137"/>
+                      </a:srgbClr>
+                    </a:outerShdw>
+                  </a:effectLst>
+                </a:rPr>
+                <a:t>3.</a:t>
+              </a:r>
+              <a:endParaRPr lang="ko-KR" altLang="en-US" sz="4800" b="1" dirty="0">
+                <a:solidFill>
+                  <a:schemeClr val="tx2">
+                    <a:lumMod val="75000"/>
+                  </a:schemeClr>
+                </a:solidFill>
+                <a:effectLst>
+                  <a:outerShdw blurRad="38100" dist="38100" dir="2700000" algn="tl">
+                    <a:srgbClr val="000000">
+                      <a:alpha val="43137"/>
+                    </a:srgbClr>
+                  </a:outerShdw>
+                </a:effectLst>
+              </a:endParaRPr>
+            </a:p>
+          </p:txBody>
+        </p:sp>
+      </p:grpSp>
+      <p:sp>
+        <p:nvSpPr>
+          <p:cNvPr id="9" name="TextBox 8">
+            <a:extLst>
+              <a:ext uri="{FF2B5EF4-FFF2-40B4-BE49-F238E27FC236}">
+                <a16:creationId xmlns:a16="http://schemas.microsoft.com/office/drawing/2014/main" id="{A05485BB-A8AB-011C-F393-CE6ABF580B7F}"/>
+              </a:ext>
+            </a:extLst>
+          </p:cNvPr>
+          <p:cNvSpPr txBox="1"/>
+          <p:nvPr/>
+        </p:nvSpPr>
+        <p:spPr>
+          <a:xfrm>
+            <a:off x="4088950" y="2194027"/>
+            <a:ext cx="4102623" cy="830997"/>
+          </a:xfrm>
+          <a:prstGeom prst="rect">
+            <a:avLst/>
+          </a:prstGeom>
+          <a:noFill/>
+        </p:spPr>
+        <p:txBody>
+          <a:bodyPr wrap="square" rtlCol="0">
+            <a:spAutoFit/>
+          </a:bodyPr>
+          <a:lstStyle/>
+          <a:p>
+            <a:r>
+              <a:rPr lang="ko-KR" altLang="en-US" sz="4800" b="1" dirty="0">
+                <a:solidFill>
+                  <a:schemeClr val="tx1">
+                    <a:lumMod val="75000"/>
+                    <a:lumOff val="25000"/>
+                  </a:schemeClr>
+                </a:solidFill>
+              </a:rPr>
+              <a:t>왜</a:t>
+            </a:r>
+            <a:r>
+              <a:rPr lang="en-US" altLang="ko-KR" sz="4800" b="1" dirty="0">
+                <a:solidFill>
+                  <a:schemeClr val="tx1">
+                    <a:lumMod val="75000"/>
+                    <a:lumOff val="25000"/>
+                  </a:schemeClr>
+                </a:solidFill>
+              </a:rPr>
+              <a:t>?</a:t>
+            </a:r>
           </a:p>
         </p:txBody>
       </p:sp>
       <p:sp>
         <p:nvSpPr>
-          <p:cNvPr id="9" name="Freeform: Shape 8">
-            <a:extLst>
-              <a:ext uri="{FF2B5EF4-FFF2-40B4-BE49-F238E27FC236}">
-                <a16:creationId xmlns:a16="http://schemas.microsoft.com/office/drawing/2014/main" id="{83C98ABE-055B-441F-B07E-44F97F083C39}"/>
-              </a:ext>
-              <a:ext uri="{C183D7F6-B498-43B3-948B-1728B52AA6E4}">
-                <adec:decorative xmlns:adec="http://schemas.microsoft.com/office/drawing/2017/decorative" val="1"/>
-              </a:ext>
-            </a:extLst>
-          </p:cNvPr>
-          <p:cNvSpPr>
-            <a:spLocks noGrp="1" noRot="1" noChangeAspect="1" noMove="1" noResize="1" noEditPoints="1" noAdjustHandles="1" noChangeArrowheads="1" noChangeShapeType="1" noTextEdit="1"/>
-          </p:cNvSpPr>
-          <p:nvPr>
-            <p:extLst>
-              <p:ext uri="{386F3935-93C4-4BCD-93E2-E3B085C9AB24}">
-                <p16:designElem xmlns:p16="http://schemas.microsoft.com/office/powerpoint/2015/main" val="1"/>
-              </p:ext>
-            </p:extLst>
-          </p:nvPr>
+          <p:cNvPr id="11" name="TextBox 10">
+            <a:extLst>
+              <a:ext uri="{FF2B5EF4-FFF2-40B4-BE49-F238E27FC236}">
+                <a16:creationId xmlns:a16="http://schemas.microsoft.com/office/drawing/2014/main" id="{611B303A-486E-8E30-1DB3-8318B16C95FF}"/>
+              </a:ext>
+            </a:extLst>
+          </p:cNvPr>
+          <p:cNvSpPr txBox="1"/>
+          <p:nvPr/>
         </p:nvSpPr>
         <p:spPr>
-          <a:xfrm rot="18900000" flipH="1">
-            <a:off x="-376156" y="-253670"/>
-            <a:ext cx="1827638" cy="1376989"/>
-          </a:xfrm>
-          <a:custGeom>
-            <a:avLst/>
-            <a:gdLst>
-              <a:gd name="connsiteX0" fmla="*/ 0 w 1827638"/>
-              <a:gd name="connsiteY0" fmla="*/ 987379 h 1376989"/>
-              <a:gd name="connsiteX1" fmla="*/ 987379 w 1827638"/>
-              <a:gd name="connsiteY1" fmla="*/ 0 h 1376989"/>
-              <a:gd name="connsiteX2" fmla="*/ 1827638 w 1827638"/>
-              <a:gd name="connsiteY2" fmla="*/ 840260 h 1376989"/>
-              <a:gd name="connsiteX3" fmla="*/ 1827638 w 1827638"/>
-              <a:gd name="connsiteY3" fmla="*/ 1376989 h 1376989"/>
-              <a:gd name="connsiteX4" fmla="*/ 0 w 1827638"/>
-              <a:gd name="connsiteY4" fmla="*/ 1376989 h 1376989"/>
-            </a:gdLst>
-            <a:ahLst/>
-            <a:cxnLst>
-              <a:cxn ang="0">
-                <a:pos x="connsiteX0" y="connsiteY0"/>
-              </a:cxn>
-              <a:cxn ang="0">
-                <a:pos x="connsiteX1" y="connsiteY1"/>
-              </a:cxn>
-              <a:cxn ang="0">
-                <a:pos x="connsiteX2" y="connsiteY2"/>
-              </a:cxn>
-              <a:cxn ang="0">
-                <a:pos x="connsiteX3" y="connsiteY3"/>
-              </a:cxn>
-              <a:cxn ang="0">
-                <a:pos x="connsiteX4" y="connsiteY4"/>
-              </a:cxn>
-            </a:cxnLst>
-            <a:rect l="l" t="t" r="r" b="b"/>
-            <a:pathLst>
-              <a:path w="1827638" h="1376989">
-                <a:moveTo>
-                  <a:pt x="0" y="987379"/>
-                </a:moveTo>
-                <a:lnTo>
-                  <a:pt x="987379" y="0"/>
-                </a:lnTo>
-                <a:lnTo>
-                  <a:pt x="1827638" y="840260"/>
-                </a:lnTo>
-                <a:lnTo>
-                  <a:pt x="1827638" y="1376989"/>
-                </a:lnTo>
-                <a:lnTo>
-                  <a:pt x="0" y="1376989"/>
-                </a:lnTo>
-                <a:close/>
-              </a:path>
-            </a:pathLst>
-          </a:custGeom>
-          <a:solidFill>
-            <a:schemeClr val="accent1">
-              <a:alpha val="30000"/>
-            </a:schemeClr>
-          </a:solidFill>
-          <a:ln>
-            <a:noFill/>
-          </a:ln>
-        </p:spPr>
-        <p:style>
-          <a:lnRef idx="2">
-            <a:schemeClr val="accent1">
-              <a:shade val="50000"/>
-            </a:schemeClr>
-          </a:lnRef>
-          <a:fillRef idx="1">
-            <a:schemeClr val="accent1"/>
-          </a:fillRef>
-          <a:effectRef idx="0">
-            <a:schemeClr val="accent1"/>
-          </a:effectRef>
-          <a:fontRef idx="minor">
-            <a:schemeClr val="lt1"/>
-          </a:fontRef>
-        </p:style>
-        <p:txBody>
-          <a:bodyPr rtlCol="0" anchor="ctr"/>
-          <a:lstStyle/>
-          <a:p>
-            <a:pPr marL="0" marR="0" lvl="0" indent="0" algn="ctr" defTabSz="914400" rtl="0" eaLnBrk="1" fontAlgn="auto" latinLnBrk="1" hangingPunct="1">
-              <a:lnSpc>
-                <a:spcPct val="100000"/>
-              </a:lnSpc>
-              <a:spcBef>
-                <a:spcPts val="0"/>
-              </a:spcBef>
-              <a:spcAft>
-                <a:spcPts val="0"/>
-              </a:spcAft>
-              <a:buClrTx/>
-              <a:buSzTx/>
-              <a:buFontTx/>
-              <a:buNone/>
-              <a:tabLst/>
-              <a:defRPr/>
-            </a:pPr>
-            <a:endParaRPr kumimoji="0" lang="en-US" sz="1800" b="0" i="0" u="none" strike="noStrike" kern="1200" cap="none" spc="0" normalizeH="0" baseline="0" noProof="0" dirty="0">
-              <a:ln>
-                <a:noFill/>
-              </a:ln>
-              <a:solidFill>
-                <a:prstClr val="white"/>
-              </a:solidFill>
-              <a:effectLst/>
-              <a:uLnTx/>
-              <a:uFillTx/>
-              <a:latin typeface="맑은 고딕" panose="020F0502020204030204"/>
-              <a:ea typeface="+mn-ea"/>
-              <a:cs typeface="+mn-cs"/>
-            </a:endParaRPr>
-          </a:p>
-        </p:txBody>
-      </p:sp>
-      <p:sp>
-        <p:nvSpPr>
-          <p:cNvPr id="11" name="Rectangle 10">
-            <a:extLst>
-              <a:ext uri="{FF2B5EF4-FFF2-40B4-BE49-F238E27FC236}">
-                <a16:creationId xmlns:a16="http://schemas.microsoft.com/office/drawing/2014/main" id="{29FDB030-9B49-4CED-8CCD-4D99382388AC}"/>
-              </a:ext>
-              <a:ext uri="{C183D7F6-B498-43B3-948B-1728B52AA6E4}">
-                <adec:decorative xmlns:adec="http://schemas.microsoft.com/office/drawing/2017/decorative" val="1"/>
-              </a:ext>
-            </a:extLst>
-          </p:cNvPr>
-          <p:cNvSpPr>
-            <a:spLocks noGrp="1" noRot="1" noChangeAspect="1" noMove="1" noResize="1" noEditPoints="1" noAdjustHandles="1" noChangeArrowheads="1" noChangeShapeType="1" noTextEdit="1"/>
-          </p:cNvSpPr>
-          <p:nvPr>
-            <p:extLst>
-              <p:ext uri="{386F3935-93C4-4BCD-93E2-E3B085C9AB24}">
-                <p16:designElem xmlns:p16="http://schemas.microsoft.com/office/powerpoint/2015/main" val="1"/>
-              </p:ext>
-            </p:extLst>
-          </p:nvPr>
-        </p:nvSpPr>
-        <p:spPr>
-          <a:xfrm rot="18900000" flipH="1">
-            <a:off x="891641" y="422146"/>
-            <a:ext cx="645368" cy="645368"/>
+          <a:xfrm>
+            <a:off x="3044290" y="4994045"/>
+            <a:ext cx="6871412" cy="646331"/>
           </a:xfrm>
           <a:prstGeom prst="rect">
             <a:avLst/>
           </a:prstGeom>
-          <a:solidFill>
-            <a:schemeClr val="accent1">
-              <a:alpha val="30000"/>
-            </a:schemeClr>
-          </a:solidFill>
-          <a:ln>
-            <a:noFill/>
-          </a:ln>
+          <a:noFill/>
         </p:spPr>
-        <p:style>
-          <a:lnRef idx="2">
-            <a:schemeClr val="accent1">
-              <a:shade val="50000"/>
-            </a:schemeClr>
-          </a:lnRef>
-          <a:fillRef idx="1">
-            <a:schemeClr val="accent1"/>
-          </a:fillRef>
-          <a:effectRef idx="0">
-            <a:schemeClr val="accent1"/>
-          </a:effectRef>
-          <a:fontRef idx="minor">
-            <a:schemeClr val="lt1"/>
-          </a:fontRef>
-        </p:style>
         <p:txBody>
-          <a:bodyPr rtlCol="0" anchor="ctr"/>
+          <a:bodyPr wrap="square">
+            <a:spAutoFit/>
+          </a:bodyPr>
           <a:lstStyle/>
           <a:p>
-            <a:pPr marL="0" marR="0" lvl="0" indent="0" algn="ctr" defTabSz="914400" rtl="0" eaLnBrk="1" fontAlgn="auto" latinLnBrk="1" hangingPunct="1">
-              <a:lnSpc>
-                <a:spcPct val="100000"/>
-              </a:lnSpc>
-              <a:spcBef>
-                <a:spcPts val="0"/>
-              </a:spcBef>
-              <a:spcAft>
-                <a:spcPts val="0"/>
-              </a:spcAft>
-              <a:buClrTx/>
-              <a:buSzTx/>
-              <a:buFontTx/>
-              <a:buNone/>
-              <a:tabLst/>
-              <a:defRPr/>
-            </a:pPr>
-            <a:endParaRPr kumimoji="0" lang="en-US" sz="1800" b="0" i="0" u="none" strike="noStrike" kern="1200" cap="none" spc="0" normalizeH="0" baseline="0" noProof="0">
-              <a:ln>
-                <a:noFill/>
-              </a:ln>
-              <a:solidFill>
-                <a:prstClr val="white"/>
-              </a:solidFill>
-              <a:effectLst/>
-              <a:uLnTx/>
-              <a:uFillTx/>
-              <a:latin typeface="맑은 고딕" panose="020F0502020204030204"/>
-              <a:ea typeface="+mn-ea"/>
-              <a:cs typeface="+mn-cs"/>
-            </a:endParaRPr>
+            <a:r>
+              <a:rPr lang="ko-KR" altLang="en-US" sz="3600" b="1" dirty="0">
+                <a:solidFill>
+                  <a:schemeClr val="tx1">
+                    <a:lumMod val="75000"/>
+                    <a:lumOff val="25000"/>
+                  </a:schemeClr>
+                </a:solidFill>
+              </a:rPr>
+              <a:t>시간이라는 한정된 데이터</a:t>
+            </a:r>
           </a:p>
         </p:txBody>
       </p:sp>
-      <p:sp>
-        <p:nvSpPr>
-          <p:cNvPr id="13" name="Rectangle 12">
-            <a:extLst>
-              <a:ext uri="{FF2B5EF4-FFF2-40B4-BE49-F238E27FC236}">
-                <a16:creationId xmlns:a16="http://schemas.microsoft.com/office/drawing/2014/main" id="{3783CA14-24A1-485C-8B30-D6A5D87987AD}"/>
-              </a:ext>
-              <a:ext uri="{C183D7F6-B498-43B3-948B-1728B52AA6E4}">
-                <adec:decorative xmlns:adec="http://schemas.microsoft.com/office/drawing/2017/decorative" val="1"/>
-              </a:ext>
-            </a:extLst>
-          </p:cNvPr>
-          <p:cNvSpPr>
-            <a:spLocks noGrp="1" noRot="1" noChangeAspect="1" noMove="1" noResize="1" noEditPoints="1" noAdjustHandles="1" noChangeArrowheads="1" noChangeShapeType="1" noTextEdit="1"/>
-          </p:cNvSpPr>
-          <p:nvPr>
-            <p:extLst>
-              <p:ext uri="{386F3935-93C4-4BCD-93E2-E3B085C9AB24}">
-                <p16:designElem xmlns:p16="http://schemas.microsoft.com/office/powerpoint/2015/main" val="1"/>
-              </p:ext>
-            </p:extLst>
-          </p:nvPr>
-        </p:nvSpPr>
+      <p:pic>
+        <p:nvPicPr>
+          <p:cNvPr id="3" name="그래픽 2" descr="모래 시계 60% 단색으로 채워진">
+            <a:extLst>
+              <a:ext uri="{FF2B5EF4-FFF2-40B4-BE49-F238E27FC236}">
+                <a16:creationId xmlns:a16="http://schemas.microsoft.com/office/drawing/2014/main" id="{ABEBD731-A87C-543E-460C-1DBEE449200B}"/>
+              </a:ext>
+            </a:extLst>
+          </p:cNvPr>
+          <p:cNvPicPr>
+            <a:picLocks noChangeAspect="1"/>
+          </p:cNvPicPr>
+          <p:nvPr/>
+        </p:nvPicPr>
+        <p:blipFill>
+          <a:blip r:embed="rId5">
+            <a:extLst>
+              <a:ext uri="{28A0092B-C50C-407E-A947-70E740481C1C}">
+                <a14:useLocalDpi xmlns:a14="http://schemas.microsoft.com/office/drawing/2010/main" val="0"/>
+              </a:ext>
+              <a:ext uri="{96DAC541-7B7A-43D3-8B79-37D633B846F1}">
+                <asvg:svgBlip xmlns:asvg="http://schemas.microsoft.com/office/drawing/2016/SVG/main" r:embed="rId6"/>
+              </a:ext>
+            </a:extLst>
+          </a:blip>
+          <a:stretch>
+            <a:fillRect/>
+          </a:stretch>
+        </p:blipFill>
         <p:spPr>
-          <a:xfrm rot="18900000" flipH="1">
-            <a:off x="10043482" y="655140"/>
-            <a:ext cx="687472" cy="687472"/>
+          <a:xfrm>
+            <a:off x="5254803" y="2991780"/>
+            <a:ext cx="1682393" cy="1682393"/>
           </a:xfrm>
           <a:prstGeom prst="rect">
             <a:avLst/>
           </a:prstGeom>
-          <a:solidFill>
-            <a:schemeClr val="accent4">
-              <a:alpha val="30000"/>
-            </a:schemeClr>
-          </a:solidFill>
-          <a:ln>
-            <a:noFill/>
-          </a:ln>
         </p:spPr>
-        <p:style>
-          <a:lnRef idx="2">
-            <a:schemeClr val="accent1">
-              <a:shade val="50000"/>
-            </a:schemeClr>
-          </a:lnRef>
-          <a:fillRef idx="1">
-            <a:schemeClr val="accent1"/>
-          </a:fillRef>
-          <a:effectRef idx="0">
-            <a:schemeClr val="accent1"/>
-          </a:effectRef>
-          <a:fontRef idx="minor">
-            <a:schemeClr val="lt1"/>
-          </a:fontRef>
-        </p:style>
-        <p:txBody>
-          <a:bodyPr rtlCol="0" anchor="ctr"/>
-          <a:lstStyle/>
-          <a:p>
-            <a:pPr marL="0" marR="0" lvl="0" indent="0" algn="ctr" defTabSz="914400" rtl="0" eaLnBrk="1" fontAlgn="auto" latinLnBrk="1" hangingPunct="1">
-              <a:lnSpc>
-                <a:spcPct val="100000"/>
-              </a:lnSpc>
-              <a:spcBef>
-                <a:spcPts val="0"/>
-              </a:spcBef>
-              <a:spcAft>
-                <a:spcPts val="0"/>
-              </a:spcAft>
-              <a:buClrTx/>
-              <a:buSzTx/>
-              <a:buFontTx/>
-              <a:buNone/>
-              <a:tabLst/>
-              <a:defRPr/>
-            </a:pPr>
-            <a:endParaRPr kumimoji="0" lang="en-US" sz="1800" b="0" i="0" u="none" strike="noStrike" kern="1200" cap="none" spc="0" normalizeH="0" baseline="0" noProof="0">
-              <a:ln>
-                <a:noFill/>
-              </a:ln>
-              <a:solidFill>
-                <a:prstClr val="white"/>
-              </a:solidFill>
-              <a:effectLst/>
-              <a:uLnTx/>
-              <a:uFillTx/>
-              <a:latin typeface="맑은 고딕" panose="020F0502020204030204"/>
-              <a:ea typeface="+mn-ea"/>
-              <a:cs typeface="+mn-cs"/>
-            </a:endParaRPr>
-          </a:p>
-        </p:txBody>
-      </p:sp>
-      <p:sp>
-        <p:nvSpPr>
-          <p:cNvPr id="15" name="Freeform: Shape 14">
-            <a:extLst>
-              <a:ext uri="{FF2B5EF4-FFF2-40B4-BE49-F238E27FC236}">
-                <a16:creationId xmlns:a16="http://schemas.microsoft.com/office/drawing/2014/main" id="{9A97C86A-04D6-40F7-AE84-31AB43E6A846}"/>
-              </a:ext>
-              <a:ext uri="{C183D7F6-B498-43B3-948B-1728B52AA6E4}">
-                <adec:decorative xmlns:adec="http://schemas.microsoft.com/office/drawing/2017/decorative" val="1"/>
-              </a:ext>
-            </a:extLst>
-          </p:cNvPr>
-          <p:cNvSpPr>
-            <a:spLocks noGrp="1" noRot="1" noChangeAspect="1" noMove="1" noResize="1" noEditPoints="1" noAdjustHandles="1" noChangeArrowheads="1" noChangeShapeType="1" noTextEdit="1"/>
-          </p:cNvSpPr>
-          <p:nvPr>
-            <p:extLst>
-              <p:ext uri="{386F3935-93C4-4BCD-93E2-E3B085C9AB24}">
-                <p16:designElem xmlns:p16="http://schemas.microsoft.com/office/powerpoint/2015/main" val="1"/>
-              </p:ext>
-            </p:extLst>
-          </p:nvPr>
-        </p:nvSpPr>
-        <p:spPr>
-          <a:xfrm rot="10800000" flipH="1">
-            <a:off x="9356643" y="0"/>
-            <a:ext cx="2835357" cy="1480837"/>
-          </a:xfrm>
-          <a:custGeom>
-            <a:avLst/>
-            <a:gdLst>
-              <a:gd name="connsiteX0" fmla="*/ 2835357 w 2835357"/>
-              <a:gd name="connsiteY0" fmla="*/ 1480837 h 1480837"/>
-              <a:gd name="connsiteX1" fmla="*/ 0 w 2835357"/>
-              <a:gd name="connsiteY1" fmla="*/ 1480837 h 1480837"/>
-              <a:gd name="connsiteX2" fmla="*/ 1552727 w 2835357"/>
-              <a:gd name="connsiteY2" fmla="*/ 0 h 1480837"/>
-              <a:gd name="connsiteX3" fmla="*/ 2835357 w 2835357"/>
-              <a:gd name="connsiteY3" fmla="*/ 1223245 h 1480837"/>
-            </a:gdLst>
-            <a:ahLst/>
-            <a:cxnLst>
-              <a:cxn ang="0">
-                <a:pos x="connsiteX0" y="connsiteY0"/>
-              </a:cxn>
-              <a:cxn ang="0">
-                <a:pos x="connsiteX1" y="connsiteY1"/>
-              </a:cxn>
-              <a:cxn ang="0">
-                <a:pos x="connsiteX2" y="connsiteY2"/>
-              </a:cxn>
-              <a:cxn ang="0">
-                <a:pos x="connsiteX3" y="connsiteY3"/>
-              </a:cxn>
-            </a:cxnLst>
-            <a:rect l="l" t="t" r="r" b="b"/>
-            <a:pathLst>
-              <a:path w="2835357" h="1480837">
-                <a:moveTo>
-                  <a:pt x="2835357" y="1480837"/>
-                </a:moveTo>
-                <a:lnTo>
-                  <a:pt x="0" y="1480837"/>
-                </a:lnTo>
-                <a:lnTo>
-                  <a:pt x="1552727" y="0"/>
-                </a:lnTo>
-                <a:lnTo>
-                  <a:pt x="2835357" y="1223245"/>
-                </a:lnTo>
-                <a:close/>
-              </a:path>
-            </a:pathLst>
-          </a:custGeom>
-          <a:solidFill>
-            <a:schemeClr val="accent4">
-              <a:alpha val="30000"/>
-            </a:schemeClr>
-          </a:solidFill>
-          <a:ln>
-            <a:noFill/>
-          </a:ln>
-        </p:spPr>
-        <p:style>
-          <a:lnRef idx="2">
-            <a:schemeClr val="accent1">
-              <a:shade val="50000"/>
-            </a:schemeClr>
-          </a:lnRef>
-          <a:fillRef idx="1">
-            <a:schemeClr val="accent1"/>
-          </a:fillRef>
-          <a:effectRef idx="0">
-            <a:schemeClr val="accent1"/>
-          </a:effectRef>
-          <a:fontRef idx="minor">
-            <a:schemeClr val="lt1"/>
-          </a:fontRef>
-        </p:style>
-        <p:txBody>
-          <a:bodyPr wrap="square" rtlCol="0" anchor="ctr">
-            <a:noAutofit/>
-          </a:bodyPr>
-          <a:lstStyle/>
-          <a:p>
-            <a:pPr marL="0" marR="0" lvl="0" indent="0" algn="ctr" defTabSz="914400" rtl="0" eaLnBrk="1" fontAlgn="auto" latinLnBrk="1" hangingPunct="1">
-              <a:lnSpc>
-                <a:spcPct val="100000"/>
-              </a:lnSpc>
-              <a:spcBef>
-                <a:spcPts val="0"/>
-              </a:spcBef>
-              <a:spcAft>
-                <a:spcPts val="0"/>
-              </a:spcAft>
-              <a:buClrTx/>
-              <a:buSzTx/>
-              <a:buFontTx/>
-              <a:buNone/>
-              <a:tabLst/>
-              <a:defRPr/>
-            </a:pPr>
-            <a:endParaRPr kumimoji="0" lang="en-US" sz="1800" b="0" i="0" u="none" strike="noStrike" kern="1200" cap="none" spc="0" normalizeH="0" baseline="0" noProof="0" dirty="0">
-              <a:ln>
-                <a:noFill/>
-              </a:ln>
-              <a:solidFill>
-                <a:prstClr val="white"/>
-              </a:solidFill>
-              <a:effectLst/>
-              <a:uLnTx/>
-              <a:uFillTx/>
-              <a:latin typeface="맑은 고딕" panose="020F0502020204030204"/>
-              <a:ea typeface="+mn-ea"/>
-              <a:cs typeface="+mn-cs"/>
-            </a:endParaRPr>
-          </a:p>
-        </p:txBody>
-      </p:sp>
-      <p:sp>
-        <p:nvSpPr>
-          <p:cNvPr id="17" name="Isosceles Triangle 16">
-            <a:extLst>
-              <a:ext uri="{FF2B5EF4-FFF2-40B4-BE49-F238E27FC236}">
-                <a16:creationId xmlns:a16="http://schemas.microsoft.com/office/drawing/2014/main" id="{FF9F2414-84E8-453E-B1F3-389FDE8192D9}"/>
-              </a:ext>
-              <a:ext uri="{C183D7F6-B498-43B3-948B-1728B52AA6E4}">
-                <adec:decorative xmlns:adec="http://schemas.microsoft.com/office/drawing/2017/decorative" val="1"/>
-              </a:ext>
-            </a:extLst>
-          </p:cNvPr>
-          <p:cNvSpPr>
-            <a:spLocks noGrp="1" noRot="1" noChangeAspect="1" noMove="1" noResize="1" noEditPoints="1" noAdjustHandles="1" noChangeArrowheads="1" noChangeShapeType="1" noTextEdit="1"/>
-          </p:cNvSpPr>
-          <p:nvPr>
-            <p:extLst>
-              <p:ext uri="{386F3935-93C4-4BCD-93E2-E3B085C9AB24}">
-                <p16:designElem xmlns:p16="http://schemas.microsoft.com/office/powerpoint/2015/main" val="1"/>
-              </p:ext>
-            </p:extLst>
-          </p:nvPr>
-        </p:nvSpPr>
-        <p:spPr>
-          <a:xfrm flipH="1">
-            <a:off x="7976344" y="6115501"/>
-            <a:ext cx="1494513" cy="742499"/>
-          </a:xfrm>
-          <a:prstGeom prst="triangle">
-            <a:avLst/>
-          </a:prstGeom>
-          <a:solidFill>
-            <a:schemeClr val="accent1">
-              <a:alpha val="30000"/>
-            </a:schemeClr>
-          </a:solidFill>
-          <a:ln>
-            <a:noFill/>
-          </a:ln>
-        </p:spPr>
-        <p:style>
-          <a:lnRef idx="2">
-            <a:schemeClr val="accent1">
-              <a:shade val="50000"/>
-            </a:schemeClr>
-          </a:lnRef>
-          <a:fillRef idx="1">
-            <a:schemeClr val="accent1"/>
-          </a:fillRef>
-          <a:effectRef idx="0">
-            <a:schemeClr val="accent1"/>
-          </a:effectRef>
-          <a:fontRef idx="minor">
-            <a:schemeClr val="lt1"/>
-          </a:fontRef>
-        </p:style>
-        <p:txBody>
-          <a:bodyPr rtlCol="0" anchor="ctr"/>
-          <a:lstStyle/>
-          <a:p>
-            <a:pPr marL="0" marR="0" lvl="0" indent="0" algn="ctr" defTabSz="914400" rtl="0" eaLnBrk="1" fontAlgn="auto" latinLnBrk="1" hangingPunct="1">
-              <a:lnSpc>
-                <a:spcPct val="100000"/>
-              </a:lnSpc>
-              <a:spcBef>
-                <a:spcPts val="0"/>
-              </a:spcBef>
-              <a:spcAft>
-                <a:spcPts val="0"/>
-              </a:spcAft>
-              <a:buClrTx/>
-              <a:buSzTx/>
-              <a:buFontTx/>
-              <a:buNone/>
-              <a:tabLst/>
-              <a:defRPr/>
-            </a:pPr>
-            <a:endParaRPr kumimoji="0" lang="en-US" sz="1800" b="0" i="0" u="none" strike="noStrike" kern="1200" cap="none" spc="0" normalizeH="0" baseline="0" noProof="0">
-              <a:ln>
-                <a:noFill/>
-              </a:ln>
-              <a:solidFill>
-                <a:prstClr val="white"/>
-              </a:solidFill>
-              <a:effectLst/>
-              <a:uLnTx/>
-              <a:uFillTx/>
-              <a:latin typeface="맑은 고딕" panose="020F0502020204030204"/>
-              <a:ea typeface="+mn-ea"/>
-              <a:cs typeface="+mn-cs"/>
-            </a:endParaRPr>
-          </a:p>
-        </p:txBody>
-      </p:sp>
-      <p:sp>
-        <p:nvSpPr>
-          <p:cNvPr id="19" name="Isosceles Triangle 18">
-            <a:extLst>
-              <a:ext uri="{FF2B5EF4-FFF2-40B4-BE49-F238E27FC236}">
-                <a16:creationId xmlns:a16="http://schemas.microsoft.com/office/drawing/2014/main" id="{3ECA69A1-7536-43AC-85EF-C7106179F5ED}"/>
-              </a:ext>
-              <a:ext uri="{C183D7F6-B498-43B3-948B-1728B52AA6E4}">
-                <adec:decorative xmlns:adec="http://schemas.microsoft.com/office/drawing/2017/decorative" val="1"/>
-              </a:ext>
-            </a:extLst>
-          </p:cNvPr>
-          <p:cNvSpPr>
-            <a:spLocks noGrp="1" noRot="1" noChangeAspect="1" noMove="1" noResize="1" noEditPoints="1" noAdjustHandles="1" noChangeArrowheads="1" noChangeShapeType="1" noTextEdit="1"/>
-          </p:cNvSpPr>
-          <p:nvPr>
-            <p:extLst>
-              <p:ext uri="{386F3935-93C4-4BCD-93E2-E3B085C9AB24}">
-                <p16:designElem xmlns:p16="http://schemas.microsoft.com/office/powerpoint/2015/main" val="1"/>
-              </p:ext>
-            </p:extLst>
-          </p:nvPr>
-        </p:nvSpPr>
-        <p:spPr>
-          <a:xfrm flipH="1">
-            <a:off x="7604080" y="6453143"/>
-            <a:ext cx="814903" cy="404857"/>
-          </a:xfrm>
-          <a:prstGeom prst="triangle">
-            <a:avLst/>
-          </a:prstGeom>
-          <a:solidFill>
-            <a:schemeClr val="accent1">
-              <a:alpha val="30000"/>
-            </a:schemeClr>
-          </a:solidFill>
-          <a:ln>
-            <a:noFill/>
-          </a:ln>
-        </p:spPr>
-        <p:style>
-          <a:lnRef idx="2">
-            <a:schemeClr val="accent1">
-              <a:shade val="50000"/>
-            </a:schemeClr>
-          </a:lnRef>
-          <a:fillRef idx="1">
-            <a:schemeClr val="accent1"/>
-          </a:fillRef>
-          <a:effectRef idx="0">
-            <a:schemeClr val="accent1"/>
-          </a:effectRef>
-          <a:fontRef idx="minor">
-            <a:schemeClr val="lt1"/>
-          </a:fontRef>
-        </p:style>
-        <p:txBody>
-          <a:bodyPr rtlCol="0" anchor="ctr"/>
-          <a:lstStyle/>
-          <a:p>
-            <a:pPr marL="0" marR="0" lvl="0" indent="0" algn="ctr" defTabSz="914400" rtl="0" eaLnBrk="1" fontAlgn="auto" latinLnBrk="1" hangingPunct="1">
-              <a:lnSpc>
-                <a:spcPct val="100000"/>
-              </a:lnSpc>
-              <a:spcBef>
-                <a:spcPts val="0"/>
-              </a:spcBef>
-              <a:spcAft>
-                <a:spcPts val="0"/>
-              </a:spcAft>
-              <a:buClrTx/>
-              <a:buSzTx/>
-              <a:buFontTx/>
-              <a:buNone/>
-              <a:tabLst/>
-              <a:defRPr/>
-            </a:pPr>
-            <a:endParaRPr kumimoji="0" lang="en-US" sz="1800" b="0" i="0" u="none" strike="noStrike" kern="1200" cap="none" spc="0" normalizeH="0" baseline="0" noProof="0">
-              <a:ln>
-                <a:noFill/>
-              </a:ln>
-              <a:solidFill>
-                <a:prstClr val="white"/>
-              </a:solidFill>
-              <a:effectLst/>
-              <a:uLnTx/>
-              <a:uFillTx/>
-              <a:latin typeface="맑은 고딕" panose="020F0502020204030204"/>
-              <a:ea typeface="+mn-ea"/>
-              <a:cs typeface="+mn-cs"/>
-            </a:endParaRPr>
-          </a:p>
-        </p:txBody>
-      </p:sp>
+      </p:pic>
     </p:spTree>
     <p:extLst>
       <p:ext uri="{BB962C8B-B14F-4D97-AF65-F5344CB8AC3E}">
-        <p14:creationId xmlns:p14="http://schemas.microsoft.com/office/powerpoint/2010/main" val="2838317678"/>
+        <p14:creationId xmlns:p14="http://schemas.microsoft.com/office/powerpoint/2010/main" val="1001047780"/>
       </p:ext>
     </p:extLst>
   </p:cSld>
@@ -12667,10 +12564,10 @@
       </p:grpSpPr>
       <p:sp>
         <p:nvSpPr>
-          <p:cNvPr id="17" name="직사각형 16">
-            <a:extLst>
-              <a:ext uri="{FF2B5EF4-FFF2-40B4-BE49-F238E27FC236}">
-                <a16:creationId xmlns:a16="http://schemas.microsoft.com/office/drawing/2014/main" id="{BD879D32-2F06-CD87-7599-22F0C2B02E60}"/>
+          <p:cNvPr id="12" name="직사각형 11">
+            <a:extLst>
+              <a:ext uri="{FF2B5EF4-FFF2-40B4-BE49-F238E27FC236}">
+                <a16:creationId xmlns:a16="http://schemas.microsoft.com/office/drawing/2014/main" id="{17AA07C4-6964-A0AD-6056-FE3708D4B3B5}"/>
               </a:ext>
             </a:extLst>
           </p:cNvPr>
@@ -12679,18 +12576,24 @@
         </p:nvSpPr>
         <p:spPr>
           <a:xfrm>
-            <a:off x="279400" y="228600"/>
+            <a:off x="279400" y="299720"/>
             <a:ext cx="11633200" cy="6258560"/>
           </a:xfrm>
           <a:prstGeom prst="rect">
             <a:avLst/>
           </a:prstGeom>
-          <a:solidFill>
-            <a:schemeClr val="bg1">
-              <a:lumMod val="95000"/>
-              <a:alpha val="70000"/>
-            </a:schemeClr>
-          </a:solidFill>
+          <a:pattFill prst="horzBrick">
+            <a:fgClr>
+              <a:schemeClr val="bg1">
+                <a:lumMod val="85000"/>
+              </a:schemeClr>
+            </a:fgClr>
+            <a:bgClr>
+              <a:schemeClr val="bg1">
+                <a:lumMod val="95000"/>
+              </a:schemeClr>
+            </a:bgClr>
+          </a:pattFill>
           <a:ln>
             <a:noFill/>
           </a:ln>
@@ -12743,7 +12646,7 @@
         </p:blipFill>
         <p:spPr bwMode="auto">
           <a:xfrm>
-            <a:off x="1095181" y="1906493"/>
+            <a:off x="890351" y="2513446"/>
             <a:ext cx="10001637" cy="3973714"/>
           </a:xfrm>
           <a:prstGeom prst="rect">
@@ -12959,6 +12862,221 @@
           </p:txBody>
         </p:sp>
       </p:grpSp>
+      <p:sp>
+        <p:nvSpPr>
+          <p:cNvPr id="8" name="TextBox 7">
+            <a:extLst>
+              <a:ext uri="{FF2B5EF4-FFF2-40B4-BE49-F238E27FC236}">
+                <a16:creationId xmlns:a16="http://schemas.microsoft.com/office/drawing/2014/main" id="{D686A425-715D-A057-C773-36F4A4BACE88}"/>
+              </a:ext>
+            </a:extLst>
+          </p:cNvPr>
+          <p:cNvSpPr txBox="1"/>
+          <p:nvPr/>
+        </p:nvSpPr>
+        <p:spPr>
+          <a:xfrm>
+            <a:off x="963225" y="1880348"/>
+            <a:ext cx="6719463" cy="707886"/>
+          </a:xfrm>
+          <a:prstGeom prst="rect">
+            <a:avLst/>
+          </a:prstGeom>
+          <a:noFill/>
+        </p:spPr>
+        <p:txBody>
+          <a:bodyPr wrap="square" rtlCol="0">
+            <a:spAutoFit/>
+          </a:bodyPr>
+          <a:lstStyle/>
+          <a:p>
+            <a:r>
+              <a:rPr lang="ko-KR" altLang="en-US" sz="4000" b="1" dirty="0">
+                <a:solidFill>
+                  <a:schemeClr val="tx1">
+                    <a:lumMod val="75000"/>
+                    <a:lumOff val="25000"/>
+                  </a:schemeClr>
+                </a:solidFill>
+              </a:rPr>
+              <a:t>변수와 </a:t>
+            </a:r>
+            <a:r>
+              <a:rPr lang="ko-KR" altLang="en-US" sz="4000" b="1" dirty="0" err="1">
+                <a:solidFill>
+                  <a:schemeClr val="tx1">
+                    <a:lumMod val="75000"/>
+                    <a:lumOff val="25000"/>
+                  </a:schemeClr>
+                </a:solidFill>
+              </a:rPr>
+              <a:t>군집별</a:t>
+            </a:r>
+            <a:r>
+              <a:rPr lang="ko-KR" altLang="en-US" sz="4000" b="1" dirty="0">
+                <a:solidFill>
+                  <a:schemeClr val="tx1">
+                    <a:lumMod val="75000"/>
+                    <a:lumOff val="25000"/>
+                  </a:schemeClr>
+                </a:solidFill>
+              </a:rPr>
+              <a:t> 상관관계</a:t>
+            </a:r>
+            <a:r>
+              <a:rPr lang="en-US" altLang="ko-KR" sz="4000" b="1" dirty="0">
+                <a:solidFill>
+                  <a:schemeClr val="tx1">
+                    <a:lumMod val="75000"/>
+                    <a:lumOff val="25000"/>
+                  </a:schemeClr>
+                </a:solidFill>
+              </a:rPr>
+              <a:t>&gt;0.7</a:t>
+            </a:r>
+          </a:p>
+        </p:txBody>
+      </p:sp>
+      <p:pic>
+        <p:nvPicPr>
+          <p:cNvPr id="9" name="그래픽 8" descr="빨리 감기 단색으로 채워진">
+            <a:extLst>
+              <a:ext uri="{FF2B5EF4-FFF2-40B4-BE49-F238E27FC236}">
+                <a16:creationId xmlns:a16="http://schemas.microsoft.com/office/drawing/2014/main" id="{F434CFBF-5C4D-B307-C427-852C62076E6A}"/>
+              </a:ext>
+            </a:extLst>
+          </p:cNvPr>
+          <p:cNvPicPr>
+            <a:picLocks noChangeAspect="1"/>
+          </p:cNvPicPr>
+          <p:nvPr/>
+        </p:nvPicPr>
+        <p:blipFill>
+          <a:blip r:embed="rId5">
+            <a:extLst>
+              <a:ext uri="{28A0092B-C50C-407E-A947-70E740481C1C}">
+                <a14:useLocalDpi xmlns:a14="http://schemas.microsoft.com/office/drawing/2010/main" val="0"/>
+              </a:ext>
+              <a:ext uri="{96DAC541-7B7A-43D3-8B79-37D633B846F1}">
+                <asvg:svgBlip xmlns:asvg="http://schemas.microsoft.com/office/drawing/2016/SVG/main" r:embed="rId6"/>
+              </a:ext>
+            </a:extLst>
+          </a:blip>
+          <a:stretch>
+            <a:fillRect/>
+          </a:stretch>
+        </p:blipFill>
+        <p:spPr>
+          <a:xfrm>
+            <a:off x="7682688" y="1786681"/>
+            <a:ext cx="914400" cy="914400"/>
+          </a:xfrm>
+          <a:prstGeom prst="rect">
+            <a:avLst/>
+          </a:prstGeom>
+        </p:spPr>
+      </p:pic>
+      <p:sp>
+        <p:nvSpPr>
+          <p:cNvPr id="10" name="TextBox 9">
+            <a:extLst>
+              <a:ext uri="{FF2B5EF4-FFF2-40B4-BE49-F238E27FC236}">
+                <a16:creationId xmlns:a16="http://schemas.microsoft.com/office/drawing/2014/main" id="{F2E88FB6-40B5-07DA-93A5-E659CC619049}"/>
+              </a:ext>
+            </a:extLst>
+          </p:cNvPr>
+          <p:cNvSpPr txBox="1"/>
+          <p:nvPr/>
+        </p:nvSpPr>
+        <p:spPr>
+          <a:xfrm>
+            <a:off x="8938935" y="1873580"/>
+            <a:ext cx="1376335" cy="707886"/>
+          </a:xfrm>
+          <a:prstGeom prst="rect">
+            <a:avLst/>
+          </a:prstGeom>
+          <a:noFill/>
+        </p:spPr>
+        <p:txBody>
+          <a:bodyPr wrap="square" rtlCol="0">
+            <a:spAutoFit/>
+          </a:bodyPr>
+          <a:lstStyle/>
+          <a:p>
+            <a:r>
+              <a:rPr lang="ko-KR" altLang="en-US" sz="4000" b="1" dirty="0">
+                <a:solidFill>
+                  <a:schemeClr val="tx1">
+                    <a:lumMod val="75000"/>
+                    <a:lumOff val="25000"/>
+                  </a:schemeClr>
+                </a:solidFill>
+              </a:rPr>
+              <a:t>추출</a:t>
+            </a:r>
+            <a:endParaRPr lang="en-US" altLang="ko-KR" sz="4000" b="1" dirty="0">
+              <a:solidFill>
+                <a:schemeClr val="tx1">
+                  <a:lumMod val="75000"/>
+                  <a:lumOff val="25000"/>
+                </a:schemeClr>
+              </a:solidFill>
+            </a:endParaRPr>
+          </a:p>
+        </p:txBody>
+      </p:sp>
+      <p:sp>
+        <p:nvSpPr>
+          <p:cNvPr id="2" name="TextBox 1">
+            <a:extLst>
+              <a:ext uri="{FF2B5EF4-FFF2-40B4-BE49-F238E27FC236}">
+                <a16:creationId xmlns:a16="http://schemas.microsoft.com/office/drawing/2014/main" id="{AAF96E38-15F6-6FF7-41A2-F4B01F779424}"/>
+              </a:ext>
+            </a:extLst>
+          </p:cNvPr>
+          <p:cNvSpPr txBox="1"/>
+          <p:nvPr/>
+        </p:nvSpPr>
+        <p:spPr>
+          <a:xfrm>
+            <a:off x="4040481" y="2590458"/>
+            <a:ext cx="3123344" cy="523220"/>
+          </a:xfrm>
+          <a:prstGeom prst="rect">
+            <a:avLst/>
+          </a:prstGeom>
+          <a:noFill/>
+        </p:spPr>
+        <p:txBody>
+          <a:bodyPr wrap="square" rtlCol="0">
+            <a:spAutoFit/>
+          </a:bodyPr>
+          <a:lstStyle/>
+          <a:p>
+            <a:r>
+              <a:rPr lang="en-US" altLang="ko-KR" sz="2800" b="1" dirty="0">
+                <a:solidFill>
+                  <a:schemeClr val="accent5">
+                    <a:lumMod val="50000"/>
+                  </a:schemeClr>
+                </a:solidFill>
+              </a:rPr>
+              <a:t>Pearson </a:t>
+            </a:r>
+            <a:r>
+              <a:rPr lang="ko-KR" altLang="en-US" sz="2800" b="1" dirty="0">
+                <a:solidFill>
+                  <a:schemeClr val="accent5">
+                    <a:lumMod val="50000"/>
+                  </a:schemeClr>
+                </a:solidFill>
+              </a:rPr>
+              <a:t>상관계수</a:t>
+            </a:r>
+          </a:p>
+        </p:txBody>
+      </p:sp>
     </p:spTree>
     <p:extLst>
       <p:ext uri="{BB962C8B-B14F-4D97-AF65-F5344CB8AC3E}">
@@ -12991,10 +13109,10 @@
       </p:grpSpPr>
       <p:sp>
         <p:nvSpPr>
-          <p:cNvPr id="8" name="직사각형 7">
-            <a:extLst>
-              <a:ext uri="{FF2B5EF4-FFF2-40B4-BE49-F238E27FC236}">
-                <a16:creationId xmlns:a16="http://schemas.microsoft.com/office/drawing/2014/main" id="{3F0C1AA6-759B-4A6B-1247-F0161925068D}"/>
+          <p:cNvPr id="15" name="직사각형 14">
+            <a:extLst>
+              <a:ext uri="{FF2B5EF4-FFF2-40B4-BE49-F238E27FC236}">
+                <a16:creationId xmlns:a16="http://schemas.microsoft.com/office/drawing/2014/main" id="{C7D67D61-654E-4A46-C794-8B20E44EBA25}"/>
               </a:ext>
             </a:extLst>
           </p:cNvPr>
@@ -13003,18 +13121,24 @@
         </p:nvSpPr>
         <p:spPr>
           <a:xfrm>
-            <a:off x="279400" y="228600"/>
+            <a:off x="279400" y="299720"/>
             <a:ext cx="11633200" cy="6258560"/>
           </a:xfrm>
           <a:prstGeom prst="rect">
             <a:avLst/>
           </a:prstGeom>
-          <a:solidFill>
-            <a:schemeClr val="bg1">
-              <a:lumMod val="95000"/>
-              <a:alpha val="70000"/>
-            </a:schemeClr>
-          </a:solidFill>
+          <a:pattFill prst="horzBrick">
+            <a:fgClr>
+              <a:schemeClr val="bg1">
+                <a:lumMod val="85000"/>
+              </a:schemeClr>
+            </a:fgClr>
+            <a:bgClr>
+              <a:schemeClr val="bg1">
+                <a:lumMod val="95000"/>
+              </a:schemeClr>
+            </a:bgClr>
+          </a:pattFill>
           <a:ln>
             <a:noFill/>
           </a:ln>
@@ -13597,133 +13721,332 @@
       </p:grpSpPr>
       <p:sp>
         <p:nvSpPr>
-          <p:cNvPr id="2" name="제목 1">
-            <a:extLst>
-              <a:ext uri="{FF2B5EF4-FFF2-40B4-BE49-F238E27FC236}">
-                <a16:creationId xmlns:a16="http://schemas.microsoft.com/office/drawing/2014/main" id="{79E4594E-B25B-650A-155A-698223F56873}"/>
-              </a:ext>
-            </a:extLst>
-          </p:cNvPr>
-          <p:cNvSpPr>
-            <a:spLocks noGrp="1"/>
-          </p:cNvSpPr>
-          <p:nvPr>
-            <p:ph type="title"/>
-          </p:nvPr>
+          <p:cNvPr id="34" name="직사각형 33">
+            <a:extLst>
+              <a:ext uri="{FF2B5EF4-FFF2-40B4-BE49-F238E27FC236}">
+                <a16:creationId xmlns:a16="http://schemas.microsoft.com/office/drawing/2014/main" id="{8CD48E6A-D855-B6FD-155F-0C8BDBB022D0}"/>
+              </a:ext>
+            </a:extLst>
+          </p:cNvPr>
+          <p:cNvSpPr/>
+          <p:nvPr/>
         </p:nvSpPr>
         <p:spPr>
           <a:xfrm>
-            <a:off x="838200" y="1"/>
-            <a:ext cx="10515600" cy="1690688"/>
-          </a:xfrm>
+            <a:off x="279400" y="299720"/>
+            <a:ext cx="11633200" cy="6258560"/>
+          </a:xfrm>
+          <a:prstGeom prst="rect">
+            <a:avLst/>
+          </a:prstGeom>
+          <a:pattFill prst="horzBrick">
+            <a:fgClr>
+              <a:schemeClr val="bg1">
+                <a:lumMod val="85000"/>
+              </a:schemeClr>
+            </a:fgClr>
+            <a:bgClr>
+              <a:schemeClr val="bg1">
+                <a:lumMod val="95000"/>
+              </a:schemeClr>
+            </a:bgClr>
+          </a:pattFill>
+          <a:ln>
+            <a:noFill/>
+          </a:ln>
         </p:spPr>
+        <p:style>
+          <a:lnRef idx="2">
+            <a:schemeClr val="accent1">
+              <a:shade val="50000"/>
+            </a:schemeClr>
+          </a:lnRef>
+          <a:fillRef idx="1">
+            <a:schemeClr val="accent1"/>
+          </a:fillRef>
+          <a:effectRef idx="0">
+            <a:schemeClr val="accent1"/>
+          </a:effectRef>
+          <a:fontRef idx="minor">
+            <a:schemeClr val="lt1"/>
+          </a:fontRef>
+        </p:style>
         <p:txBody>
-          <a:bodyPr/>
+          <a:bodyPr rtlCol="0" anchor="ctr"/>
           <a:lstStyle/>
           <a:p>
-            <a:r>
-              <a:rPr lang="en-US" altLang="ko-KR" dirty="0"/>
-              <a:t>4.</a:t>
-            </a:r>
-            <a:r>
-              <a:rPr lang="ko-KR" altLang="en-US" dirty="0"/>
-              <a:t>양방향 </a:t>
-            </a:r>
-            <a:r>
-              <a:rPr lang="en-US" altLang="ko-KR" dirty="0" err="1"/>
-              <a:t>Lstm</a:t>
-            </a:r>
+            <a:pPr algn="ctr"/>
             <a:endParaRPr lang="ko-KR" altLang="en-US" dirty="0"/>
           </a:p>
         </p:txBody>
       </p:sp>
+      <p:grpSp>
+        <p:nvGrpSpPr>
+          <p:cNvPr id="9" name="그룹 8">
+            <a:extLst>
+              <a:ext uri="{FF2B5EF4-FFF2-40B4-BE49-F238E27FC236}">
+                <a16:creationId xmlns:a16="http://schemas.microsoft.com/office/drawing/2014/main" id="{70FBA9BF-4599-4701-F0FE-19A00CE54B03}"/>
+              </a:ext>
+            </a:extLst>
+          </p:cNvPr>
+          <p:cNvGrpSpPr/>
+          <p:nvPr/>
+        </p:nvGrpSpPr>
+        <p:grpSpPr>
+          <a:xfrm>
+            <a:off x="466124" y="652048"/>
+            <a:ext cx="6168357" cy="839671"/>
+            <a:chOff x="416847" y="602127"/>
+            <a:chExt cx="4540529" cy="624548"/>
+          </a:xfrm>
+        </p:grpSpPr>
+        <p:pic>
+          <p:nvPicPr>
+            <p:cNvPr id="10" name="그래픽 9" descr="건물 단색으로 채워진">
+              <a:extLst>
+                <a:ext uri="{FF2B5EF4-FFF2-40B4-BE49-F238E27FC236}">
+                  <a16:creationId xmlns:a16="http://schemas.microsoft.com/office/drawing/2014/main" id="{73AD14D9-8BB1-A9D6-DE26-B03FDCE89900}"/>
+                </a:ext>
+              </a:extLst>
+            </p:cNvPr>
+            <p:cNvPicPr>
+              <a:picLocks noChangeAspect="1"/>
+            </p:cNvPicPr>
+            <p:nvPr/>
+          </p:nvPicPr>
+          <p:blipFill>
+            <a:blip r:embed="rId2">
+              <a:extLst>
+                <a:ext uri="{28A0092B-C50C-407E-A947-70E740481C1C}">
+                  <a14:useLocalDpi xmlns:a14="http://schemas.microsoft.com/office/drawing/2010/main" val="0"/>
+                </a:ext>
+                <a:ext uri="{96DAC541-7B7A-43D3-8B79-37D633B846F1}">
+                  <asvg:svgBlip xmlns:asvg="http://schemas.microsoft.com/office/drawing/2016/SVG/main" r:embed="rId3"/>
+                </a:ext>
+              </a:extLst>
+            </a:blip>
+            <a:stretch>
+              <a:fillRect/>
+            </a:stretch>
+          </p:blipFill>
+          <p:spPr>
+            <a:xfrm>
+              <a:off x="416847" y="602127"/>
+              <a:ext cx="624547" cy="624548"/>
+            </a:xfrm>
+            <a:prstGeom prst="rect">
+              <a:avLst/>
+            </a:prstGeom>
+          </p:spPr>
+        </p:pic>
+        <p:sp>
+          <p:nvSpPr>
+            <p:cNvPr id="11" name="TextBox 10">
+              <a:extLst>
+                <a:ext uri="{FF2B5EF4-FFF2-40B4-BE49-F238E27FC236}">
+                  <a16:creationId xmlns:a16="http://schemas.microsoft.com/office/drawing/2014/main" id="{4A81FC62-9F60-B629-D6BC-2F4422E78472}"/>
+                </a:ext>
+              </a:extLst>
+            </p:cNvPr>
+            <p:cNvSpPr txBox="1"/>
+            <p:nvPr/>
+          </p:nvSpPr>
+          <p:spPr>
+            <a:xfrm>
+              <a:off x="1500707" y="651137"/>
+              <a:ext cx="3456669" cy="526526"/>
+            </a:xfrm>
+            <a:prstGeom prst="rect">
+              <a:avLst/>
+            </a:prstGeom>
+            <a:noFill/>
+          </p:spPr>
+          <p:txBody>
+            <a:bodyPr wrap="square" rtlCol="0">
+              <a:spAutoFit/>
+            </a:bodyPr>
+            <a:lstStyle/>
+            <a:p>
+              <a:r>
+                <a:rPr lang="ko-KR" altLang="en-US" sz="4000" b="1" dirty="0">
+                  <a:solidFill>
+                    <a:schemeClr val="tx1">
+                      <a:lumMod val="75000"/>
+                      <a:lumOff val="25000"/>
+                    </a:schemeClr>
+                  </a:solidFill>
+                </a:rPr>
+                <a:t>양방향 </a:t>
+              </a:r>
+              <a:r>
+                <a:rPr lang="en-US" altLang="ko-KR" sz="4000" b="1" dirty="0">
+                  <a:solidFill>
+                    <a:schemeClr val="tx1">
+                      <a:lumMod val="75000"/>
+                      <a:lumOff val="25000"/>
+                    </a:schemeClr>
+                  </a:solidFill>
+                </a:rPr>
+                <a:t>LSTM</a:t>
+              </a:r>
+              <a:endParaRPr lang="ko-KR" altLang="en-US" sz="4000" b="1" dirty="0">
+                <a:solidFill>
+                  <a:schemeClr val="tx1">
+                    <a:lumMod val="75000"/>
+                    <a:lumOff val="25000"/>
+                  </a:schemeClr>
+                </a:solidFill>
+              </a:endParaRPr>
+            </a:p>
+          </p:txBody>
+        </p:sp>
+        <p:sp>
+          <p:nvSpPr>
+            <p:cNvPr id="12" name="TextBox 11">
+              <a:extLst>
+                <a:ext uri="{FF2B5EF4-FFF2-40B4-BE49-F238E27FC236}">
+                  <a16:creationId xmlns:a16="http://schemas.microsoft.com/office/drawing/2014/main" id="{701D22C1-FC35-2F95-777D-99D2AD99ED44}"/>
+                </a:ext>
+              </a:extLst>
+            </p:cNvPr>
+            <p:cNvSpPr txBox="1"/>
+            <p:nvPr/>
+          </p:nvSpPr>
+          <p:spPr>
+            <a:xfrm>
+              <a:off x="1065326" y="602127"/>
+              <a:ext cx="870761" cy="618096"/>
+            </a:xfrm>
+            <a:prstGeom prst="rect">
+              <a:avLst/>
+            </a:prstGeom>
+            <a:noFill/>
+          </p:spPr>
+          <p:txBody>
+            <a:bodyPr wrap="square" rtlCol="0">
+              <a:spAutoFit/>
+            </a:bodyPr>
+            <a:lstStyle/>
+            <a:p>
+              <a:r>
+                <a:rPr lang="en-US" altLang="ko-KR" sz="4800" b="1" dirty="0">
+                  <a:solidFill>
+                    <a:schemeClr val="tx2">
+                      <a:lumMod val="75000"/>
+                    </a:schemeClr>
+                  </a:solidFill>
+                  <a:effectLst>
+                    <a:outerShdw blurRad="38100" dist="38100" dir="2700000" algn="tl">
+                      <a:srgbClr val="000000">
+                        <a:alpha val="43137"/>
+                      </a:srgbClr>
+                    </a:outerShdw>
+                  </a:effectLst>
+                </a:rPr>
+                <a:t>4.</a:t>
+              </a:r>
+              <a:endParaRPr lang="ko-KR" altLang="en-US" sz="4800" b="1" dirty="0">
+                <a:solidFill>
+                  <a:schemeClr val="tx2">
+                    <a:lumMod val="75000"/>
+                  </a:schemeClr>
+                </a:solidFill>
+                <a:effectLst>
+                  <a:outerShdw blurRad="38100" dist="38100" dir="2700000" algn="tl">
+                    <a:srgbClr val="000000">
+                      <a:alpha val="43137"/>
+                    </a:srgbClr>
+                  </a:outerShdw>
+                </a:effectLst>
+              </a:endParaRPr>
+            </a:p>
+          </p:txBody>
+        </p:sp>
+      </p:grpSp>
       <p:sp>
         <p:nvSpPr>
-          <p:cNvPr id="3" name="내용 개체 틀 2">
-            <a:extLst>
-              <a:ext uri="{FF2B5EF4-FFF2-40B4-BE49-F238E27FC236}">
-                <a16:creationId xmlns:a16="http://schemas.microsoft.com/office/drawing/2014/main" id="{419432FB-CE38-1569-8178-97D2384AF1DA}"/>
-              </a:ext>
-            </a:extLst>
-          </p:cNvPr>
-          <p:cNvSpPr>
-            <a:spLocks noGrp="1"/>
-          </p:cNvSpPr>
-          <p:nvPr>
-            <p:ph idx="1"/>
-          </p:nvPr>
+          <p:cNvPr id="15" name="TextBox 14">
+            <a:extLst>
+              <a:ext uri="{FF2B5EF4-FFF2-40B4-BE49-F238E27FC236}">
+                <a16:creationId xmlns:a16="http://schemas.microsoft.com/office/drawing/2014/main" id="{6E52DC0E-0325-44A5-D4C9-14F477EF454C}"/>
+              </a:ext>
+            </a:extLst>
+          </p:cNvPr>
+          <p:cNvSpPr txBox="1"/>
+          <p:nvPr/>
         </p:nvSpPr>
         <p:spPr>
           <a:xfrm>
-            <a:off x="518984" y="1145060"/>
-            <a:ext cx="10834816" cy="5031904"/>
-          </a:xfrm>
+            <a:off x="975153" y="2293381"/>
+            <a:ext cx="4573828" cy="461665"/>
+          </a:xfrm>
+          <a:prstGeom prst="rect">
+            <a:avLst/>
+          </a:prstGeom>
+          <a:noFill/>
         </p:spPr>
         <p:txBody>
-          <a:bodyPr>
-            <a:normAutofit/>
+          <a:bodyPr wrap="square">
+            <a:spAutoFit/>
           </a:bodyPr>
           <a:lstStyle/>
           <a:p>
             <a:r>
-              <a:rPr lang="ko-KR" altLang="en-US" dirty="0"/>
-              <a:t>서울과의 관계성이 낮은 군집</a:t>
-            </a:r>
-            <a:r>
-              <a:rPr lang="en-US" altLang="ko-KR" dirty="0"/>
+              <a:rPr lang="ko-KR" altLang="en-US" sz="2400" b="1" dirty="0">
+                <a:solidFill>
+                  <a:schemeClr val="accent5">
+                    <a:lumMod val="50000"/>
+                  </a:schemeClr>
+                </a:solidFill>
+              </a:rPr>
+              <a:t>군집</a:t>
+            </a:r>
+            <a:r>
+              <a:rPr lang="en-US" altLang="ko-KR" sz="2400" b="1" dirty="0">
+                <a:solidFill>
+                  <a:schemeClr val="accent5">
+                    <a:lumMod val="50000"/>
+                  </a:schemeClr>
+                </a:solidFill>
+              </a:rPr>
               <a:t>2</a:t>
             </a:r>
             <a:r>
-              <a:rPr lang="ko-KR" altLang="en-US" dirty="0"/>
-              <a:t>의 평가지수가 다른 군집에 비해 높은 경향을 파악하고 이를 고치기 위해서 연도별 상관관계를 추출</a:t>
-            </a:r>
-          </a:p>
-          <a:p>
-            <a:r>
-              <a:rPr lang="en-US" altLang="ko-KR" dirty="0"/>
-              <a:t>4</a:t>
-            </a:r>
-            <a:r>
-              <a:rPr lang="ko-KR" altLang="en-US" dirty="0" err="1"/>
-              <a:t>년전</a:t>
-            </a:r>
-            <a:r>
-              <a:rPr lang="ko-KR" altLang="en-US" dirty="0"/>
-              <a:t> 부터 최근으로 올수록 상관도가 </a:t>
-            </a:r>
-            <a:r>
-              <a:rPr lang="ko-KR" altLang="en-US" dirty="0" err="1"/>
-              <a:t>높아지는것을</a:t>
-            </a:r>
-            <a:r>
-              <a:rPr lang="ko-KR" altLang="en-US" dirty="0"/>
-              <a:t> </a:t>
-            </a:r>
-            <a:r>
-              <a:rPr lang="ko-KR" altLang="en-US" dirty="0" err="1"/>
-              <a:t>알수</a:t>
-            </a:r>
-            <a:r>
-              <a:rPr lang="ko-KR" altLang="en-US" dirty="0"/>
-              <a:t> 있다 이런 변화된 경향을 반영하기 위해 양방향 </a:t>
-            </a:r>
-            <a:r>
-              <a:rPr lang="en-US" altLang="ko-KR" dirty="0" err="1"/>
-              <a:t>lstm</a:t>
-            </a:r>
-            <a:r>
-              <a:rPr lang="ko-KR" altLang="en-US" dirty="0"/>
-              <a:t>모델을 설계</a:t>
-            </a:r>
+              <a:rPr lang="ko-KR" altLang="en-US" sz="2400" b="1" dirty="0">
+                <a:solidFill>
+                  <a:schemeClr val="accent5">
+                    <a:lumMod val="50000"/>
+                  </a:schemeClr>
+                </a:solidFill>
+              </a:rPr>
+              <a:t>의 평가지수 상대적 </a:t>
+            </a:r>
+            <a:r>
+              <a:rPr lang="en-US" altLang="ko-KR" sz="2400" b="1" dirty="0">
+                <a:solidFill>
+                  <a:schemeClr val="accent5">
+                    <a:lumMod val="50000"/>
+                  </a:schemeClr>
+                </a:solidFill>
+              </a:rPr>
+              <a:t>Low</a:t>
+            </a:r>
+            <a:endParaRPr lang="ko-KR" altLang="en-US" sz="2400" b="1" dirty="0">
+              <a:solidFill>
+                <a:schemeClr val="accent5">
+                  <a:lumMod val="50000"/>
+                </a:schemeClr>
+              </a:solidFill>
+            </a:endParaRPr>
           </a:p>
         </p:txBody>
       </p:sp>
       <p:pic>
         <p:nvPicPr>
-          <p:cNvPr id="4" name="Picture 2">
-            <a:extLst>
-              <a:ext uri="{FF2B5EF4-FFF2-40B4-BE49-F238E27FC236}">
-                <a16:creationId xmlns:a16="http://schemas.microsoft.com/office/drawing/2014/main" id="{0247E681-E2A5-54E3-83DD-AF0BC97E8D5D}"/>
+          <p:cNvPr id="16" name="Picture 2">
+            <a:extLst>
+              <a:ext uri="{FF2B5EF4-FFF2-40B4-BE49-F238E27FC236}">
+                <a16:creationId xmlns:a16="http://schemas.microsoft.com/office/drawing/2014/main" id="{79D58143-3C52-935A-B8B1-D3089045F628}"/>
               </a:ext>
             </a:extLst>
           </p:cNvPr>
@@ -13733,7 +14056,7 @@
           <p:nvPr/>
         </p:nvPicPr>
         <p:blipFill>
-          <a:blip r:embed="rId2">
+          <a:blip r:embed="rId4">
             <a:extLst>
               <a:ext uri="{28A0092B-C50C-407E-A947-70E740481C1C}">
                 <a14:useLocalDpi xmlns:a14="http://schemas.microsoft.com/office/drawing/2010/main" val="0"/>
@@ -13747,8 +14070,8 @@
         </p:blipFill>
         <p:spPr bwMode="auto">
           <a:xfrm>
-            <a:off x="632184" y="3962842"/>
-            <a:ext cx="3492844" cy="1976952"/>
+            <a:off x="6002043" y="377627"/>
+            <a:ext cx="4762151" cy="2695380"/>
           </a:xfrm>
           <a:prstGeom prst="rect">
             <a:avLst/>
@@ -13790,10 +14113,10 @@
       </p:pic>
       <p:pic>
         <p:nvPicPr>
-          <p:cNvPr id="5" name="Picture 3">
-            <a:extLst>
-              <a:ext uri="{FF2B5EF4-FFF2-40B4-BE49-F238E27FC236}">
-                <a16:creationId xmlns:a16="http://schemas.microsoft.com/office/drawing/2014/main" id="{8122E6B4-2336-5057-CFDC-1D28C1D58140}"/>
+          <p:cNvPr id="17" name="Picture 3">
+            <a:extLst>
+              <a:ext uri="{FF2B5EF4-FFF2-40B4-BE49-F238E27FC236}">
+                <a16:creationId xmlns:a16="http://schemas.microsoft.com/office/drawing/2014/main" id="{2D201DB5-282B-C7B5-4387-42D8C67238AF}"/>
               </a:ext>
             </a:extLst>
           </p:cNvPr>
@@ -13803,7 +14126,7 @@
           <p:nvPr/>
         </p:nvPicPr>
         <p:blipFill>
-          <a:blip r:embed="rId3">
+          <a:blip r:embed="rId5">
             <a:extLst>
               <a:ext uri="{28A0092B-C50C-407E-A947-70E740481C1C}">
                 <a14:useLocalDpi xmlns:a14="http://schemas.microsoft.com/office/drawing/2010/main" val="0"/>
@@ -13817,8 +14140,8 @@
         </p:blipFill>
         <p:spPr bwMode="auto">
           <a:xfrm>
-            <a:off x="3914189" y="3962842"/>
-            <a:ext cx="3503317" cy="1976952"/>
+            <a:off x="663492" y="3604303"/>
+            <a:ext cx="5048417" cy="2848865"/>
           </a:xfrm>
           <a:prstGeom prst="rect">
             <a:avLst/>
@@ -13860,10 +14183,10 @@
       </p:pic>
       <p:pic>
         <p:nvPicPr>
-          <p:cNvPr id="6" name="Picture 4">
-            <a:extLst>
-              <a:ext uri="{FF2B5EF4-FFF2-40B4-BE49-F238E27FC236}">
-                <a16:creationId xmlns:a16="http://schemas.microsoft.com/office/drawing/2014/main" id="{28F6CA54-FAC9-668D-D712-851C5B821CA0}"/>
+          <p:cNvPr id="18" name="Picture 4">
+            <a:extLst>
+              <a:ext uri="{FF2B5EF4-FFF2-40B4-BE49-F238E27FC236}">
+                <a16:creationId xmlns:a16="http://schemas.microsoft.com/office/drawing/2014/main" id="{ECE46205-D215-ABD4-9AB0-F15DA8571E2E}"/>
               </a:ext>
             </a:extLst>
           </p:cNvPr>
@@ -13873,7 +14196,7 @@
           <p:nvPr/>
         </p:nvPicPr>
         <p:blipFill>
-          <a:blip r:embed="rId4">
+          <a:blip r:embed="rId6">
             <a:extLst>
               <a:ext uri="{28A0092B-C50C-407E-A947-70E740481C1C}">
                 <a14:useLocalDpi xmlns:a14="http://schemas.microsoft.com/office/drawing/2010/main" val="0"/>
@@ -13887,8 +14210,8 @@
         </p:blipFill>
         <p:spPr bwMode="auto">
           <a:xfrm>
-            <a:off x="7417507" y="3962842"/>
-            <a:ext cx="3513946" cy="1976952"/>
+            <a:off x="5920918" y="3604303"/>
+            <a:ext cx="4924402" cy="2848865"/>
           </a:xfrm>
           <a:prstGeom prst="rect">
             <a:avLst/>
@@ -13928,10 +14251,207 @@
           </a:extLst>
         </p:spPr>
       </p:pic>
+      <p:sp>
+        <p:nvSpPr>
+          <p:cNvPr id="27" name="TextBox 26">
+            <a:extLst>
+              <a:ext uri="{FF2B5EF4-FFF2-40B4-BE49-F238E27FC236}">
+                <a16:creationId xmlns:a16="http://schemas.microsoft.com/office/drawing/2014/main" id="{B6CEDB33-C364-65D9-FC42-1C515CD868EF}"/>
+              </a:ext>
+            </a:extLst>
+          </p:cNvPr>
+          <p:cNvSpPr txBox="1"/>
+          <p:nvPr/>
+        </p:nvSpPr>
+        <p:spPr>
+          <a:xfrm>
+            <a:off x="3262067" y="3429000"/>
+            <a:ext cx="1536943" cy="584775"/>
+          </a:xfrm>
+          <a:prstGeom prst="rect">
+            <a:avLst/>
+          </a:prstGeom>
+          <a:noFill/>
+        </p:spPr>
+        <p:txBody>
+          <a:bodyPr wrap="square" rtlCol="0">
+            <a:spAutoFit/>
+          </a:bodyPr>
+          <a:lstStyle/>
+          <a:p>
+            <a:r>
+              <a:rPr lang="en-US" altLang="ko-KR" sz="3200" b="1" dirty="0">
+                <a:solidFill>
+                  <a:schemeClr val="accent5">
+                    <a:lumMod val="50000"/>
+                  </a:schemeClr>
+                </a:solidFill>
+                <a:effectLst>
+                  <a:outerShdw blurRad="38100" dist="38100" dir="2700000" algn="tl">
+                    <a:srgbClr val="000000">
+                      <a:alpha val="43137"/>
+                    </a:srgbClr>
+                  </a:outerShdw>
+                </a:effectLst>
+              </a:rPr>
+              <a:t>4</a:t>
+            </a:r>
+            <a:r>
+              <a:rPr lang="ko-KR" altLang="en-US" sz="3200" b="1" dirty="0" err="1">
+                <a:solidFill>
+                  <a:schemeClr val="accent5">
+                    <a:lumMod val="50000"/>
+                  </a:schemeClr>
+                </a:solidFill>
+                <a:effectLst>
+                  <a:outerShdw blurRad="38100" dist="38100" dir="2700000" algn="tl">
+                    <a:srgbClr val="000000">
+                      <a:alpha val="43137"/>
+                    </a:srgbClr>
+                  </a:outerShdw>
+                </a:effectLst>
+              </a:rPr>
+              <a:t>년전</a:t>
+            </a:r>
+            <a:endParaRPr lang="ko-KR" altLang="en-US" sz="3200" b="1" dirty="0">
+              <a:solidFill>
+                <a:schemeClr val="accent5">
+                  <a:lumMod val="50000"/>
+                </a:schemeClr>
+              </a:solidFill>
+              <a:effectLst>
+                <a:outerShdw blurRad="38100" dist="38100" dir="2700000" algn="tl">
+                  <a:srgbClr val="000000">
+                    <a:alpha val="43137"/>
+                  </a:srgbClr>
+                </a:outerShdw>
+              </a:effectLst>
+            </a:endParaRPr>
+          </a:p>
+        </p:txBody>
+      </p:sp>
+      <p:sp>
+        <p:nvSpPr>
+          <p:cNvPr id="28" name="TextBox 27">
+            <a:extLst>
+              <a:ext uri="{FF2B5EF4-FFF2-40B4-BE49-F238E27FC236}">
+                <a16:creationId xmlns:a16="http://schemas.microsoft.com/office/drawing/2014/main" id="{D1D2ABFD-B197-B7A2-DDA6-EA92366E4EDA}"/>
+              </a:ext>
+            </a:extLst>
+          </p:cNvPr>
+          <p:cNvSpPr txBox="1"/>
+          <p:nvPr/>
+        </p:nvSpPr>
+        <p:spPr>
+          <a:xfrm>
+            <a:off x="8346073" y="3478660"/>
+            <a:ext cx="1536943" cy="584775"/>
+          </a:xfrm>
+          <a:prstGeom prst="rect">
+            <a:avLst/>
+          </a:prstGeom>
+          <a:noFill/>
+        </p:spPr>
+        <p:txBody>
+          <a:bodyPr wrap="square" rtlCol="0">
+            <a:spAutoFit/>
+          </a:bodyPr>
+          <a:lstStyle/>
+          <a:p>
+            <a:r>
+              <a:rPr lang="en-US" altLang="ko-KR" sz="3200" b="1" dirty="0">
+                <a:solidFill>
+                  <a:schemeClr val="accent5">
+                    <a:lumMod val="50000"/>
+                  </a:schemeClr>
+                </a:solidFill>
+                <a:effectLst>
+                  <a:outerShdw blurRad="38100" dist="38100" dir="2700000" algn="tl">
+                    <a:srgbClr val="000000">
+                      <a:alpha val="43137"/>
+                    </a:srgbClr>
+                  </a:outerShdw>
+                </a:effectLst>
+              </a:rPr>
+              <a:t>1</a:t>
+            </a:r>
+            <a:r>
+              <a:rPr lang="ko-KR" altLang="en-US" sz="3200" b="1" dirty="0" err="1">
+                <a:solidFill>
+                  <a:schemeClr val="accent5">
+                    <a:lumMod val="50000"/>
+                  </a:schemeClr>
+                </a:solidFill>
+                <a:effectLst>
+                  <a:outerShdw blurRad="38100" dist="38100" dir="2700000" algn="tl">
+                    <a:srgbClr val="000000">
+                      <a:alpha val="43137"/>
+                    </a:srgbClr>
+                  </a:outerShdw>
+                </a:effectLst>
+              </a:rPr>
+              <a:t>년전</a:t>
+            </a:r>
+            <a:endParaRPr lang="ko-KR" altLang="en-US" sz="3200" b="1" dirty="0">
+              <a:solidFill>
+                <a:schemeClr val="accent5">
+                  <a:lumMod val="50000"/>
+                </a:schemeClr>
+              </a:solidFill>
+              <a:effectLst>
+                <a:outerShdw blurRad="38100" dist="38100" dir="2700000" algn="tl">
+                  <a:srgbClr val="000000">
+                    <a:alpha val="43137"/>
+                  </a:srgbClr>
+                </a:outerShdw>
+              </a:effectLst>
+            </a:endParaRPr>
+          </a:p>
+        </p:txBody>
+      </p:sp>
+      <p:pic>
+        <p:nvPicPr>
+          <p:cNvPr id="31" name="그래픽 30" descr="갈매기형 화살표 단색으로 채워진">
+            <a:extLst>
+              <a:ext uri="{FF2B5EF4-FFF2-40B4-BE49-F238E27FC236}">
+                <a16:creationId xmlns:a16="http://schemas.microsoft.com/office/drawing/2014/main" id="{F9128B56-5C6D-481D-CCC0-212C7EC6C37F}"/>
+              </a:ext>
+            </a:extLst>
+          </p:cNvPr>
+          <p:cNvPicPr>
+            <a:picLocks noChangeAspect="1"/>
+          </p:cNvPicPr>
+          <p:nvPr/>
+        </p:nvPicPr>
+        <p:blipFill>
+          <a:blip r:embed="rId7">
+            <a:extLst>
+              <a:ext uri="{28A0092B-C50C-407E-A947-70E740481C1C}">
+                <a14:useLocalDpi xmlns:a14="http://schemas.microsoft.com/office/drawing/2010/main" val="0"/>
+              </a:ext>
+              <a:ext uri="{96DAC541-7B7A-43D3-8B79-37D633B846F1}">
+                <asvg:svgBlip xmlns:asvg="http://schemas.microsoft.com/office/drawing/2016/SVG/main" r:embed="rId8"/>
+              </a:ext>
+            </a:extLst>
+          </a:blip>
+          <a:stretch>
+            <a:fillRect/>
+          </a:stretch>
+        </p:blipFill>
+        <p:spPr>
+          <a:xfrm>
+            <a:off x="5372713" y="4102554"/>
+            <a:ext cx="831273" cy="831273"/>
+          </a:xfrm>
+          <a:prstGeom prst="rect">
+            <a:avLst/>
+          </a:prstGeom>
+        </p:spPr>
+      </p:pic>
     </p:spTree>
     <p:extLst>
       <p:ext uri="{BB962C8B-B14F-4D97-AF65-F5344CB8AC3E}">
-        <p14:creationId xmlns:p14="http://schemas.microsoft.com/office/powerpoint/2010/main" val="3493223357"/>
+        <p14:creationId xmlns:p14="http://schemas.microsoft.com/office/powerpoint/2010/main" val="2776878332"/>
       </p:ext>
     </p:extLst>
   </p:cSld>
@@ -13960,96 +14480,303 @@
       </p:grpSpPr>
       <p:sp>
         <p:nvSpPr>
-          <p:cNvPr id="2" name="제목 1">
-            <a:extLst>
-              <a:ext uri="{FF2B5EF4-FFF2-40B4-BE49-F238E27FC236}">
-                <a16:creationId xmlns:a16="http://schemas.microsoft.com/office/drawing/2014/main" id="{79E4594E-B25B-650A-155A-698223F56873}"/>
-              </a:ext>
-            </a:extLst>
-          </p:cNvPr>
-          <p:cNvSpPr>
-            <a:spLocks noGrp="1"/>
-          </p:cNvSpPr>
-          <p:nvPr>
-            <p:ph type="title"/>
-          </p:nvPr>
+          <p:cNvPr id="20" name="직사각형 19">
+            <a:extLst>
+              <a:ext uri="{FF2B5EF4-FFF2-40B4-BE49-F238E27FC236}">
+                <a16:creationId xmlns:a16="http://schemas.microsoft.com/office/drawing/2014/main" id="{32FEACCA-6DB2-7572-7EFF-FD33357B4ACE}"/>
+              </a:ext>
+            </a:extLst>
+          </p:cNvPr>
+          <p:cNvSpPr/>
+          <p:nvPr/>
         </p:nvSpPr>
         <p:spPr>
           <a:xfrm>
-            <a:off x="838200" y="1"/>
-            <a:ext cx="10515600" cy="1690688"/>
-          </a:xfrm>
+            <a:off x="279400" y="299720"/>
+            <a:ext cx="11633200" cy="6258560"/>
+          </a:xfrm>
+          <a:prstGeom prst="rect">
+            <a:avLst/>
+          </a:prstGeom>
+          <a:pattFill prst="horzBrick">
+            <a:fgClr>
+              <a:schemeClr val="bg1">
+                <a:lumMod val="85000"/>
+              </a:schemeClr>
+            </a:fgClr>
+            <a:bgClr>
+              <a:schemeClr val="bg1">
+                <a:lumMod val="95000"/>
+              </a:schemeClr>
+            </a:bgClr>
+          </a:pattFill>
+          <a:ln>
+            <a:noFill/>
+          </a:ln>
         </p:spPr>
+        <p:style>
+          <a:lnRef idx="2">
+            <a:schemeClr val="accent1">
+              <a:shade val="50000"/>
+            </a:schemeClr>
+          </a:lnRef>
+          <a:fillRef idx="1">
+            <a:schemeClr val="accent1"/>
+          </a:fillRef>
+          <a:effectRef idx="0">
+            <a:schemeClr val="accent1"/>
+          </a:effectRef>
+          <a:fontRef idx="minor">
+            <a:schemeClr val="lt1"/>
+          </a:fontRef>
+        </p:style>
         <p:txBody>
-          <a:bodyPr/>
+          <a:bodyPr rtlCol="0" anchor="ctr"/>
           <a:lstStyle/>
           <a:p>
-            <a:r>
-              <a:rPr lang="en-US" altLang="ko-KR" dirty="0"/>
-              <a:t>4.</a:t>
-            </a:r>
-            <a:r>
-              <a:rPr lang="ko-KR" altLang="en-US" dirty="0"/>
-              <a:t>양방향 </a:t>
-            </a:r>
-            <a:r>
-              <a:rPr lang="en-US" altLang="ko-KR" dirty="0" err="1"/>
-              <a:t>Lstm</a:t>
-            </a:r>
+            <a:pPr algn="ctr"/>
             <a:endParaRPr lang="ko-KR" altLang="en-US" dirty="0"/>
           </a:p>
         </p:txBody>
       </p:sp>
+      <p:grpSp>
+        <p:nvGrpSpPr>
+          <p:cNvPr id="9" name="그룹 8">
+            <a:extLst>
+              <a:ext uri="{FF2B5EF4-FFF2-40B4-BE49-F238E27FC236}">
+                <a16:creationId xmlns:a16="http://schemas.microsoft.com/office/drawing/2014/main" id="{70FBA9BF-4599-4701-F0FE-19A00CE54B03}"/>
+              </a:ext>
+            </a:extLst>
+          </p:cNvPr>
+          <p:cNvGrpSpPr/>
+          <p:nvPr/>
+        </p:nvGrpSpPr>
+        <p:grpSpPr>
+          <a:xfrm>
+            <a:off x="466124" y="652048"/>
+            <a:ext cx="6168357" cy="839671"/>
+            <a:chOff x="416847" y="602127"/>
+            <a:chExt cx="4540529" cy="624548"/>
+          </a:xfrm>
+        </p:grpSpPr>
+        <p:pic>
+          <p:nvPicPr>
+            <p:cNvPr id="10" name="그래픽 9" descr="건물 단색으로 채워진">
+              <a:extLst>
+                <a:ext uri="{FF2B5EF4-FFF2-40B4-BE49-F238E27FC236}">
+                  <a16:creationId xmlns:a16="http://schemas.microsoft.com/office/drawing/2014/main" id="{73AD14D9-8BB1-A9D6-DE26-B03FDCE89900}"/>
+                </a:ext>
+              </a:extLst>
+            </p:cNvPr>
+            <p:cNvPicPr>
+              <a:picLocks noChangeAspect="1"/>
+            </p:cNvPicPr>
+            <p:nvPr/>
+          </p:nvPicPr>
+          <p:blipFill>
+            <a:blip r:embed="rId2">
+              <a:extLst>
+                <a:ext uri="{28A0092B-C50C-407E-A947-70E740481C1C}">
+                  <a14:useLocalDpi xmlns:a14="http://schemas.microsoft.com/office/drawing/2010/main" val="0"/>
+                </a:ext>
+                <a:ext uri="{96DAC541-7B7A-43D3-8B79-37D633B846F1}">
+                  <asvg:svgBlip xmlns:asvg="http://schemas.microsoft.com/office/drawing/2016/SVG/main" r:embed="rId3"/>
+                </a:ext>
+              </a:extLst>
+            </a:blip>
+            <a:stretch>
+              <a:fillRect/>
+            </a:stretch>
+          </p:blipFill>
+          <p:spPr>
+            <a:xfrm>
+              <a:off x="416847" y="602127"/>
+              <a:ext cx="624547" cy="624548"/>
+            </a:xfrm>
+            <a:prstGeom prst="rect">
+              <a:avLst/>
+            </a:prstGeom>
+          </p:spPr>
+        </p:pic>
+        <p:sp>
+          <p:nvSpPr>
+            <p:cNvPr id="11" name="TextBox 10">
+              <a:extLst>
+                <a:ext uri="{FF2B5EF4-FFF2-40B4-BE49-F238E27FC236}">
+                  <a16:creationId xmlns:a16="http://schemas.microsoft.com/office/drawing/2014/main" id="{4A81FC62-9F60-B629-D6BC-2F4422E78472}"/>
+                </a:ext>
+              </a:extLst>
+            </p:cNvPr>
+            <p:cNvSpPr txBox="1"/>
+            <p:nvPr/>
+          </p:nvSpPr>
+          <p:spPr>
+            <a:xfrm>
+              <a:off x="1500707" y="651137"/>
+              <a:ext cx="3456669" cy="526526"/>
+            </a:xfrm>
+            <a:prstGeom prst="rect">
+              <a:avLst/>
+            </a:prstGeom>
+            <a:noFill/>
+          </p:spPr>
+          <p:txBody>
+            <a:bodyPr wrap="square" rtlCol="0">
+              <a:spAutoFit/>
+            </a:bodyPr>
+            <a:lstStyle/>
+            <a:p>
+              <a:r>
+                <a:rPr lang="ko-KR" altLang="en-US" sz="4000" b="1" dirty="0">
+                  <a:solidFill>
+                    <a:schemeClr val="tx1">
+                      <a:lumMod val="75000"/>
+                      <a:lumOff val="25000"/>
+                    </a:schemeClr>
+                  </a:solidFill>
+                </a:rPr>
+                <a:t>양방향 </a:t>
+              </a:r>
+              <a:r>
+                <a:rPr lang="en-US" altLang="ko-KR" sz="4000" b="1" dirty="0">
+                  <a:solidFill>
+                    <a:schemeClr val="tx1">
+                      <a:lumMod val="75000"/>
+                      <a:lumOff val="25000"/>
+                    </a:schemeClr>
+                  </a:solidFill>
+                </a:rPr>
+                <a:t>LSTM</a:t>
+              </a:r>
+              <a:endParaRPr lang="ko-KR" altLang="en-US" sz="4000" b="1" dirty="0">
+                <a:solidFill>
+                  <a:schemeClr val="tx1">
+                    <a:lumMod val="75000"/>
+                    <a:lumOff val="25000"/>
+                  </a:schemeClr>
+                </a:solidFill>
+              </a:endParaRPr>
+            </a:p>
+          </p:txBody>
+        </p:sp>
+        <p:sp>
+          <p:nvSpPr>
+            <p:cNvPr id="12" name="TextBox 11">
+              <a:extLst>
+                <a:ext uri="{FF2B5EF4-FFF2-40B4-BE49-F238E27FC236}">
+                  <a16:creationId xmlns:a16="http://schemas.microsoft.com/office/drawing/2014/main" id="{701D22C1-FC35-2F95-777D-99D2AD99ED44}"/>
+                </a:ext>
+              </a:extLst>
+            </p:cNvPr>
+            <p:cNvSpPr txBox="1"/>
+            <p:nvPr/>
+          </p:nvSpPr>
+          <p:spPr>
+            <a:xfrm>
+              <a:off x="1065326" y="602127"/>
+              <a:ext cx="870761" cy="618096"/>
+            </a:xfrm>
+            <a:prstGeom prst="rect">
+              <a:avLst/>
+            </a:prstGeom>
+            <a:noFill/>
+          </p:spPr>
+          <p:txBody>
+            <a:bodyPr wrap="square" rtlCol="0">
+              <a:spAutoFit/>
+            </a:bodyPr>
+            <a:lstStyle/>
+            <a:p>
+              <a:r>
+                <a:rPr lang="en-US" altLang="ko-KR" sz="4800" b="1" dirty="0">
+                  <a:solidFill>
+                    <a:schemeClr val="tx2">
+                      <a:lumMod val="75000"/>
+                    </a:schemeClr>
+                  </a:solidFill>
+                  <a:effectLst>
+                    <a:outerShdw blurRad="38100" dist="38100" dir="2700000" algn="tl">
+                      <a:srgbClr val="000000">
+                        <a:alpha val="43137"/>
+                      </a:srgbClr>
+                    </a:outerShdw>
+                  </a:effectLst>
+                </a:rPr>
+                <a:t>4.</a:t>
+              </a:r>
+              <a:endParaRPr lang="ko-KR" altLang="en-US" sz="4800" b="1" dirty="0">
+                <a:solidFill>
+                  <a:schemeClr val="tx2">
+                    <a:lumMod val="75000"/>
+                  </a:schemeClr>
+                </a:solidFill>
+                <a:effectLst>
+                  <a:outerShdw blurRad="38100" dist="38100" dir="2700000" algn="tl">
+                    <a:srgbClr val="000000">
+                      <a:alpha val="43137"/>
+                    </a:srgbClr>
+                  </a:outerShdw>
+                </a:effectLst>
+              </a:endParaRPr>
+            </a:p>
+          </p:txBody>
+        </p:sp>
+      </p:grpSp>
       <p:sp>
         <p:nvSpPr>
-          <p:cNvPr id="3" name="내용 개체 틀 2">
-            <a:extLst>
-              <a:ext uri="{FF2B5EF4-FFF2-40B4-BE49-F238E27FC236}">
-                <a16:creationId xmlns:a16="http://schemas.microsoft.com/office/drawing/2014/main" id="{419432FB-CE38-1569-8178-97D2384AF1DA}"/>
-              </a:ext>
-            </a:extLst>
-          </p:cNvPr>
-          <p:cNvSpPr>
-            <a:spLocks noGrp="1"/>
-          </p:cNvSpPr>
-          <p:nvPr>
-            <p:ph idx="1"/>
-          </p:nvPr>
+          <p:cNvPr id="15" name="TextBox 14">
+            <a:extLst>
+              <a:ext uri="{FF2B5EF4-FFF2-40B4-BE49-F238E27FC236}">
+                <a16:creationId xmlns:a16="http://schemas.microsoft.com/office/drawing/2014/main" id="{6E52DC0E-0325-44A5-D4C9-14F477EF454C}"/>
+              </a:ext>
+            </a:extLst>
+          </p:cNvPr>
+          <p:cNvSpPr txBox="1"/>
+          <p:nvPr/>
         </p:nvSpPr>
         <p:spPr>
           <a:xfrm>
-            <a:off x="502508" y="1117642"/>
-            <a:ext cx="10834816" cy="5031904"/>
-          </a:xfrm>
+            <a:off x="699250" y="1784467"/>
+            <a:ext cx="2088223" cy="523220"/>
+          </a:xfrm>
+          <a:prstGeom prst="rect">
+            <a:avLst/>
+          </a:prstGeom>
+          <a:noFill/>
         </p:spPr>
         <p:txBody>
-          <a:bodyPr>
-            <a:normAutofit/>
+          <a:bodyPr wrap="square">
+            <a:spAutoFit/>
           </a:bodyPr>
           <a:lstStyle/>
           <a:p>
             <a:r>
-              <a:rPr lang="en-US" altLang="ko-KR" dirty="0"/>
-              <a:t>4.1 </a:t>
-            </a:r>
-            <a:r>
-              <a:rPr lang="ko-KR" altLang="en-US" dirty="0"/>
-              <a:t>예측</a:t>
-            </a:r>
-            <a:endParaRPr lang="en-US" altLang="ko-KR" dirty="0"/>
+              <a:rPr lang="ko-KR" altLang="en-US" sz="2800" b="1" dirty="0">
+                <a:solidFill>
+                  <a:srgbClr val="002060"/>
+                </a:solidFill>
+              </a:rPr>
+              <a:t>평가지표</a:t>
+            </a:r>
           </a:p>
         </p:txBody>
       </p:sp>
       <p:pic>
         <p:nvPicPr>
-          <p:cNvPr id="7" name="Picture 5"/>
+          <p:cNvPr id="13" name="Picture 2">
+            <a:extLst>
+              <a:ext uri="{FF2B5EF4-FFF2-40B4-BE49-F238E27FC236}">
+                <a16:creationId xmlns:a16="http://schemas.microsoft.com/office/drawing/2014/main" id="{61F359CD-1C24-CCE3-B996-3766CD5B8486}"/>
+              </a:ext>
+            </a:extLst>
+          </p:cNvPr>
           <p:cNvPicPr>
             <a:picLocks noChangeAspect="1" noChangeArrowheads="1"/>
           </p:cNvPicPr>
           <p:nvPr/>
         </p:nvPicPr>
         <p:blipFill>
-          <a:blip r:embed="rId2">
+          <a:blip r:embed="rId4">
             <a:extLst>
               <a:ext uri="{28A0092B-C50C-407E-A947-70E740481C1C}">
                 <a14:useLocalDpi xmlns:a14="http://schemas.microsoft.com/office/drawing/2010/main" val="0"/>
@@ -14063,183 +14790,7 @@
         </p:blipFill>
         <p:spPr bwMode="auto">
           <a:xfrm>
-            <a:off x="2535744" y="1626329"/>
-            <a:ext cx="6289758" cy="4337366"/>
-          </a:xfrm>
-          <a:prstGeom prst="rect">
-            <a:avLst/>
-          </a:prstGeom>
-          <a:noFill/>
-          <a:ln>
-            <a:noFill/>
-          </a:ln>
-          <a:effectLst/>
-          <a:extLst>
-            <a:ext uri="{909E8E84-426E-40DD-AFC4-6F175D3DCCD1}">
-              <a14:hiddenFill xmlns:a14="http://schemas.microsoft.com/office/drawing/2010/main">
-                <a:solidFill>
-                  <a:schemeClr val="accent1"/>
-                </a:solidFill>
-              </a14:hiddenFill>
-            </a:ext>
-            <a:ext uri="{91240B29-F687-4F45-9708-019B960494DF}">
-              <a14:hiddenLine xmlns:a14="http://schemas.microsoft.com/office/drawing/2010/main" w="9525">
-                <a:solidFill>
-                  <a:schemeClr val="tx1"/>
-                </a:solidFill>
-                <a:miter lim="800000"/>
-                <a:headEnd/>
-                <a:tailEnd/>
-              </a14:hiddenLine>
-            </a:ext>
-            <a:ext uri="{AF507438-7753-43E0-B8FC-AC1667EBCBE1}">
-              <a14:hiddenEffects xmlns:a14="http://schemas.microsoft.com/office/drawing/2010/main">
-                <a:effectLst>
-                  <a:outerShdw dist="35921" dir="2700000" algn="ctr" rotWithShape="0">
-                    <a:schemeClr val="bg2"/>
-                  </a:outerShdw>
-                </a:effectLst>
-              </a14:hiddenEffects>
-            </a:ext>
-          </a:extLst>
-        </p:spPr>
-      </p:pic>
-    </p:spTree>
-    <p:extLst>
-      <p:ext uri="{BB962C8B-B14F-4D97-AF65-F5344CB8AC3E}">
-        <p14:creationId xmlns:p14="http://schemas.microsoft.com/office/powerpoint/2010/main" val="3518460838"/>
-      </p:ext>
-    </p:extLst>
-  </p:cSld>
-  <p:clrMapOvr>
-    <a:masterClrMapping/>
-  </p:clrMapOvr>
-</p:sld>
-</file>
-
-<file path=ppt/slides/slide28.xml><?xml version="1.0" encoding="utf-8"?>
-<p:sld xmlns:a="http://schemas.openxmlformats.org/drawingml/2006/main" xmlns:r="http://schemas.openxmlformats.org/officeDocument/2006/relationships" xmlns:p="http://schemas.openxmlformats.org/presentationml/2006/main">
-  <p:cSld>
-    <p:spTree>
-      <p:nvGrpSpPr>
-        <p:cNvPr id="1" name=""/>
-        <p:cNvGrpSpPr/>
-        <p:nvPr/>
-      </p:nvGrpSpPr>
-      <p:grpSpPr>
-        <a:xfrm>
-          <a:off x="0" y="0"/>
-          <a:ext cx="0" cy="0"/>
-          <a:chOff x="0" y="0"/>
-          <a:chExt cx="0" cy="0"/>
-        </a:xfrm>
-      </p:grpSpPr>
-      <p:sp>
-        <p:nvSpPr>
-          <p:cNvPr id="2" name="제목 1">
-            <a:extLst>
-              <a:ext uri="{FF2B5EF4-FFF2-40B4-BE49-F238E27FC236}">
-                <a16:creationId xmlns:a16="http://schemas.microsoft.com/office/drawing/2014/main" id="{79E4594E-B25B-650A-155A-698223F56873}"/>
-              </a:ext>
-            </a:extLst>
-          </p:cNvPr>
-          <p:cNvSpPr>
-            <a:spLocks noGrp="1"/>
-          </p:cNvSpPr>
-          <p:nvPr>
-            <p:ph type="title"/>
-          </p:nvPr>
-        </p:nvSpPr>
-        <p:spPr>
-          <a:xfrm>
-            <a:off x="838200" y="1"/>
-            <a:ext cx="10515600" cy="1690688"/>
-          </a:xfrm>
-        </p:spPr>
-        <p:txBody>
-          <a:bodyPr/>
-          <a:lstStyle/>
-          <a:p>
-            <a:r>
-              <a:rPr lang="en-US" altLang="ko-KR" dirty="0"/>
-              <a:t>4.</a:t>
-            </a:r>
-            <a:r>
-              <a:rPr lang="ko-KR" altLang="en-US" dirty="0"/>
-              <a:t>양방향 </a:t>
-            </a:r>
-            <a:r>
-              <a:rPr lang="en-US" altLang="ko-KR" dirty="0" err="1"/>
-              <a:t>Lstm</a:t>
-            </a:r>
-            <a:endParaRPr lang="ko-KR" altLang="en-US" dirty="0"/>
-          </a:p>
-        </p:txBody>
-      </p:sp>
-      <p:sp>
-        <p:nvSpPr>
-          <p:cNvPr id="3" name="내용 개체 틀 2">
-            <a:extLst>
-              <a:ext uri="{FF2B5EF4-FFF2-40B4-BE49-F238E27FC236}">
-                <a16:creationId xmlns:a16="http://schemas.microsoft.com/office/drawing/2014/main" id="{419432FB-CE38-1569-8178-97D2384AF1DA}"/>
-              </a:ext>
-            </a:extLst>
-          </p:cNvPr>
-          <p:cNvSpPr>
-            <a:spLocks noGrp="1"/>
-          </p:cNvSpPr>
-          <p:nvPr>
-            <p:ph idx="1"/>
-          </p:nvPr>
-        </p:nvSpPr>
-        <p:spPr>
-          <a:xfrm>
-            <a:off x="502508" y="1117642"/>
-            <a:ext cx="10834816" cy="5031904"/>
-          </a:xfrm>
-        </p:spPr>
-        <p:txBody>
-          <a:bodyPr>
-            <a:normAutofit/>
-          </a:bodyPr>
-          <a:lstStyle/>
-          <a:p>
-            <a:r>
-              <a:rPr lang="en-US" altLang="ko-KR" dirty="0"/>
-              <a:t>4.2 </a:t>
-            </a:r>
-            <a:r>
-              <a:rPr lang="ko-KR" altLang="en-US" dirty="0"/>
-              <a:t>평가지표 비교</a:t>
-            </a:r>
-            <a:endParaRPr lang="en-US" altLang="ko-KR" dirty="0"/>
-          </a:p>
-        </p:txBody>
-      </p:sp>
-      <p:pic>
-        <p:nvPicPr>
-          <p:cNvPr id="10242" name="Picture 2"/>
-          <p:cNvPicPr>
-            <a:picLocks noChangeAspect="1" noChangeArrowheads="1"/>
-          </p:cNvPicPr>
-          <p:nvPr/>
-        </p:nvPicPr>
-        <p:blipFill>
-          <a:blip r:embed="rId2">
-            <a:extLst>
-              <a:ext uri="{28A0092B-C50C-407E-A947-70E740481C1C}">
-                <a14:useLocalDpi xmlns:a14="http://schemas.microsoft.com/office/drawing/2010/main" val="0"/>
-              </a:ext>
-            </a:extLst>
-          </a:blip>
-          <a:srcRect/>
-          <a:stretch>
-            <a:fillRect/>
-          </a:stretch>
-        </p:blipFill>
-        <p:spPr bwMode="auto">
-          <a:xfrm>
-            <a:off x="2886075" y="2053217"/>
+            <a:off x="2982225" y="2077223"/>
             <a:ext cx="8467725" cy="1866900"/>
           </a:xfrm>
           <a:prstGeom prst="rect">
@@ -14282,14 +14833,20 @@
       </p:pic>
       <p:pic>
         <p:nvPicPr>
-          <p:cNvPr id="10243" name="Picture 3"/>
+          <p:cNvPr id="14" name="Picture 3">
+            <a:extLst>
+              <a:ext uri="{FF2B5EF4-FFF2-40B4-BE49-F238E27FC236}">
+                <a16:creationId xmlns:a16="http://schemas.microsoft.com/office/drawing/2014/main" id="{255CFBEF-701B-FFFC-EF75-41334F60E828}"/>
+              </a:ext>
+            </a:extLst>
+          </p:cNvPr>
           <p:cNvPicPr>
             <a:picLocks noChangeAspect="1" noChangeArrowheads="1"/>
           </p:cNvPicPr>
           <p:nvPr/>
         </p:nvPicPr>
         <p:blipFill>
-          <a:blip r:embed="rId3">
+          <a:blip r:embed="rId5">
             <a:extLst>
               <a:ext uri="{28A0092B-C50C-407E-A947-70E740481C1C}">
                 <a14:useLocalDpi xmlns:a14="http://schemas.microsoft.com/office/drawing/2010/main" val="0"/>
@@ -14346,14 +14903,20 @@
       </p:pic>
       <p:sp>
         <p:nvSpPr>
-          <p:cNvPr id="8" name="TextBox 7"/>
+          <p:cNvPr id="2" name="TextBox 1">
+            <a:extLst>
+              <a:ext uri="{FF2B5EF4-FFF2-40B4-BE49-F238E27FC236}">
+                <a16:creationId xmlns:a16="http://schemas.microsoft.com/office/drawing/2014/main" id="{D2EAE895-B809-333F-0094-742E3FEC215A}"/>
+              </a:ext>
+            </a:extLst>
+          </p:cNvPr>
           <p:cNvSpPr txBox="1"/>
           <p:nvPr/>
         </p:nvSpPr>
         <p:spPr>
           <a:xfrm>
-            <a:off x="815546" y="2445264"/>
-            <a:ext cx="1828800" cy="369332"/>
+            <a:off x="1055779" y="2693575"/>
+            <a:ext cx="1536943" cy="584775"/>
           </a:xfrm>
           <a:prstGeom prst="rect">
             <a:avLst/>
@@ -14366,29 +14929,35 @@
           </a:bodyPr>
           <a:lstStyle/>
           <a:p>
-            <a:pPr algn="ctr"/>
-            <a:r>
-              <a:rPr lang="ko-KR" altLang="en-US" dirty="0"/>
-              <a:t>양방향 </a:t>
-            </a:r>
-            <a:r>
-              <a:rPr lang="en-US" altLang="ko-KR" dirty="0" err="1"/>
-              <a:t>Lstm</a:t>
-            </a:r>
-            <a:endParaRPr lang="ko-KR" altLang="en-US" dirty="0"/>
+            <a:r>
+              <a:rPr lang="ko-KR" altLang="en-US" sz="3200" b="1" dirty="0">
+                <a:solidFill>
+                  <a:schemeClr val="accent5">
+                    <a:lumMod val="50000"/>
+                  </a:schemeClr>
+                </a:solidFill>
+              </a:rPr>
+              <a:t>단방향</a:t>
+            </a:r>
           </a:p>
         </p:txBody>
       </p:sp>
       <p:sp>
         <p:nvSpPr>
-          <p:cNvPr id="11" name="TextBox 10"/>
+          <p:cNvPr id="19" name="TextBox 18">
+            <a:extLst>
+              <a:ext uri="{FF2B5EF4-FFF2-40B4-BE49-F238E27FC236}">
+                <a16:creationId xmlns:a16="http://schemas.microsoft.com/office/drawing/2014/main" id="{771304FA-1D5C-8F51-CC58-D8D39D1E58EB}"/>
+              </a:ext>
+            </a:extLst>
+          </p:cNvPr>
           <p:cNvSpPr txBox="1"/>
           <p:nvPr/>
         </p:nvSpPr>
         <p:spPr>
           <a:xfrm>
-            <a:off x="815546" y="5103254"/>
-            <a:ext cx="1828800" cy="369332"/>
+            <a:off x="1064343" y="4993277"/>
+            <a:ext cx="1536943" cy="584775"/>
           </a:xfrm>
           <a:prstGeom prst="rect">
             <a:avLst/>
@@ -14401,27 +14970,101 @@
           </a:bodyPr>
           <a:lstStyle/>
           <a:p>
-            <a:pPr algn="ctr"/>
-            <a:r>
-              <a:rPr lang="ko-KR" altLang="en-US" dirty="0" err="1"/>
-              <a:t>단방향</a:t>
-            </a:r>
-            <a:r>
-              <a:rPr lang="ko-KR" altLang="en-US" dirty="0"/>
-              <a:t> </a:t>
-            </a:r>
-            <a:r>
-              <a:rPr lang="en-US" altLang="ko-KR" dirty="0" err="1"/>
-              <a:t>Lstm</a:t>
-            </a:r>
-            <a:endParaRPr lang="ko-KR" altLang="en-US" dirty="0"/>
+            <a:r>
+              <a:rPr lang="ko-KR" altLang="en-US" sz="3200" b="1">
+                <a:solidFill>
+                  <a:schemeClr val="accent5">
+                    <a:lumMod val="50000"/>
+                  </a:schemeClr>
+                </a:solidFill>
+              </a:rPr>
+              <a:t>양방향</a:t>
+            </a:r>
           </a:p>
         </p:txBody>
       </p:sp>
+      <p:pic>
+        <p:nvPicPr>
+          <p:cNvPr id="4" name="그래픽 3" descr="오른쪽 화살표 단색으로 채워진">
+            <a:extLst>
+              <a:ext uri="{FF2B5EF4-FFF2-40B4-BE49-F238E27FC236}">
+                <a16:creationId xmlns:a16="http://schemas.microsoft.com/office/drawing/2014/main" id="{E5A1490A-B6BF-2494-B69A-FE5AC55E343D}"/>
+              </a:ext>
+            </a:extLst>
+          </p:cNvPr>
+          <p:cNvPicPr>
+            <a:picLocks noChangeAspect="1"/>
+          </p:cNvPicPr>
+          <p:nvPr/>
+        </p:nvPicPr>
+        <p:blipFill>
+          <a:blip r:embed="rId6">
+            <a:extLst>
+              <a:ext uri="{28A0092B-C50C-407E-A947-70E740481C1C}">
+                <a14:useLocalDpi xmlns:a14="http://schemas.microsoft.com/office/drawing/2010/main" val="0"/>
+              </a:ext>
+              <a:ext uri="{96DAC541-7B7A-43D3-8B79-37D633B846F1}">
+                <asvg:svgBlip xmlns:asvg="http://schemas.microsoft.com/office/drawing/2016/SVG/main" r:embed="rId7"/>
+              </a:ext>
+            </a:extLst>
+          </a:blip>
+          <a:stretch>
+            <a:fillRect/>
+          </a:stretch>
+        </p:blipFill>
+        <p:spPr>
+          <a:xfrm>
+            <a:off x="1347090" y="3055441"/>
+            <a:ext cx="914400" cy="914400"/>
+          </a:xfrm>
+          <a:prstGeom prst="rect">
+            <a:avLst/>
+          </a:prstGeom>
+        </p:spPr>
+      </p:pic>
+      <p:pic>
+        <p:nvPicPr>
+          <p:cNvPr id="6" name="그래픽 5" descr="전송 단색으로 채워진">
+            <a:extLst>
+              <a:ext uri="{FF2B5EF4-FFF2-40B4-BE49-F238E27FC236}">
+                <a16:creationId xmlns:a16="http://schemas.microsoft.com/office/drawing/2014/main" id="{DE40D4FD-E307-4838-E06F-0322AB5D8A3A}"/>
+              </a:ext>
+            </a:extLst>
+          </p:cNvPr>
+          <p:cNvPicPr>
+            <a:picLocks noChangeAspect="1"/>
+          </p:cNvPicPr>
+          <p:nvPr/>
+        </p:nvPicPr>
+        <p:blipFill>
+          <a:blip r:embed="rId8">
+            <a:extLst>
+              <a:ext uri="{28A0092B-C50C-407E-A947-70E740481C1C}">
+                <a14:useLocalDpi xmlns:a14="http://schemas.microsoft.com/office/drawing/2010/main" val="0"/>
+              </a:ext>
+              <a:ext uri="{96DAC541-7B7A-43D3-8B79-37D633B846F1}">
+                <asvg:svgBlip xmlns:asvg="http://schemas.microsoft.com/office/drawing/2016/SVG/main" r:embed="rId9"/>
+              </a:ext>
+            </a:extLst>
+          </a:blip>
+          <a:stretch>
+            <a:fillRect/>
+          </a:stretch>
+        </p:blipFill>
+        <p:spPr>
+          <a:xfrm>
+            <a:off x="1314578" y="5441259"/>
+            <a:ext cx="914400" cy="914400"/>
+          </a:xfrm>
+          <a:prstGeom prst="rect">
+            <a:avLst/>
+          </a:prstGeom>
+        </p:spPr>
+      </p:pic>
     </p:spTree>
     <p:extLst>
       <p:ext uri="{BB962C8B-B14F-4D97-AF65-F5344CB8AC3E}">
-        <p14:creationId xmlns:p14="http://schemas.microsoft.com/office/powerpoint/2010/main" val="3170148888"/>
+        <p14:creationId xmlns:p14="http://schemas.microsoft.com/office/powerpoint/2010/main" val="131285139"/>
       </p:ext>
     </p:extLst>
   </p:cSld>
@@ -14431,7 +15074,7 @@
 </p:sld>
 </file>
 
-<file path=ppt/slides/slide29.xml><?xml version="1.0" encoding="utf-8"?>
+<file path=ppt/slides/slide28.xml><?xml version="1.0" encoding="utf-8"?>
 <p:sld xmlns:a="http://schemas.openxmlformats.org/drawingml/2006/main" xmlns:r="http://schemas.openxmlformats.org/officeDocument/2006/relationships" xmlns:p="http://schemas.openxmlformats.org/presentationml/2006/main">
   <p:cSld>
     <p:spTree>
@@ -14450,140 +15093,264 @@
       </p:grpSpPr>
       <p:sp>
         <p:nvSpPr>
-          <p:cNvPr id="2" name="제목 1">
-            <a:extLst>
-              <a:ext uri="{FF2B5EF4-FFF2-40B4-BE49-F238E27FC236}">
-                <a16:creationId xmlns:a16="http://schemas.microsoft.com/office/drawing/2014/main" id="{79E4594E-B25B-650A-155A-698223F56873}"/>
-              </a:ext>
-            </a:extLst>
-          </p:cNvPr>
-          <p:cNvSpPr>
-            <a:spLocks noGrp="1"/>
-          </p:cNvSpPr>
-          <p:nvPr>
-            <p:ph type="title"/>
-          </p:nvPr>
+          <p:cNvPr id="21" name="직사각형 20">
+            <a:extLst>
+              <a:ext uri="{FF2B5EF4-FFF2-40B4-BE49-F238E27FC236}">
+                <a16:creationId xmlns:a16="http://schemas.microsoft.com/office/drawing/2014/main" id="{059E60C1-F37F-43C6-0280-DADCE9F7D6E7}"/>
+              </a:ext>
+            </a:extLst>
+          </p:cNvPr>
+          <p:cNvSpPr/>
+          <p:nvPr/>
         </p:nvSpPr>
         <p:spPr>
           <a:xfrm>
-            <a:off x="838200" y="1"/>
-            <a:ext cx="10515600" cy="1690688"/>
-          </a:xfrm>
+            <a:off x="279400" y="299720"/>
+            <a:ext cx="11633200" cy="6258560"/>
+          </a:xfrm>
+          <a:prstGeom prst="rect">
+            <a:avLst/>
+          </a:prstGeom>
+          <a:pattFill prst="horzBrick">
+            <a:fgClr>
+              <a:schemeClr val="bg1">
+                <a:lumMod val="85000"/>
+              </a:schemeClr>
+            </a:fgClr>
+            <a:bgClr>
+              <a:schemeClr val="bg1">
+                <a:lumMod val="95000"/>
+              </a:schemeClr>
+            </a:bgClr>
+          </a:pattFill>
+          <a:ln>
+            <a:noFill/>
+          </a:ln>
         </p:spPr>
+        <p:style>
+          <a:lnRef idx="2">
+            <a:schemeClr val="accent1">
+              <a:shade val="50000"/>
+            </a:schemeClr>
+          </a:lnRef>
+          <a:fillRef idx="1">
+            <a:schemeClr val="accent1"/>
+          </a:fillRef>
+          <a:effectRef idx="0">
+            <a:schemeClr val="accent1"/>
+          </a:effectRef>
+          <a:fontRef idx="minor">
+            <a:schemeClr val="lt1"/>
+          </a:fontRef>
+        </p:style>
         <p:txBody>
-          <a:bodyPr/>
+          <a:bodyPr rtlCol="0" anchor="ctr"/>
           <a:lstStyle/>
           <a:p>
-            <a:r>
-              <a:rPr lang="en-US" altLang="ko-KR" dirty="0"/>
-              <a:t>5. Multi step forecasting</a:t>
-            </a:r>
+            <a:pPr algn="ctr"/>
             <a:endParaRPr lang="ko-KR" altLang="en-US" dirty="0"/>
           </a:p>
         </p:txBody>
       </p:sp>
-      <p:sp>
-        <p:nvSpPr>
-          <p:cNvPr id="3" name="내용 개체 틀 2">
-            <a:extLst>
-              <a:ext uri="{FF2B5EF4-FFF2-40B4-BE49-F238E27FC236}">
-                <a16:creationId xmlns:a16="http://schemas.microsoft.com/office/drawing/2014/main" id="{419432FB-CE38-1569-8178-97D2384AF1DA}"/>
-              </a:ext>
-            </a:extLst>
-          </p:cNvPr>
-          <p:cNvSpPr>
-            <a:spLocks noGrp="1"/>
-          </p:cNvSpPr>
-          <p:nvPr>
-            <p:ph idx="1"/>
-          </p:nvPr>
-        </p:nvSpPr>
-        <p:spPr>
+      <p:grpSp>
+        <p:nvGrpSpPr>
+          <p:cNvPr id="9" name="그룹 8">
+            <a:extLst>
+              <a:ext uri="{FF2B5EF4-FFF2-40B4-BE49-F238E27FC236}">
+                <a16:creationId xmlns:a16="http://schemas.microsoft.com/office/drawing/2014/main" id="{70FBA9BF-4599-4701-F0FE-19A00CE54B03}"/>
+              </a:ext>
+            </a:extLst>
+          </p:cNvPr>
+          <p:cNvGrpSpPr/>
+          <p:nvPr/>
+        </p:nvGrpSpPr>
+        <p:grpSpPr>
           <a:xfrm>
-            <a:off x="502508" y="1117642"/>
-            <a:ext cx="10834816" cy="5031904"/>
-          </a:xfrm>
-        </p:spPr>
-        <p:txBody>
-          <a:bodyPr>
-            <a:normAutofit/>
-          </a:bodyPr>
-          <a:lstStyle/>
-          <a:p>
-            <a:r>
-              <a:rPr lang="en-US" altLang="ko-KR" dirty="0"/>
-              <a:t>5.1 </a:t>
-            </a:r>
-            <a:r>
-              <a:rPr lang="ko-KR" altLang="en-US" dirty="0"/>
-              <a:t>예측</a:t>
-            </a:r>
-            <a:endParaRPr lang="en-US" altLang="ko-KR" dirty="0"/>
-          </a:p>
-          <a:p>
-            <a:pPr marL="0" indent="0">
-              <a:buNone/>
-            </a:pPr>
-            <a:r>
-              <a:rPr lang="en-US" altLang="ko-KR" sz="2000" dirty="0"/>
-              <a:t>-&gt; 6</a:t>
-            </a:r>
-            <a:r>
-              <a:rPr lang="ko-KR" altLang="en-US" sz="2000" dirty="0"/>
-              <a:t>개월의 미래 가격지수를 예측</a:t>
-            </a:r>
-            <a:endParaRPr lang="en-US" altLang="ko-KR" sz="2000" dirty="0"/>
-          </a:p>
-          <a:p>
-            <a:pPr marL="0" indent="0">
-              <a:buNone/>
-            </a:pPr>
-            <a:r>
-              <a:rPr lang="en-US" altLang="ko-KR" sz="2000" dirty="0"/>
-              <a:t>-&gt; </a:t>
-            </a:r>
-            <a:r>
-              <a:rPr lang="ko-KR" altLang="en-US" sz="2000" dirty="0"/>
-              <a:t>데이터를 비교하기 위해</a:t>
-            </a:r>
-            <a:r>
-              <a:rPr lang="en-US" altLang="ko-KR" sz="2000" dirty="0"/>
-              <a:t>, </a:t>
-            </a:r>
-            <a:r>
-              <a:rPr lang="ko-KR" altLang="en-US" sz="2000" dirty="0"/>
-              <a:t>실제 가격지수가 있는 </a:t>
-            </a:r>
-            <a:r>
-              <a:rPr lang="en-US" altLang="ko-KR" sz="2000" dirty="0"/>
-              <a:t>2022</a:t>
-            </a:r>
-            <a:r>
-              <a:rPr lang="ko-KR" altLang="en-US" sz="2000" dirty="0"/>
-              <a:t>년 </a:t>
-            </a:r>
-            <a:r>
-              <a:rPr lang="en-US" altLang="ko-KR" sz="2000" dirty="0"/>
-              <a:t>01</a:t>
-            </a:r>
-            <a:r>
-              <a:rPr lang="ko-KR" altLang="en-US" sz="2000" dirty="0"/>
-              <a:t>월부터 예측</a:t>
-            </a:r>
-            <a:endParaRPr lang="en-US" altLang="ko-KR" sz="2000" dirty="0"/>
-          </a:p>
-        </p:txBody>
-      </p:sp>
+            <a:off x="466124" y="652048"/>
+            <a:ext cx="9029928" cy="1389330"/>
+            <a:chOff x="416847" y="602127"/>
+            <a:chExt cx="6646930" cy="1033385"/>
+          </a:xfrm>
+        </p:grpSpPr>
+        <p:pic>
+          <p:nvPicPr>
+            <p:cNvPr id="10" name="그래픽 9" descr="건물 단색으로 채워진">
+              <a:extLst>
+                <a:ext uri="{FF2B5EF4-FFF2-40B4-BE49-F238E27FC236}">
+                  <a16:creationId xmlns:a16="http://schemas.microsoft.com/office/drawing/2014/main" id="{73AD14D9-8BB1-A9D6-DE26-B03FDCE89900}"/>
+                </a:ext>
+              </a:extLst>
+            </p:cNvPr>
+            <p:cNvPicPr>
+              <a:picLocks noChangeAspect="1"/>
+            </p:cNvPicPr>
+            <p:nvPr/>
+          </p:nvPicPr>
+          <p:blipFill>
+            <a:blip r:embed="rId2">
+              <a:extLst>
+                <a:ext uri="{28A0092B-C50C-407E-A947-70E740481C1C}">
+                  <a14:useLocalDpi xmlns:a14="http://schemas.microsoft.com/office/drawing/2010/main" val="0"/>
+                </a:ext>
+                <a:ext uri="{96DAC541-7B7A-43D3-8B79-37D633B846F1}">
+                  <asvg:svgBlip xmlns:asvg="http://schemas.microsoft.com/office/drawing/2016/SVG/main" r:embed="rId3"/>
+                </a:ext>
+              </a:extLst>
+            </a:blip>
+            <a:stretch>
+              <a:fillRect/>
+            </a:stretch>
+          </p:blipFill>
+          <p:spPr>
+            <a:xfrm>
+              <a:off x="416847" y="602127"/>
+              <a:ext cx="624547" cy="624548"/>
+            </a:xfrm>
+            <a:prstGeom prst="rect">
+              <a:avLst/>
+            </a:prstGeom>
+          </p:spPr>
+        </p:pic>
+        <p:sp>
+          <p:nvSpPr>
+            <p:cNvPr id="11" name="TextBox 10">
+              <a:extLst>
+                <a:ext uri="{FF2B5EF4-FFF2-40B4-BE49-F238E27FC236}">
+                  <a16:creationId xmlns:a16="http://schemas.microsoft.com/office/drawing/2014/main" id="{4A81FC62-9F60-B629-D6BC-2F4422E78472}"/>
+                </a:ext>
+              </a:extLst>
+            </p:cNvPr>
+            <p:cNvSpPr txBox="1"/>
+            <p:nvPr/>
+          </p:nvSpPr>
+          <p:spPr>
+            <a:xfrm>
+              <a:off x="1496776" y="651137"/>
+              <a:ext cx="5567001" cy="984375"/>
+            </a:xfrm>
+            <a:prstGeom prst="rect">
+              <a:avLst/>
+            </a:prstGeom>
+            <a:noFill/>
+          </p:spPr>
+          <p:txBody>
+            <a:bodyPr wrap="square" rtlCol="0">
+              <a:spAutoFit/>
+            </a:bodyPr>
+            <a:lstStyle/>
+            <a:p>
+              <a:r>
+                <a:rPr lang="ko-KR" altLang="en-US" sz="4000" b="1" dirty="0">
+                  <a:solidFill>
+                    <a:schemeClr val="tx1">
+                      <a:lumMod val="75000"/>
+                      <a:lumOff val="25000"/>
+                    </a:schemeClr>
+                  </a:solidFill>
+                </a:rPr>
+                <a:t>양방향 </a:t>
+              </a:r>
+              <a:r>
+                <a:rPr lang="en-US" altLang="ko-KR" sz="4000" b="1" dirty="0">
+                  <a:solidFill>
+                    <a:schemeClr val="tx1">
+                      <a:lumMod val="75000"/>
+                      <a:lumOff val="25000"/>
+                    </a:schemeClr>
+                  </a:solidFill>
+                </a:rPr>
+                <a:t>LSTM - forecasting</a:t>
+              </a:r>
+              <a:endParaRPr lang="ko-KR" altLang="en-US" sz="4000" b="1" dirty="0">
+                <a:solidFill>
+                  <a:schemeClr val="tx1">
+                    <a:lumMod val="75000"/>
+                    <a:lumOff val="25000"/>
+                  </a:schemeClr>
+                </a:solidFill>
+              </a:endParaRPr>
+            </a:p>
+          </p:txBody>
+        </p:sp>
+        <p:sp>
+          <p:nvSpPr>
+            <p:cNvPr id="12" name="TextBox 11">
+              <a:extLst>
+                <a:ext uri="{FF2B5EF4-FFF2-40B4-BE49-F238E27FC236}">
+                  <a16:creationId xmlns:a16="http://schemas.microsoft.com/office/drawing/2014/main" id="{701D22C1-FC35-2F95-777D-99D2AD99ED44}"/>
+                </a:ext>
+              </a:extLst>
+            </p:cNvPr>
+            <p:cNvSpPr txBox="1"/>
+            <p:nvPr/>
+          </p:nvSpPr>
+          <p:spPr>
+            <a:xfrm>
+              <a:off x="1065326" y="602127"/>
+              <a:ext cx="870761" cy="618096"/>
+            </a:xfrm>
+            <a:prstGeom prst="rect">
+              <a:avLst/>
+            </a:prstGeom>
+            <a:noFill/>
+          </p:spPr>
+          <p:txBody>
+            <a:bodyPr wrap="square" rtlCol="0">
+              <a:spAutoFit/>
+            </a:bodyPr>
+            <a:lstStyle/>
+            <a:p>
+              <a:r>
+                <a:rPr lang="en-US" altLang="ko-KR" sz="4800" b="1" dirty="0">
+                  <a:solidFill>
+                    <a:schemeClr val="tx2">
+                      <a:lumMod val="75000"/>
+                    </a:schemeClr>
+                  </a:solidFill>
+                  <a:effectLst>
+                    <a:outerShdw blurRad="38100" dist="38100" dir="2700000" algn="tl">
+                      <a:srgbClr val="000000">
+                        <a:alpha val="43137"/>
+                      </a:srgbClr>
+                    </a:outerShdw>
+                  </a:effectLst>
+                </a:rPr>
+                <a:t>4.</a:t>
+              </a:r>
+              <a:endParaRPr lang="ko-KR" altLang="en-US" sz="4800" b="1" dirty="0">
+                <a:solidFill>
+                  <a:schemeClr val="tx2">
+                    <a:lumMod val="75000"/>
+                  </a:schemeClr>
+                </a:solidFill>
+                <a:effectLst>
+                  <a:outerShdw blurRad="38100" dist="38100" dir="2700000" algn="tl">
+                    <a:srgbClr val="000000">
+                      <a:alpha val="43137"/>
+                    </a:srgbClr>
+                  </a:outerShdw>
+                </a:effectLst>
+              </a:endParaRPr>
+            </a:p>
+          </p:txBody>
+        </p:sp>
+      </p:grpSp>
       <p:pic>
         <p:nvPicPr>
-          <p:cNvPr id="11266" name="Picture 2"/>
+          <p:cNvPr id="16" name="Picture 2">
+            <a:extLst>
+              <a:ext uri="{FF2B5EF4-FFF2-40B4-BE49-F238E27FC236}">
+                <a16:creationId xmlns:a16="http://schemas.microsoft.com/office/drawing/2014/main" id="{C0E44F13-4893-6017-8597-1A18698F0CD8}"/>
+              </a:ext>
+            </a:extLst>
+          </p:cNvPr>
           <p:cNvPicPr>
             <a:picLocks noChangeAspect="1" noChangeArrowheads="1"/>
           </p:cNvPicPr>
           <p:nvPr/>
         </p:nvPicPr>
         <p:blipFill>
-          <a:blip r:embed="rId2">
+          <a:blip r:embed="rId4">
             <a:extLst>
               <a:ext uri="{28A0092B-C50C-407E-A947-70E740481C1C}">
                 <a14:useLocalDpi xmlns:a14="http://schemas.microsoft.com/office/drawing/2010/main" val="0"/>
@@ -14597,7 +15364,7 @@
         </p:blipFill>
         <p:spPr bwMode="auto">
           <a:xfrm>
-            <a:off x="343801" y="3525280"/>
+            <a:off x="437641" y="3980225"/>
             <a:ext cx="11316718" cy="1672796"/>
           </a:xfrm>
           <a:prstGeom prst="rect">
@@ -14638,10 +15405,873 @@
           </a:extLst>
         </p:spPr>
       </p:pic>
+      <p:sp>
+        <p:nvSpPr>
+          <p:cNvPr id="17" name="TextBox 16">
+            <a:extLst>
+              <a:ext uri="{FF2B5EF4-FFF2-40B4-BE49-F238E27FC236}">
+                <a16:creationId xmlns:a16="http://schemas.microsoft.com/office/drawing/2014/main" id="{E06DC1FF-9AB4-908B-DC9B-167E89A05621}"/>
+              </a:ext>
+            </a:extLst>
+          </p:cNvPr>
+          <p:cNvSpPr txBox="1"/>
+          <p:nvPr/>
+        </p:nvSpPr>
+        <p:spPr>
+          <a:xfrm>
+            <a:off x="1347090" y="2349125"/>
+            <a:ext cx="6097712" cy="523220"/>
+          </a:xfrm>
+          <a:prstGeom prst="rect">
+            <a:avLst/>
+          </a:prstGeom>
+          <a:noFill/>
+        </p:spPr>
+        <p:txBody>
+          <a:bodyPr wrap="square">
+            <a:spAutoFit/>
+          </a:bodyPr>
+          <a:lstStyle/>
+          <a:p>
+            <a:r>
+              <a:rPr lang="en-US" altLang="ko-KR" sz="2800" b="1" dirty="0">
+                <a:solidFill>
+                  <a:srgbClr val="002060"/>
+                </a:solidFill>
+              </a:rPr>
+              <a:t>6</a:t>
+            </a:r>
+            <a:r>
+              <a:rPr lang="ko-KR" altLang="en-US" sz="2800" b="1" dirty="0">
+                <a:solidFill>
+                  <a:srgbClr val="002060"/>
+                </a:solidFill>
+              </a:rPr>
+              <a:t>개월 후 미래 가격지수를 예측</a:t>
+            </a:r>
+          </a:p>
+        </p:txBody>
+      </p:sp>
+      <p:sp>
+        <p:nvSpPr>
+          <p:cNvPr id="18" name="TextBox 17">
+            <a:extLst>
+              <a:ext uri="{FF2B5EF4-FFF2-40B4-BE49-F238E27FC236}">
+                <a16:creationId xmlns:a16="http://schemas.microsoft.com/office/drawing/2014/main" id="{0B194621-33B3-FC7F-BF2A-BF4343449D57}"/>
+              </a:ext>
+            </a:extLst>
+          </p:cNvPr>
+          <p:cNvSpPr txBox="1"/>
+          <p:nvPr/>
+        </p:nvSpPr>
+        <p:spPr>
+          <a:xfrm>
+            <a:off x="3048856" y="3108403"/>
+            <a:ext cx="7800654" cy="461665"/>
+          </a:xfrm>
+          <a:prstGeom prst="rect">
+            <a:avLst/>
+          </a:prstGeom>
+          <a:noFill/>
+        </p:spPr>
+        <p:txBody>
+          <a:bodyPr wrap="square">
+            <a:spAutoFit/>
+          </a:bodyPr>
+          <a:lstStyle/>
+          <a:p>
+            <a:r>
+              <a:rPr lang="ko-KR" altLang="en-US" sz="2400" b="1" dirty="0">
+                <a:solidFill>
+                  <a:schemeClr val="accent5">
+                    <a:lumMod val="50000"/>
+                  </a:schemeClr>
+                </a:solidFill>
+              </a:rPr>
+              <a:t>검증</a:t>
+            </a:r>
+            <a:r>
+              <a:rPr lang="en-US" altLang="ko-KR" sz="2400" b="1" dirty="0">
+                <a:solidFill>
+                  <a:schemeClr val="accent5">
+                    <a:lumMod val="50000"/>
+                  </a:schemeClr>
+                </a:solidFill>
+              </a:rPr>
+              <a:t>: </a:t>
+            </a:r>
+            <a:r>
+              <a:rPr lang="ko-KR" altLang="en-US" sz="2400" b="1" dirty="0">
+                <a:solidFill>
+                  <a:schemeClr val="accent5">
+                    <a:lumMod val="50000"/>
+                  </a:schemeClr>
+                </a:solidFill>
+              </a:rPr>
+              <a:t>실제 가격지수 있는 </a:t>
+            </a:r>
+            <a:r>
+              <a:rPr lang="en-US" altLang="ko-KR" sz="2400" b="1" dirty="0">
+                <a:solidFill>
+                  <a:schemeClr val="accent5">
+                    <a:lumMod val="50000"/>
+                  </a:schemeClr>
+                </a:solidFill>
+              </a:rPr>
+              <a:t>22</a:t>
+            </a:r>
+            <a:r>
+              <a:rPr lang="ko-KR" altLang="en-US" sz="2400" b="1" dirty="0">
+                <a:solidFill>
+                  <a:schemeClr val="accent5">
+                    <a:lumMod val="50000"/>
+                  </a:schemeClr>
+                </a:solidFill>
+              </a:rPr>
+              <a:t>년 </a:t>
+            </a:r>
+            <a:r>
+              <a:rPr lang="en-US" altLang="ko-KR" sz="2400" b="1" dirty="0">
+                <a:solidFill>
+                  <a:schemeClr val="accent5">
+                    <a:lumMod val="50000"/>
+                  </a:schemeClr>
+                </a:solidFill>
+              </a:rPr>
+              <a:t>1</a:t>
+            </a:r>
+            <a:r>
+              <a:rPr lang="ko-KR" altLang="en-US" sz="2400" b="1" dirty="0">
+                <a:solidFill>
+                  <a:schemeClr val="accent5">
+                    <a:lumMod val="50000"/>
+                  </a:schemeClr>
+                </a:solidFill>
+              </a:rPr>
+              <a:t>월</a:t>
+            </a:r>
+            <a:r>
+              <a:rPr lang="en-US" altLang="ko-KR" sz="2400" b="1" dirty="0">
+                <a:solidFill>
+                  <a:schemeClr val="accent5">
+                    <a:lumMod val="50000"/>
+                  </a:schemeClr>
+                </a:solidFill>
+              </a:rPr>
+              <a:t>~3</a:t>
+            </a:r>
+            <a:r>
+              <a:rPr lang="ko-KR" altLang="en-US" sz="2400" b="1" dirty="0">
+                <a:solidFill>
+                  <a:schemeClr val="accent5">
+                    <a:lumMod val="50000"/>
+                  </a:schemeClr>
+                </a:solidFill>
+              </a:rPr>
+              <a:t>월 비교</a:t>
+            </a:r>
+          </a:p>
+        </p:txBody>
+      </p:sp>
+      <p:pic>
+        <p:nvPicPr>
+          <p:cNvPr id="20" name="그래픽 19" descr="외계인 얼굴 단색으로 채워진">
+            <a:extLst>
+              <a:ext uri="{FF2B5EF4-FFF2-40B4-BE49-F238E27FC236}">
+                <a16:creationId xmlns:a16="http://schemas.microsoft.com/office/drawing/2014/main" id="{62F11D22-B961-0F85-1618-29892961423A}"/>
+              </a:ext>
+            </a:extLst>
+          </p:cNvPr>
+          <p:cNvPicPr>
+            <a:picLocks noChangeAspect="1"/>
+          </p:cNvPicPr>
+          <p:nvPr/>
+        </p:nvPicPr>
+        <p:blipFill>
+          <a:blip r:embed="rId5">
+            <a:extLst>
+              <a:ext uri="{28A0092B-C50C-407E-A947-70E740481C1C}">
+                <a14:useLocalDpi xmlns:a14="http://schemas.microsoft.com/office/drawing/2010/main" val="0"/>
+              </a:ext>
+              <a:ext uri="{96DAC541-7B7A-43D3-8B79-37D633B846F1}">
+                <asvg:svgBlip xmlns:asvg="http://schemas.microsoft.com/office/drawing/2016/SVG/main" r:embed="rId6"/>
+              </a:ext>
+            </a:extLst>
+          </a:blip>
+          <a:stretch>
+            <a:fillRect/>
+          </a:stretch>
+        </p:blipFill>
+        <p:spPr>
+          <a:xfrm>
+            <a:off x="1902112" y="2860747"/>
+            <a:ext cx="914400" cy="914400"/>
+          </a:xfrm>
+          <a:prstGeom prst="rect">
+            <a:avLst/>
+          </a:prstGeom>
+        </p:spPr>
+      </p:pic>
     </p:spTree>
     <p:extLst>
       <p:ext uri="{BB962C8B-B14F-4D97-AF65-F5344CB8AC3E}">
-        <p14:creationId xmlns:p14="http://schemas.microsoft.com/office/powerpoint/2010/main" val="1833858347"/>
+        <p14:creationId xmlns:p14="http://schemas.microsoft.com/office/powerpoint/2010/main" val="2391775045"/>
+      </p:ext>
+    </p:extLst>
+  </p:cSld>
+  <p:clrMapOvr>
+    <a:masterClrMapping/>
+  </p:clrMapOvr>
+</p:sld>
+</file>
+
+<file path=ppt/slides/slide29.xml><?xml version="1.0" encoding="utf-8"?>
+<p:sld xmlns:a="http://schemas.openxmlformats.org/drawingml/2006/main" xmlns:r="http://schemas.openxmlformats.org/officeDocument/2006/relationships" xmlns:p="http://schemas.openxmlformats.org/presentationml/2006/main">
+  <p:cSld>
+    <p:spTree>
+      <p:nvGrpSpPr>
+        <p:cNvPr id="1" name=""/>
+        <p:cNvGrpSpPr/>
+        <p:nvPr/>
+      </p:nvGrpSpPr>
+      <p:grpSpPr>
+        <a:xfrm>
+          <a:off x="0" y="0"/>
+          <a:ext cx="0" cy="0"/>
+          <a:chOff x="0" y="0"/>
+          <a:chExt cx="0" cy="0"/>
+        </a:xfrm>
+      </p:grpSpPr>
+      <p:sp>
+        <p:nvSpPr>
+          <p:cNvPr id="23" name="직사각형 22">
+            <a:extLst>
+              <a:ext uri="{FF2B5EF4-FFF2-40B4-BE49-F238E27FC236}">
+                <a16:creationId xmlns:a16="http://schemas.microsoft.com/office/drawing/2014/main" id="{FA565DE4-0C72-3F18-96FF-8488EC0B99A5}"/>
+              </a:ext>
+            </a:extLst>
+          </p:cNvPr>
+          <p:cNvSpPr/>
+          <p:nvPr/>
+        </p:nvSpPr>
+        <p:spPr>
+          <a:xfrm>
+            <a:off x="279400" y="299720"/>
+            <a:ext cx="11633200" cy="6258560"/>
+          </a:xfrm>
+          <a:prstGeom prst="rect">
+            <a:avLst/>
+          </a:prstGeom>
+          <a:pattFill prst="horzBrick">
+            <a:fgClr>
+              <a:schemeClr val="bg1">
+                <a:lumMod val="85000"/>
+              </a:schemeClr>
+            </a:fgClr>
+            <a:bgClr>
+              <a:schemeClr val="bg1">
+                <a:lumMod val="95000"/>
+              </a:schemeClr>
+            </a:bgClr>
+          </a:pattFill>
+          <a:ln>
+            <a:noFill/>
+          </a:ln>
+        </p:spPr>
+        <p:style>
+          <a:lnRef idx="2">
+            <a:schemeClr val="accent1">
+              <a:shade val="50000"/>
+            </a:schemeClr>
+          </a:lnRef>
+          <a:fillRef idx="1">
+            <a:schemeClr val="accent1"/>
+          </a:fillRef>
+          <a:effectRef idx="0">
+            <a:schemeClr val="accent1"/>
+          </a:effectRef>
+          <a:fontRef idx="minor">
+            <a:schemeClr val="lt1"/>
+          </a:fontRef>
+        </p:style>
+        <p:txBody>
+          <a:bodyPr rtlCol="0" anchor="ctr"/>
+          <a:lstStyle/>
+          <a:p>
+            <a:pPr algn="ctr"/>
+            <a:endParaRPr lang="ko-KR" altLang="en-US" dirty="0"/>
+          </a:p>
+        </p:txBody>
+      </p:sp>
+      <p:grpSp>
+        <p:nvGrpSpPr>
+          <p:cNvPr id="9" name="그룹 8">
+            <a:extLst>
+              <a:ext uri="{FF2B5EF4-FFF2-40B4-BE49-F238E27FC236}">
+                <a16:creationId xmlns:a16="http://schemas.microsoft.com/office/drawing/2014/main" id="{70FBA9BF-4599-4701-F0FE-19A00CE54B03}"/>
+              </a:ext>
+            </a:extLst>
+          </p:cNvPr>
+          <p:cNvGrpSpPr/>
+          <p:nvPr/>
+        </p:nvGrpSpPr>
+        <p:grpSpPr>
+          <a:xfrm>
+            <a:off x="466124" y="652048"/>
+            <a:ext cx="9029928" cy="1389330"/>
+            <a:chOff x="416847" y="602127"/>
+            <a:chExt cx="6646930" cy="1033385"/>
+          </a:xfrm>
+        </p:grpSpPr>
+        <p:pic>
+          <p:nvPicPr>
+            <p:cNvPr id="10" name="그래픽 9" descr="건물 단색으로 채워진">
+              <a:extLst>
+                <a:ext uri="{FF2B5EF4-FFF2-40B4-BE49-F238E27FC236}">
+                  <a16:creationId xmlns:a16="http://schemas.microsoft.com/office/drawing/2014/main" id="{73AD14D9-8BB1-A9D6-DE26-B03FDCE89900}"/>
+                </a:ext>
+              </a:extLst>
+            </p:cNvPr>
+            <p:cNvPicPr>
+              <a:picLocks noChangeAspect="1"/>
+            </p:cNvPicPr>
+            <p:nvPr/>
+          </p:nvPicPr>
+          <p:blipFill>
+            <a:blip r:embed="rId2">
+              <a:extLst>
+                <a:ext uri="{28A0092B-C50C-407E-A947-70E740481C1C}">
+                  <a14:useLocalDpi xmlns:a14="http://schemas.microsoft.com/office/drawing/2010/main" val="0"/>
+                </a:ext>
+                <a:ext uri="{96DAC541-7B7A-43D3-8B79-37D633B846F1}">
+                  <asvg:svgBlip xmlns:asvg="http://schemas.microsoft.com/office/drawing/2016/SVG/main" r:embed="rId3"/>
+                </a:ext>
+              </a:extLst>
+            </a:blip>
+            <a:stretch>
+              <a:fillRect/>
+            </a:stretch>
+          </p:blipFill>
+          <p:spPr>
+            <a:xfrm>
+              <a:off x="416847" y="602127"/>
+              <a:ext cx="624547" cy="624548"/>
+            </a:xfrm>
+            <a:prstGeom prst="rect">
+              <a:avLst/>
+            </a:prstGeom>
+          </p:spPr>
+        </p:pic>
+        <p:sp>
+          <p:nvSpPr>
+            <p:cNvPr id="11" name="TextBox 10">
+              <a:extLst>
+                <a:ext uri="{FF2B5EF4-FFF2-40B4-BE49-F238E27FC236}">
+                  <a16:creationId xmlns:a16="http://schemas.microsoft.com/office/drawing/2014/main" id="{4A81FC62-9F60-B629-D6BC-2F4422E78472}"/>
+                </a:ext>
+              </a:extLst>
+            </p:cNvPr>
+            <p:cNvSpPr txBox="1"/>
+            <p:nvPr/>
+          </p:nvSpPr>
+          <p:spPr>
+            <a:xfrm>
+              <a:off x="1496776" y="651137"/>
+              <a:ext cx="5567001" cy="984375"/>
+            </a:xfrm>
+            <a:prstGeom prst="rect">
+              <a:avLst/>
+            </a:prstGeom>
+            <a:noFill/>
+          </p:spPr>
+          <p:txBody>
+            <a:bodyPr wrap="square" rtlCol="0">
+              <a:spAutoFit/>
+            </a:bodyPr>
+            <a:lstStyle/>
+            <a:p>
+              <a:r>
+                <a:rPr lang="ko-KR" altLang="en-US" sz="4000" b="1" dirty="0">
+                  <a:solidFill>
+                    <a:schemeClr val="tx1">
+                      <a:lumMod val="75000"/>
+                      <a:lumOff val="25000"/>
+                    </a:schemeClr>
+                  </a:solidFill>
+                </a:rPr>
+                <a:t>양방향 </a:t>
+              </a:r>
+              <a:r>
+                <a:rPr lang="en-US" altLang="ko-KR" sz="4000" b="1" dirty="0">
+                  <a:solidFill>
+                    <a:schemeClr val="tx1">
+                      <a:lumMod val="75000"/>
+                      <a:lumOff val="25000"/>
+                    </a:schemeClr>
+                  </a:solidFill>
+                </a:rPr>
+                <a:t>LSTM - forecasting</a:t>
+              </a:r>
+              <a:endParaRPr lang="ko-KR" altLang="en-US" sz="4000" b="1" dirty="0">
+                <a:solidFill>
+                  <a:schemeClr val="tx1">
+                    <a:lumMod val="75000"/>
+                    <a:lumOff val="25000"/>
+                  </a:schemeClr>
+                </a:solidFill>
+              </a:endParaRPr>
+            </a:p>
+          </p:txBody>
+        </p:sp>
+        <p:sp>
+          <p:nvSpPr>
+            <p:cNvPr id="12" name="TextBox 11">
+              <a:extLst>
+                <a:ext uri="{FF2B5EF4-FFF2-40B4-BE49-F238E27FC236}">
+                  <a16:creationId xmlns:a16="http://schemas.microsoft.com/office/drawing/2014/main" id="{701D22C1-FC35-2F95-777D-99D2AD99ED44}"/>
+                </a:ext>
+              </a:extLst>
+            </p:cNvPr>
+            <p:cNvSpPr txBox="1"/>
+            <p:nvPr/>
+          </p:nvSpPr>
+          <p:spPr>
+            <a:xfrm>
+              <a:off x="1065326" y="602127"/>
+              <a:ext cx="870761" cy="618096"/>
+            </a:xfrm>
+            <a:prstGeom prst="rect">
+              <a:avLst/>
+            </a:prstGeom>
+            <a:noFill/>
+          </p:spPr>
+          <p:txBody>
+            <a:bodyPr wrap="square" rtlCol="0">
+              <a:spAutoFit/>
+            </a:bodyPr>
+            <a:lstStyle/>
+            <a:p>
+              <a:r>
+                <a:rPr lang="en-US" altLang="ko-KR" sz="4800" b="1" dirty="0">
+                  <a:solidFill>
+                    <a:schemeClr val="tx2">
+                      <a:lumMod val="75000"/>
+                    </a:schemeClr>
+                  </a:solidFill>
+                  <a:effectLst>
+                    <a:outerShdw blurRad="38100" dist="38100" dir="2700000" algn="tl">
+                      <a:srgbClr val="000000">
+                        <a:alpha val="43137"/>
+                      </a:srgbClr>
+                    </a:outerShdw>
+                  </a:effectLst>
+                </a:rPr>
+                <a:t>4.</a:t>
+              </a:r>
+              <a:endParaRPr lang="ko-KR" altLang="en-US" sz="4800" b="1" dirty="0">
+                <a:solidFill>
+                  <a:schemeClr val="tx2">
+                    <a:lumMod val="75000"/>
+                  </a:schemeClr>
+                </a:solidFill>
+                <a:effectLst>
+                  <a:outerShdw blurRad="38100" dist="38100" dir="2700000" algn="tl">
+                    <a:srgbClr val="000000">
+                      <a:alpha val="43137"/>
+                    </a:srgbClr>
+                  </a:outerShdw>
+                </a:effectLst>
+              </a:endParaRPr>
+            </a:p>
+          </p:txBody>
+        </p:sp>
+      </p:grpSp>
+      <p:sp>
+        <p:nvSpPr>
+          <p:cNvPr id="17" name="TextBox 16">
+            <a:extLst>
+              <a:ext uri="{FF2B5EF4-FFF2-40B4-BE49-F238E27FC236}">
+                <a16:creationId xmlns:a16="http://schemas.microsoft.com/office/drawing/2014/main" id="{E06DC1FF-9AB4-908B-DC9B-167E89A05621}"/>
+              </a:ext>
+            </a:extLst>
+          </p:cNvPr>
+          <p:cNvSpPr txBox="1"/>
+          <p:nvPr/>
+        </p:nvSpPr>
+        <p:spPr>
+          <a:xfrm>
+            <a:off x="1429282" y="2318303"/>
+            <a:ext cx="1182938" cy="584775"/>
+          </a:xfrm>
+          <a:prstGeom prst="rect">
+            <a:avLst/>
+          </a:prstGeom>
+          <a:noFill/>
+        </p:spPr>
+        <p:txBody>
+          <a:bodyPr wrap="square">
+            <a:spAutoFit/>
+          </a:bodyPr>
+          <a:lstStyle/>
+          <a:p>
+            <a:r>
+              <a:rPr lang="ko-KR" altLang="en-US" sz="3200" b="1" dirty="0">
+                <a:solidFill>
+                  <a:srgbClr val="002060"/>
+                </a:solidFill>
+              </a:rPr>
+              <a:t>이천</a:t>
+            </a:r>
+          </a:p>
+        </p:txBody>
+      </p:sp>
+      <p:pic>
+        <p:nvPicPr>
+          <p:cNvPr id="3" name="그래픽 2" descr="별이 달린 수상 리본">
+            <a:extLst>
+              <a:ext uri="{FF2B5EF4-FFF2-40B4-BE49-F238E27FC236}">
+                <a16:creationId xmlns:a16="http://schemas.microsoft.com/office/drawing/2014/main" id="{C53AE9A3-527F-761E-365D-30BF6F059B6B}"/>
+              </a:ext>
+            </a:extLst>
+          </p:cNvPr>
+          <p:cNvPicPr>
+            <a:picLocks noChangeAspect="1"/>
+          </p:cNvPicPr>
+          <p:nvPr/>
+        </p:nvPicPr>
+        <p:blipFill>
+          <a:blip r:embed="rId4">
+            <a:extLst>
+              <a:ext uri="{28A0092B-C50C-407E-A947-70E740481C1C}">
+                <a14:useLocalDpi xmlns:a14="http://schemas.microsoft.com/office/drawing/2010/main" val="0"/>
+              </a:ext>
+              <a:ext uri="{96DAC541-7B7A-43D3-8B79-37D633B846F1}">
+                <asvg:svgBlip xmlns:asvg="http://schemas.microsoft.com/office/drawing/2016/SVG/main" r:embed="rId5"/>
+              </a:ext>
+            </a:extLst>
+          </a:blip>
+          <a:stretch>
+            <a:fillRect/>
+          </a:stretch>
+        </p:blipFill>
+        <p:spPr>
+          <a:xfrm>
+            <a:off x="560176" y="2057707"/>
+            <a:ext cx="1066435" cy="1066435"/>
+          </a:xfrm>
+          <a:prstGeom prst="rect">
+            <a:avLst/>
+          </a:prstGeom>
+        </p:spPr>
+      </p:pic>
+      <p:pic>
+        <p:nvPicPr>
+          <p:cNvPr id="13" name="Picture 2">
+            <a:extLst>
+              <a:ext uri="{FF2B5EF4-FFF2-40B4-BE49-F238E27FC236}">
+                <a16:creationId xmlns:a16="http://schemas.microsoft.com/office/drawing/2014/main" id="{AD3B8FCC-0653-E35C-6140-FAB55854E463}"/>
+              </a:ext>
+            </a:extLst>
+          </p:cNvPr>
+          <p:cNvPicPr>
+            <a:picLocks noChangeAspect="1" noChangeArrowheads="1"/>
+          </p:cNvPicPr>
+          <p:nvPr/>
+        </p:nvPicPr>
+        <p:blipFill>
+          <a:blip r:embed="rId6">
+            <a:extLst>
+              <a:ext uri="{28A0092B-C50C-407E-A947-70E740481C1C}">
+                <a14:useLocalDpi xmlns:a14="http://schemas.microsoft.com/office/drawing/2010/main" val="0"/>
+              </a:ext>
+            </a:extLst>
+          </a:blip>
+          <a:srcRect/>
+          <a:stretch>
+            <a:fillRect/>
+          </a:stretch>
+        </p:blipFill>
+        <p:spPr bwMode="auto">
+          <a:xfrm>
+            <a:off x="1009327" y="3429000"/>
+            <a:ext cx="3126500" cy="2088222"/>
+          </a:xfrm>
+          <a:prstGeom prst="rect">
+            <a:avLst/>
+          </a:prstGeom>
+          <a:noFill/>
+          <a:ln>
+            <a:noFill/>
+          </a:ln>
+          <a:effectLst/>
+          <a:extLst>
+            <a:ext uri="{909E8E84-426E-40DD-AFC4-6F175D3DCCD1}">
+              <a14:hiddenFill xmlns:a14="http://schemas.microsoft.com/office/drawing/2010/main">
+                <a:solidFill>
+                  <a:schemeClr val="accent1"/>
+                </a:solidFill>
+              </a14:hiddenFill>
+            </a:ext>
+            <a:ext uri="{91240B29-F687-4F45-9708-019B960494DF}">
+              <a14:hiddenLine xmlns:a14="http://schemas.microsoft.com/office/drawing/2010/main" w="9525">
+                <a:solidFill>
+                  <a:schemeClr val="tx1"/>
+                </a:solidFill>
+                <a:miter lim="800000"/>
+                <a:headEnd/>
+                <a:tailEnd/>
+              </a14:hiddenLine>
+            </a:ext>
+            <a:ext uri="{AF507438-7753-43E0-B8FC-AC1667EBCBE1}">
+              <a14:hiddenEffects xmlns:a14="http://schemas.microsoft.com/office/drawing/2010/main">
+                <a:effectLst>
+                  <a:outerShdw dist="35921" dir="2700000" algn="ctr" rotWithShape="0">
+                    <a:schemeClr val="bg2"/>
+                  </a:outerShdw>
+                </a:effectLst>
+              </a14:hiddenEffects>
+            </a:ext>
+          </a:extLst>
+        </p:spPr>
+      </p:pic>
+      <p:pic>
+        <p:nvPicPr>
+          <p:cNvPr id="14" name="Picture 2">
+            <a:extLst>
+              <a:ext uri="{FF2B5EF4-FFF2-40B4-BE49-F238E27FC236}">
+                <a16:creationId xmlns:a16="http://schemas.microsoft.com/office/drawing/2014/main" id="{FC12FE65-C13E-73EF-1D5C-7FB4CB710D06}"/>
+              </a:ext>
+            </a:extLst>
+          </p:cNvPr>
+          <p:cNvPicPr>
+            <a:picLocks noChangeAspect="1" noChangeArrowheads="1"/>
+          </p:cNvPicPr>
+          <p:nvPr/>
+        </p:nvPicPr>
+        <p:blipFill>
+          <a:blip r:embed="rId7">
+            <a:extLst>
+              <a:ext uri="{28A0092B-C50C-407E-A947-70E740481C1C}">
+                <a14:useLocalDpi xmlns:a14="http://schemas.microsoft.com/office/drawing/2010/main" val="0"/>
+              </a:ext>
+            </a:extLst>
+          </a:blip>
+          <a:srcRect/>
+          <a:stretch>
+            <a:fillRect/>
+          </a:stretch>
+        </p:blipFill>
+        <p:spPr bwMode="auto">
+          <a:xfrm>
+            <a:off x="5549353" y="2022481"/>
+            <a:ext cx="3126500" cy="4117580"/>
+          </a:xfrm>
+          <a:prstGeom prst="rect">
+            <a:avLst/>
+          </a:prstGeom>
+          <a:noFill/>
+          <a:ln>
+            <a:noFill/>
+          </a:ln>
+          <a:effectLst/>
+          <a:extLst>
+            <a:ext uri="{909E8E84-426E-40DD-AFC4-6F175D3DCCD1}">
+              <a14:hiddenFill xmlns:a14="http://schemas.microsoft.com/office/drawing/2010/main">
+                <a:solidFill>
+                  <a:schemeClr val="accent1"/>
+                </a:solidFill>
+              </a14:hiddenFill>
+            </a:ext>
+            <a:ext uri="{91240B29-F687-4F45-9708-019B960494DF}">
+              <a14:hiddenLine xmlns:a14="http://schemas.microsoft.com/office/drawing/2010/main" w="9525">
+                <a:solidFill>
+                  <a:schemeClr val="tx1"/>
+                </a:solidFill>
+                <a:miter lim="800000"/>
+                <a:headEnd/>
+                <a:tailEnd/>
+              </a14:hiddenLine>
+            </a:ext>
+            <a:ext uri="{AF507438-7753-43E0-B8FC-AC1667EBCBE1}">
+              <a14:hiddenEffects xmlns:a14="http://schemas.microsoft.com/office/drawing/2010/main">
+                <a:effectLst>
+                  <a:outerShdw dist="35921" dir="2700000" algn="ctr" rotWithShape="0">
+                    <a:schemeClr val="bg2"/>
+                  </a:outerShdw>
+                </a:effectLst>
+              </a14:hiddenEffects>
+            </a:ext>
+          </a:extLst>
+        </p:spPr>
+      </p:pic>
+      <p:sp>
+        <p:nvSpPr>
+          <p:cNvPr id="15" name="TextBox 14">
+            <a:extLst>
+              <a:ext uri="{FF2B5EF4-FFF2-40B4-BE49-F238E27FC236}">
+                <a16:creationId xmlns:a16="http://schemas.microsoft.com/office/drawing/2014/main" id="{C3653E03-1F05-E7F5-D076-C8F399E92105}"/>
+              </a:ext>
+            </a:extLst>
+          </p:cNvPr>
+          <p:cNvSpPr txBox="1"/>
+          <p:nvPr/>
+        </p:nvSpPr>
+        <p:spPr>
+          <a:xfrm>
+            <a:off x="8675854" y="3387106"/>
+            <a:ext cx="3236746" cy="584775"/>
+          </a:xfrm>
+          <a:prstGeom prst="rect">
+            <a:avLst/>
+          </a:prstGeom>
+          <a:noFill/>
+        </p:spPr>
+        <p:txBody>
+          <a:bodyPr wrap="square">
+            <a:spAutoFit/>
+          </a:bodyPr>
+          <a:lstStyle/>
+          <a:p>
+            <a:r>
+              <a:rPr lang="ko-KR" altLang="en-US" sz="3200" b="1" err="1">
+                <a:solidFill>
+                  <a:srgbClr val="002060"/>
+                </a:solidFill>
+              </a:rPr>
+              <a:t>비규제</a:t>
+            </a:r>
+            <a:r>
+              <a:rPr lang="ko-KR" altLang="en-US" sz="3200" b="1" dirty="0">
+                <a:solidFill>
+                  <a:srgbClr val="002060"/>
+                </a:solidFill>
+              </a:rPr>
+              <a:t> 지역선정</a:t>
+            </a:r>
+          </a:p>
+        </p:txBody>
+      </p:sp>
+      <p:pic>
+        <p:nvPicPr>
+          <p:cNvPr id="7" name="그래픽 6" descr="자녀 단색으로 채워진">
+            <a:extLst>
+              <a:ext uri="{FF2B5EF4-FFF2-40B4-BE49-F238E27FC236}">
+                <a16:creationId xmlns:a16="http://schemas.microsoft.com/office/drawing/2014/main" id="{86A2332C-51BB-C3E8-8B9E-F4AE6B6071BA}"/>
+              </a:ext>
+            </a:extLst>
+          </p:cNvPr>
+          <p:cNvPicPr>
+            <a:picLocks noChangeAspect="1"/>
+          </p:cNvPicPr>
+          <p:nvPr/>
+        </p:nvPicPr>
+        <p:blipFill>
+          <a:blip r:embed="rId8">
+            <a:extLst>
+              <a:ext uri="{28A0092B-C50C-407E-A947-70E740481C1C}">
+                <a14:useLocalDpi xmlns:a14="http://schemas.microsoft.com/office/drawing/2010/main" val="0"/>
+              </a:ext>
+              <a:ext uri="{96DAC541-7B7A-43D3-8B79-37D633B846F1}">
+                <asvg:svgBlip xmlns:asvg="http://schemas.microsoft.com/office/drawing/2016/SVG/main" r:embed="rId9"/>
+              </a:ext>
+            </a:extLst>
+          </a:blip>
+          <a:stretch>
+            <a:fillRect/>
+          </a:stretch>
+        </p:blipFill>
+        <p:spPr>
+          <a:xfrm>
+            <a:off x="8775087" y="3857920"/>
+            <a:ext cx="914400" cy="914400"/>
+          </a:xfrm>
+          <a:prstGeom prst="rect">
+            <a:avLst/>
+          </a:prstGeom>
+        </p:spPr>
+      </p:pic>
+      <p:pic>
+        <p:nvPicPr>
+          <p:cNvPr id="21" name="그래픽 20" descr="자녀 단색으로 채워진">
+            <a:extLst>
+              <a:ext uri="{FF2B5EF4-FFF2-40B4-BE49-F238E27FC236}">
+                <a16:creationId xmlns:a16="http://schemas.microsoft.com/office/drawing/2014/main" id="{8E1FDFC1-889E-606C-319C-D15C654F0A54}"/>
+              </a:ext>
+            </a:extLst>
+          </p:cNvPr>
+          <p:cNvPicPr>
+            <a:picLocks noChangeAspect="1"/>
+          </p:cNvPicPr>
+          <p:nvPr/>
+        </p:nvPicPr>
+        <p:blipFill>
+          <a:blip r:embed="rId8">
+            <a:extLst>
+              <a:ext uri="{28A0092B-C50C-407E-A947-70E740481C1C}">
+                <a14:useLocalDpi xmlns:a14="http://schemas.microsoft.com/office/drawing/2010/main" val="0"/>
+              </a:ext>
+              <a:ext uri="{96DAC541-7B7A-43D3-8B79-37D633B846F1}">
+                <asvg:svgBlip xmlns:asvg="http://schemas.microsoft.com/office/drawing/2016/SVG/main" r:embed="rId9"/>
+              </a:ext>
+            </a:extLst>
+          </a:blip>
+          <a:stretch>
+            <a:fillRect/>
+          </a:stretch>
+        </p:blipFill>
+        <p:spPr>
+          <a:xfrm>
+            <a:off x="9550441" y="3847620"/>
+            <a:ext cx="914400" cy="914400"/>
+          </a:xfrm>
+          <a:prstGeom prst="rect">
+            <a:avLst/>
+          </a:prstGeom>
+        </p:spPr>
+      </p:pic>
+      <p:pic>
+        <p:nvPicPr>
+          <p:cNvPr id="22" name="그래픽 21" descr="자녀 단색으로 채워진">
+            <a:extLst>
+              <a:ext uri="{FF2B5EF4-FFF2-40B4-BE49-F238E27FC236}">
+                <a16:creationId xmlns:a16="http://schemas.microsoft.com/office/drawing/2014/main" id="{2AD24333-EB8B-B3F0-B6B7-D236BD60FC66}"/>
+              </a:ext>
+            </a:extLst>
+          </p:cNvPr>
+          <p:cNvPicPr>
+            <a:picLocks noChangeAspect="1"/>
+          </p:cNvPicPr>
+          <p:nvPr/>
+        </p:nvPicPr>
+        <p:blipFill>
+          <a:blip r:embed="rId8">
+            <a:extLst>
+              <a:ext uri="{28A0092B-C50C-407E-A947-70E740481C1C}">
+                <a14:useLocalDpi xmlns:a14="http://schemas.microsoft.com/office/drawing/2010/main" val="0"/>
+              </a:ext>
+              <a:ext uri="{96DAC541-7B7A-43D3-8B79-37D633B846F1}">
+                <asvg:svgBlip xmlns:asvg="http://schemas.microsoft.com/office/drawing/2016/SVG/main" r:embed="rId9"/>
+              </a:ext>
+            </a:extLst>
+          </a:blip>
+          <a:stretch>
+            <a:fillRect/>
+          </a:stretch>
+        </p:blipFill>
+        <p:spPr>
+          <a:xfrm>
+            <a:off x="10353726" y="3857920"/>
+            <a:ext cx="914400" cy="914400"/>
+          </a:xfrm>
+          <a:prstGeom prst="rect">
+            <a:avLst/>
+          </a:prstGeom>
+        </p:spPr>
+      </p:pic>
+    </p:spTree>
+    <p:extLst>
+      <p:ext uri="{BB962C8B-B14F-4D97-AF65-F5344CB8AC3E}">
+        <p14:creationId xmlns:p14="http://schemas.microsoft.com/office/powerpoint/2010/main" val="4159807240"/>
       </p:ext>
     </p:extLst>
   </p:cSld>
@@ -14909,6 +16539,14 @@
 <file path=ppt/slides/slide30.xml><?xml version="1.0" encoding="utf-8"?>
 <p:sld xmlns:a="http://schemas.openxmlformats.org/drawingml/2006/main" xmlns:r="http://schemas.openxmlformats.org/officeDocument/2006/relationships" xmlns:p="http://schemas.openxmlformats.org/presentationml/2006/main">
   <p:cSld>
+    <p:bg>
+      <p:bgPr>
+        <a:solidFill>
+          <a:schemeClr val="bg1"/>
+        </a:solidFill>
+        <a:effectLst/>
+      </p:bgPr>
+    </p:bg>
     <p:spTree>
       <p:nvGrpSpPr>
         <p:cNvPr id="1" name=""/>
@@ -14923,40 +16561,528 @@
           <a:chExt cx="0" cy="0"/>
         </a:xfrm>
       </p:grpSpPr>
+      <p:sp useBgFill="1">
+        <p:nvSpPr>
+          <p:cNvPr id="9" name="Rectangle 8">
+            <a:extLst>
+              <a:ext uri="{FF2B5EF4-FFF2-40B4-BE49-F238E27FC236}">
+                <a16:creationId xmlns:a16="http://schemas.microsoft.com/office/drawing/2014/main" id="{2EB492CD-616E-47F8-933B-5E2D952A0593}"/>
+              </a:ext>
+              <a:ext uri="{C183D7F6-B498-43B3-948B-1728B52AA6E4}">
+                <adec:decorative xmlns:adec="http://schemas.microsoft.com/office/drawing/2017/decorative" val="1"/>
+              </a:ext>
+            </a:extLst>
+          </p:cNvPr>
+          <p:cNvSpPr>
+            <a:spLocks noGrp="1" noRot="1" noChangeAspect="1" noMove="1" noResize="1" noEditPoints="1" noAdjustHandles="1" noChangeArrowheads="1" noChangeShapeType="1" noTextEdit="1"/>
+          </p:cNvSpPr>
+          <p:nvPr>
+            <p:extLst>
+              <p:ext uri="{386F3935-93C4-4BCD-93E2-E3B085C9AB24}">
+                <p16:designElem xmlns:p16="http://schemas.microsoft.com/office/powerpoint/2015/main" val="1"/>
+              </p:ext>
+            </p:extLst>
+          </p:nvPr>
+        </p:nvSpPr>
+        <p:spPr bwMode="white">
+          <a:xfrm>
+            <a:off x="0" y="0"/>
+            <a:ext cx="12192000" cy="6858000"/>
+          </a:xfrm>
+          <a:prstGeom prst="rect">
+            <a:avLst/>
+          </a:prstGeom>
+          <a:ln>
+            <a:noFill/>
+          </a:ln>
+        </p:spPr>
+        <p:style>
+          <a:lnRef idx="2">
+            <a:schemeClr val="accent1">
+              <a:shade val="50000"/>
+            </a:schemeClr>
+          </a:lnRef>
+          <a:fillRef idx="1">
+            <a:schemeClr val="accent1"/>
+          </a:fillRef>
+          <a:effectRef idx="0">
+            <a:schemeClr val="accent1"/>
+          </a:effectRef>
+          <a:fontRef idx="minor">
+            <a:schemeClr val="lt1"/>
+          </a:fontRef>
+        </p:style>
+        <p:txBody>
+          <a:bodyPr rtlCol="0" anchor="ctr"/>
+          <a:lstStyle>
+            <a:defPPr>
+              <a:defRPr lang="en-US"/>
+            </a:defPPr>
+            <a:lvl1pPr marL="0" algn="l" defTabSz="914400" rtl="0" eaLnBrk="1" latinLnBrk="0" hangingPunct="1">
+              <a:defRPr sz="1800" kern="1200">
+                <a:solidFill>
+                  <a:schemeClr val="lt1"/>
+                </a:solidFill>
+                <a:latin typeface="+mn-lt"/>
+                <a:ea typeface="+mn-ea"/>
+                <a:cs typeface="+mn-cs"/>
+              </a:defRPr>
+            </a:lvl1pPr>
+            <a:lvl2pPr marL="457200" algn="l" defTabSz="914400" rtl="0" eaLnBrk="1" latinLnBrk="0" hangingPunct="1">
+              <a:defRPr sz="1800" kern="1200">
+                <a:solidFill>
+                  <a:schemeClr val="lt1"/>
+                </a:solidFill>
+                <a:latin typeface="+mn-lt"/>
+                <a:ea typeface="+mn-ea"/>
+                <a:cs typeface="+mn-cs"/>
+              </a:defRPr>
+            </a:lvl2pPr>
+            <a:lvl3pPr marL="914400" algn="l" defTabSz="914400" rtl="0" eaLnBrk="1" latinLnBrk="0" hangingPunct="1">
+              <a:defRPr sz="1800" kern="1200">
+                <a:solidFill>
+                  <a:schemeClr val="lt1"/>
+                </a:solidFill>
+                <a:latin typeface="+mn-lt"/>
+                <a:ea typeface="+mn-ea"/>
+                <a:cs typeface="+mn-cs"/>
+              </a:defRPr>
+            </a:lvl3pPr>
+            <a:lvl4pPr marL="1371600" algn="l" defTabSz="914400" rtl="0" eaLnBrk="1" latinLnBrk="0" hangingPunct="1">
+              <a:defRPr sz="1800" kern="1200">
+                <a:solidFill>
+                  <a:schemeClr val="lt1"/>
+                </a:solidFill>
+                <a:latin typeface="+mn-lt"/>
+                <a:ea typeface="+mn-ea"/>
+                <a:cs typeface="+mn-cs"/>
+              </a:defRPr>
+            </a:lvl4pPr>
+            <a:lvl5pPr marL="1828800" algn="l" defTabSz="914400" rtl="0" eaLnBrk="1" latinLnBrk="0" hangingPunct="1">
+              <a:defRPr sz="1800" kern="1200">
+                <a:solidFill>
+                  <a:schemeClr val="lt1"/>
+                </a:solidFill>
+                <a:latin typeface="+mn-lt"/>
+                <a:ea typeface="+mn-ea"/>
+                <a:cs typeface="+mn-cs"/>
+              </a:defRPr>
+            </a:lvl5pPr>
+            <a:lvl6pPr marL="2286000" algn="l" defTabSz="914400" rtl="0" eaLnBrk="1" latinLnBrk="0" hangingPunct="1">
+              <a:defRPr sz="1800" kern="1200">
+                <a:solidFill>
+                  <a:schemeClr val="lt1"/>
+                </a:solidFill>
+                <a:latin typeface="+mn-lt"/>
+                <a:ea typeface="+mn-ea"/>
+                <a:cs typeface="+mn-cs"/>
+              </a:defRPr>
+            </a:lvl6pPr>
+            <a:lvl7pPr marL="2743200" algn="l" defTabSz="914400" rtl="0" eaLnBrk="1" latinLnBrk="0" hangingPunct="1">
+              <a:defRPr sz="1800" kern="1200">
+                <a:solidFill>
+                  <a:schemeClr val="lt1"/>
+                </a:solidFill>
+                <a:latin typeface="+mn-lt"/>
+                <a:ea typeface="+mn-ea"/>
+                <a:cs typeface="+mn-cs"/>
+              </a:defRPr>
+            </a:lvl7pPr>
+            <a:lvl8pPr marL="3200400" algn="l" defTabSz="914400" rtl="0" eaLnBrk="1" latinLnBrk="0" hangingPunct="1">
+              <a:defRPr sz="1800" kern="1200">
+                <a:solidFill>
+                  <a:schemeClr val="lt1"/>
+                </a:solidFill>
+                <a:latin typeface="+mn-lt"/>
+                <a:ea typeface="+mn-ea"/>
+                <a:cs typeface="+mn-cs"/>
+              </a:defRPr>
+            </a:lvl8pPr>
+            <a:lvl9pPr marL="3657600" algn="l" defTabSz="914400" rtl="0" eaLnBrk="1" latinLnBrk="0" hangingPunct="1">
+              <a:defRPr sz="1800" kern="1200">
+                <a:solidFill>
+                  <a:schemeClr val="lt1"/>
+                </a:solidFill>
+                <a:latin typeface="+mn-lt"/>
+                <a:ea typeface="+mn-ea"/>
+                <a:cs typeface="+mn-cs"/>
+              </a:defRPr>
+            </a:lvl9pPr>
+          </a:lstStyle>
+          <a:p>
+            <a:pPr algn="ctr"/>
+            <a:endParaRPr lang="en-US"/>
+          </a:p>
+        </p:txBody>
+      </p:sp>
       <p:sp>
         <p:nvSpPr>
-          <p:cNvPr id="2" name="제목 1">
-            <a:extLst>
-              <a:ext uri="{FF2B5EF4-FFF2-40B4-BE49-F238E27FC236}">
-                <a16:creationId xmlns:a16="http://schemas.microsoft.com/office/drawing/2014/main" id="{79E4594E-B25B-650A-155A-698223F56873}"/>
+          <p:cNvPr id="11" name="Arc 10">
+            <a:extLst>
+              <a:ext uri="{FF2B5EF4-FFF2-40B4-BE49-F238E27FC236}">
+                <a16:creationId xmlns:a16="http://schemas.microsoft.com/office/drawing/2014/main" id="{59383CF9-23B5-4335-9B21-1791C4CF1C75}"/>
+              </a:ext>
+              <a:ext uri="{C183D7F6-B498-43B3-948B-1728B52AA6E4}">
+                <adec:decorative xmlns:adec="http://schemas.microsoft.com/office/drawing/2017/decorative" val="1"/>
               </a:ext>
             </a:extLst>
           </p:cNvPr>
           <p:cNvSpPr>
-            <a:spLocks noGrp="1"/>
+            <a:spLocks noGrp="1" noRot="1" noChangeAspect="1" noMove="1" noResize="1" noEditPoints="1" noAdjustHandles="1" noChangeArrowheads="1" noChangeShapeType="1" noTextEdit="1"/>
           </p:cNvSpPr>
           <p:nvPr>
-            <p:ph type="title"/>
+            <p:extLst>
+              <p:ext uri="{386F3935-93C4-4BCD-93E2-E3B085C9AB24}">
+                <p16:designElem xmlns:p16="http://schemas.microsoft.com/office/powerpoint/2015/main" val="1"/>
+              </p:ext>
+            </p:extLst>
           </p:nvPr>
         </p:nvSpPr>
         <p:spPr>
-          <a:xfrm>
-            <a:off x="838200" y="1"/>
-            <a:ext cx="10515600" cy="1690688"/>
-          </a:xfrm>
+          <a:xfrm rot="3967198" flipH="1">
+            <a:off x="8631348" y="490493"/>
+            <a:ext cx="2987899" cy="2987899"/>
+          </a:xfrm>
+          <a:prstGeom prst="arc">
+            <a:avLst>
+              <a:gd name="adj1" fmla="val 14441841"/>
+              <a:gd name="adj2" fmla="val 0"/>
+            </a:avLst>
+          </a:prstGeom>
+          <a:ln w="127000" cap="rnd">
+            <a:solidFill>
+              <a:schemeClr val="accent4"/>
+            </a:solidFill>
+            <a:prstDash val="dash"/>
+            <a:miter lim="800000"/>
+          </a:ln>
         </p:spPr>
+        <p:style>
+          <a:lnRef idx="1">
+            <a:schemeClr val="accent1"/>
+          </a:lnRef>
+          <a:fillRef idx="0">
+            <a:schemeClr val="accent1"/>
+          </a:fillRef>
+          <a:effectRef idx="0">
+            <a:schemeClr val="accent1"/>
+          </a:effectRef>
+          <a:fontRef idx="minor">
+            <a:schemeClr val="tx1"/>
+          </a:fontRef>
+        </p:style>
         <p:txBody>
-          <a:bodyPr/>
+          <a:bodyPr rtlCol="0" anchor="ctr"/>
           <a:lstStyle/>
           <a:p>
-            <a:r>
-              <a:rPr lang="en-US" altLang="ko-KR" dirty="0"/>
-              <a:t>5. Multi step forecasting</a:t>
-            </a:r>
-            <a:endParaRPr lang="ko-KR" altLang="en-US" dirty="0"/>
+            <a:pPr marL="0" marR="0" lvl="0" indent="0" algn="ctr" defTabSz="914400" rtl="0" eaLnBrk="1" fontAlgn="auto" latinLnBrk="0" hangingPunct="1">
+              <a:lnSpc>
+                <a:spcPct val="100000"/>
+              </a:lnSpc>
+              <a:spcBef>
+                <a:spcPts val="0"/>
+              </a:spcBef>
+              <a:spcAft>
+                <a:spcPts val="0"/>
+              </a:spcAft>
+              <a:buClrTx/>
+              <a:buSzTx/>
+              <a:buFontTx/>
+              <a:buNone/>
+              <a:tabLst/>
+              <a:defRPr/>
+            </a:pPr>
+            <a:endParaRPr kumimoji="0" lang="en-US" sz="1800" b="0" i="0" u="none" strike="noStrike" kern="1200" cap="none" spc="0" normalizeH="0" baseline="0" noProof="0">
+              <a:ln>
+                <a:noFill/>
+              </a:ln>
+              <a:solidFill>
+                <a:srgbClr val="000000"/>
+              </a:solidFill>
+              <a:effectLst/>
+              <a:uLnTx/>
+              <a:uFillTx/>
+              <a:latin typeface="Calibri" panose="020F0502020204030204"/>
+              <a:ea typeface="+mn-ea"/>
+              <a:cs typeface="+mn-cs"/>
+            </a:endParaRPr>
           </a:p>
         </p:txBody>
       </p:sp>
+      <p:sp>
+        <p:nvSpPr>
+          <p:cNvPr id="13" name="Freeform: Shape 12">
+            <a:extLst>
+              <a:ext uri="{FF2B5EF4-FFF2-40B4-BE49-F238E27FC236}">
+                <a16:creationId xmlns:a16="http://schemas.microsoft.com/office/drawing/2014/main" id="{0007FE00-9498-4706-B255-6437B0252C02}"/>
+              </a:ext>
+              <a:ext uri="{C183D7F6-B498-43B3-948B-1728B52AA6E4}">
+                <adec:decorative xmlns:adec="http://schemas.microsoft.com/office/drawing/2017/decorative" val="1"/>
+              </a:ext>
+            </a:extLst>
+          </p:cNvPr>
+          <p:cNvSpPr>
+            <a:spLocks noGrp="1" noRot="1" noChangeAspect="1" noMove="1" noResize="1" noEditPoints="1" noAdjustHandles="1" noChangeArrowheads="1" noChangeShapeType="1" noTextEdit="1"/>
+          </p:cNvSpPr>
+          <p:nvPr>
+            <p:extLst>
+              <p:ext uri="{386F3935-93C4-4BCD-93E2-E3B085C9AB24}">
+                <p16:designElem xmlns:p16="http://schemas.microsoft.com/office/powerpoint/2015/main" val="1"/>
+              </p:ext>
+            </p:extLst>
+          </p:nvPr>
+        </p:nvSpPr>
+        <p:spPr>
+          <a:xfrm flipH="1">
+            <a:off x="0" y="5486400"/>
+            <a:ext cx="2672863" cy="1371600"/>
+          </a:xfrm>
+          <a:custGeom>
+            <a:avLst/>
+            <a:gdLst>
+              <a:gd name="connsiteX0" fmla="*/ 1721734 w 2672863"/>
+              <a:gd name="connsiteY0" fmla="*/ 0 h 1371600"/>
+              <a:gd name="connsiteX1" fmla="*/ 2564444 w 2672863"/>
+              <a:gd name="connsiteY1" fmla="*/ 213382 h 1371600"/>
+              <a:gd name="connsiteX2" fmla="*/ 2672863 w 2672863"/>
+              <a:gd name="connsiteY2" fmla="*/ 279248 h 1371600"/>
+              <a:gd name="connsiteX3" fmla="*/ 2672863 w 2672863"/>
+              <a:gd name="connsiteY3" fmla="*/ 1371600 h 1371600"/>
+              <a:gd name="connsiteX4" fmla="*/ 0 w 2672863"/>
+              <a:gd name="connsiteY4" fmla="*/ 1371600 h 1371600"/>
+              <a:gd name="connsiteX5" fmla="*/ 33268 w 2672863"/>
+              <a:gd name="connsiteY5" fmla="*/ 1242216 h 1371600"/>
+              <a:gd name="connsiteX6" fmla="*/ 1721734 w 2672863"/>
+              <a:gd name="connsiteY6" fmla="*/ 0 h 1371600"/>
+            </a:gdLst>
+            <a:ahLst/>
+            <a:cxnLst>
+              <a:cxn ang="0">
+                <a:pos x="connsiteX0" y="connsiteY0"/>
+              </a:cxn>
+              <a:cxn ang="0">
+                <a:pos x="connsiteX1" y="connsiteY1"/>
+              </a:cxn>
+              <a:cxn ang="0">
+                <a:pos x="connsiteX2" y="connsiteY2"/>
+              </a:cxn>
+              <a:cxn ang="0">
+                <a:pos x="connsiteX3" y="connsiteY3"/>
+              </a:cxn>
+              <a:cxn ang="0">
+                <a:pos x="connsiteX4" y="connsiteY4"/>
+              </a:cxn>
+              <a:cxn ang="0">
+                <a:pos x="connsiteX5" y="connsiteY5"/>
+              </a:cxn>
+              <a:cxn ang="0">
+                <a:pos x="connsiteX6" y="connsiteY6"/>
+              </a:cxn>
+            </a:cxnLst>
+            <a:rect l="l" t="t" r="r" b="b"/>
+            <a:pathLst>
+              <a:path w="2672863" h="1371600">
+                <a:moveTo>
+                  <a:pt x="1721734" y="0"/>
+                </a:moveTo>
+                <a:cubicBezTo>
+                  <a:pt x="2026863" y="0"/>
+                  <a:pt x="2313937" y="77299"/>
+                  <a:pt x="2564444" y="213382"/>
+                </a:cubicBezTo>
+                <a:lnTo>
+                  <a:pt x="2672863" y="279248"/>
+                </a:lnTo>
+                <a:lnTo>
+                  <a:pt x="2672863" y="1371600"/>
+                </a:lnTo>
+                <a:lnTo>
+                  <a:pt x="0" y="1371600"/>
+                </a:lnTo>
+                <a:lnTo>
+                  <a:pt x="33268" y="1242216"/>
+                </a:lnTo>
+                <a:cubicBezTo>
+                  <a:pt x="257110" y="522539"/>
+                  <a:pt x="928399" y="0"/>
+                  <a:pt x="1721734" y="0"/>
+                </a:cubicBezTo>
+                <a:close/>
+              </a:path>
+            </a:pathLst>
+          </a:custGeom>
+          <a:solidFill>
+            <a:schemeClr val="accent4"/>
+          </a:solidFill>
+          <a:ln>
+            <a:noFill/>
+          </a:ln>
+        </p:spPr>
+        <p:style>
+          <a:lnRef idx="2">
+            <a:schemeClr val="accent1">
+              <a:shade val="50000"/>
+            </a:schemeClr>
+          </a:lnRef>
+          <a:fillRef idx="1">
+            <a:schemeClr val="accent1"/>
+          </a:fillRef>
+          <a:effectRef idx="0">
+            <a:schemeClr val="accent1"/>
+          </a:effectRef>
+          <a:fontRef idx="minor">
+            <a:schemeClr val="lt1"/>
+          </a:fontRef>
+        </p:style>
+        <p:txBody>
+          <a:bodyPr wrap="square" rtlCol="0" anchor="ctr">
+            <a:noAutofit/>
+          </a:bodyPr>
+          <a:lstStyle/>
+          <a:p>
+            <a:pPr algn="ctr"/>
+            <a:endParaRPr lang="en-US"/>
+          </a:p>
+        </p:txBody>
+      </p:sp>
+      <p:sp>
+        <p:nvSpPr>
+          <p:cNvPr id="8" name="직사각형 7">
+            <a:extLst>
+              <a:ext uri="{FF2B5EF4-FFF2-40B4-BE49-F238E27FC236}">
+                <a16:creationId xmlns:a16="http://schemas.microsoft.com/office/drawing/2014/main" id="{70439C37-44CE-E0C1-7BB7-165757A2B81E}"/>
+              </a:ext>
+            </a:extLst>
+          </p:cNvPr>
+          <p:cNvSpPr/>
+          <p:nvPr/>
+        </p:nvSpPr>
+        <p:spPr>
+          <a:xfrm>
+            <a:off x="279400" y="214847"/>
+            <a:ext cx="11633200" cy="6258560"/>
+          </a:xfrm>
+          <a:prstGeom prst="rect">
+            <a:avLst/>
+          </a:prstGeom>
+          <a:solidFill>
+            <a:schemeClr val="bg1">
+              <a:lumMod val="95000"/>
+              <a:alpha val="70000"/>
+            </a:schemeClr>
+          </a:solidFill>
+          <a:ln>
+            <a:noFill/>
+          </a:ln>
+        </p:spPr>
+        <p:style>
+          <a:lnRef idx="2">
+            <a:schemeClr val="accent1">
+              <a:shade val="50000"/>
+            </a:schemeClr>
+          </a:lnRef>
+          <a:fillRef idx="1">
+            <a:schemeClr val="accent1"/>
+          </a:fillRef>
+          <a:effectRef idx="0">
+            <a:schemeClr val="accent1"/>
+          </a:effectRef>
+          <a:fontRef idx="minor">
+            <a:schemeClr val="lt1"/>
+          </a:fontRef>
+        </p:style>
+        <p:txBody>
+          <a:bodyPr rtlCol="0" anchor="ctr"/>
+          <a:lstStyle/>
+          <a:p>
+            <a:pPr algn="ctr"/>
+            <a:endParaRPr lang="ko-KR" altLang="en-US" dirty="0"/>
+          </a:p>
+        </p:txBody>
+      </p:sp>
+      <p:pic>
+        <p:nvPicPr>
+          <p:cNvPr id="4" name="그래픽 3" descr="한 팔을 올린 로봇">
+            <a:extLst>
+              <a:ext uri="{FF2B5EF4-FFF2-40B4-BE49-F238E27FC236}">
+                <a16:creationId xmlns:a16="http://schemas.microsoft.com/office/drawing/2014/main" id="{B02E8A89-9F4F-4AAA-A8CC-BE0D04FB5D17}"/>
+              </a:ext>
+            </a:extLst>
+          </p:cNvPr>
+          <p:cNvPicPr>
+            <a:picLocks noChangeAspect="1"/>
+          </p:cNvPicPr>
+          <p:nvPr/>
+        </p:nvPicPr>
+        <p:blipFill>
+          <a:blip r:embed="rId3">
+            <a:extLst>
+              <a:ext uri="{28A0092B-C50C-407E-A947-70E740481C1C}">
+                <a14:useLocalDpi xmlns:a14="http://schemas.microsoft.com/office/drawing/2010/main" val="0"/>
+              </a:ext>
+              <a:ext uri="{96DAC541-7B7A-43D3-8B79-37D633B846F1}">
+                <asvg:svgBlip xmlns:asvg="http://schemas.microsoft.com/office/drawing/2016/SVG/main" r:embed="rId4"/>
+              </a:ext>
+            </a:extLst>
+          </a:blip>
+          <a:stretch>
+            <a:fillRect/>
+          </a:stretch>
+        </p:blipFill>
+        <p:spPr>
+          <a:xfrm>
+            <a:off x="890351" y="1425825"/>
+            <a:ext cx="4343074" cy="4343074"/>
+          </a:xfrm>
+          <a:custGeom>
+            <a:avLst/>
+            <a:gdLst/>
+            <a:ahLst/>
+            <a:cxnLst/>
+            <a:rect l="l" t="t" r="r" b="b"/>
+            <a:pathLst>
+              <a:path w="4777381" h="5643794">
+                <a:moveTo>
+                  <a:pt x="143704" y="0"/>
+                </a:moveTo>
+                <a:lnTo>
+                  <a:pt x="4633677" y="0"/>
+                </a:lnTo>
+                <a:cubicBezTo>
+                  <a:pt x="4713043" y="0"/>
+                  <a:pt x="4777381" y="64338"/>
+                  <a:pt x="4777381" y="143704"/>
+                </a:cubicBezTo>
+                <a:lnTo>
+                  <a:pt x="4777381" y="5500090"/>
+                </a:lnTo>
+                <a:cubicBezTo>
+                  <a:pt x="4777381" y="5579456"/>
+                  <a:pt x="4713043" y="5643794"/>
+                  <a:pt x="4633677" y="5643794"/>
+                </a:cubicBezTo>
+                <a:lnTo>
+                  <a:pt x="143704" y="5643794"/>
+                </a:lnTo>
+                <a:cubicBezTo>
+                  <a:pt x="64338" y="5643794"/>
+                  <a:pt x="0" y="5579456"/>
+                  <a:pt x="0" y="5500090"/>
+                </a:cubicBezTo>
+                <a:lnTo>
+                  <a:pt x="0" y="143704"/>
+                </a:lnTo>
+                <a:cubicBezTo>
+                  <a:pt x="0" y="64338"/>
+                  <a:pt x="64338" y="0"/>
+                  <a:pt x="143704" y="0"/>
+                </a:cubicBezTo>
+                <a:close/>
+              </a:path>
+            </a:pathLst>
+          </a:custGeom>
+        </p:spPr>
+      </p:pic>
       <p:sp>
         <p:nvSpPr>
           <p:cNvPr id="3" name="내용 개체 틀 2">
@@ -14975,8 +17101,8 @@
         </p:nvSpPr>
         <p:spPr>
           <a:xfrm>
-            <a:off x="502508" y="1117642"/>
-            <a:ext cx="10834816" cy="5031904"/>
+            <a:off x="5894962" y="1984443"/>
+            <a:ext cx="5458838" cy="4192520"/>
           </a:xfrm>
         </p:spPr>
         <p:txBody>
@@ -14986,158 +17112,334 @@
           <a:lstStyle/>
           <a:p>
             <a:r>
-              <a:rPr lang="en-US" altLang="ko-KR" dirty="0"/>
-              <a:t>5.2 </a:t>
-            </a:r>
-            <a:r>
-              <a:rPr lang="ko-KR" altLang="en-US" dirty="0"/>
-              <a:t>예측 데이터 분석</a:t>
-            </a:r>
-            <a:endParaRPr lang="en-US" altLang="ko-KR" dirty="0"/>
-          </a:p>
-          <a:p>
-            <a:r>
-              <a:rPr lang="ko-KR" altLang="en-US" dirty="0"/>
-              <a:t>이천</a:t>
-            </a:r>
-            <a:endParaRPr lang="en-US" altLang="ko-KR" dirty="0"/>
+              <a:rPr lang="ko-KR" altLang="en-US" sz="2200"/>
+              <a:t>실수요자를 위한 정보 제공 서비스</a:t>
+            </a:r>
+            <a:endParaRPr lang="en-US" altLang="ko-KR" sz="2200"/>
+          </a:p>
+          <a:p>
+            <a:r>
+              <a:rPr lang="ko-KR" altLang="en-US" sz="2200"/>
+              <a:t>상승세 </a:t>
+            </a:r>
+            <a:r>
+              <a:rPr lang="en-US" altLang="ko-KR" sz="2200"/>
+              <a:t>- </a:t>
+            </a:r>
+            <a:r>
+              <a:rPr lang="ko-KR" altLang="en-US" sz="2200"/>
+              <a:t>평택시</a:t>
+            </a:r>
+            <a:r>
+              <a:rPr lang="en-US" altLang="ko-KR" sz="2200"/>
+              <a:t>, </a:t>
+            </a:r>
+            <a:r>
+              <a:rPr lang="ko-KR" altLang="en-US" sz="2200"/>
+              <a:t>이천시</a:t>
+            </a:r>
+            <a:r>
+              <a:rPr lang="en-US" altLang="ko-KR" sz="2200"/>
+              <a:t>, </a:t>
+            </a:r>
+            <a:r>
+              <a:rPr lang="ko-KR" altLang="en-US" sz="2200"/>
+              <a:t>안성시</a:t>
+            </a:r>
+          </a:p>
+          <a:p>
+            <a:r>
+              <a:rPr lang="ko-KR" altLang="en-US" sz="2200" err="1"/>
+              <a:t>유지세</a:t>
+            </a:r>
+            <a:r>
+              <a:rPr lang="ko-KR" altLang="en-US" sz="2200"/>
+              <a:t> </a:t>
+            </a:r>
+            <a:r>
+              <a:rPr lang="en-US" altLang="ko-KR" sz="2200"/>
+              <a:t>- </a:t>
+            </a:r>
+            <a:r>
+              <a:rPr lang="ko-KR" altLang="en-US" sz="2200"/>
+              <a:t>김포시</a:t>
+            </a:r>
+            <a:r>
+              <a:rPr lang="en-US" altLang="ko-KR" sz="2200"/>
+              <a:t>, </a:t>
+            </a:r>
+            <a:r>
+              <a:rPr lang="ko-KR" altLang="en-US" sz="2200" err="1"/>
+              <a:t>양주시</a:t>
+            </a:r>
+            <a:r>
+              <a:rPr lang="en-US" altLang="ko-KR" sz="2200"/>
+              <a:t>, </a:t>
+            </a:r>
+            <a:r>
+              <a:rPr lang="ko-KR" altLang="en-US" sz="2200" err="1"/>
+              <a:t>여주시</a:t>
+            </a:r>
+            <a:endParaRPr lang="ko-KR" altLang="en-US" sz="2200"/>
+          </a:p>
+          <a:p>
+            <a:r>
+              <a:rPr lang="ko-KR" altLang="en-US" sz="2200"/>
+              <a:t>하락세 </a:t>
+            </a:r>
+            <a:r>
+              <a:rPr lang="en-US" altLang="ko-KR" sz="2200"/>
+              <a:t>- </a:t>
+            </a:r>
+            <a:r>
+              <a:rPr lang="ko-KR" altLang="en-US" sz="2200"/>
+              <a:t>수원시</a:t>
+            </a:r>
+            <a:r>
+              <a:rPr lang="en-US" altLang="ko-KR" sz="2200"/>
+              <a:t>, </a:t>
+            </a:r>
+            <a:r>
+              <a:rPr lang="ko-KR" altLang="en-US" sz="2200"/>
+              <a:t>안양시</a:t>
+            </a:r>
+            <a:r>
+              <a:rPr lang="en-US" altLang="ko-KR" sz="2200"/>
+              <a:t>, </a:t>
+            </a:r>
+            <a:r>
+              <a:rPr lang="ko-KR" altLang="en-US" sz="2200"/>
+              <a:t>광명시</a:t>
+            </a:r>
+            <a:r>
+              <a:rPr lang="en-US" altLang="ko-KR" sz="2200"/>
+              <a:t>, </a:t>
+            </a:r>
+            <a:r>
+              <a:rPr lang="ko-KR" altLang="en-US" sz="2200"/>
+              <a:t>동두천시</a:t>
+            </a:r>
+            <a:r>
+              <a:rPr lang="en-US" altLang="ko-KR" sz="2200"/>
+              <a:t>, </a:t>
+            </a:r>
+            <a:r>
+              <a:rPr lang="ko-KR" altLang="en-US" sz="2200"/>
+              <a:t>하남시</a:t>
+            </a:r>
+            <a:r>
+              <a:rPr lang="en-US" altLang="ko-KR" sz="2200"/>
+              <a:t>, </a:t>
+            </a:r>
+            <a:r>
+              <a:rPr lang="ko-KR" altLang="en-US" sz="2200" err="1"/>
+              <a:t>화성시</a:t>
+            </a:r>
+            <a:r>
+              <a:rPr lang="en-US" altLang="ko-KR" sz="2200"/>
+              <a:t>, </a:t>
+            </a:r>
+            <a:r>
+              <a:rPr lang="ko-KR" altLang="en-US" sz="2200"/>
+              <a:t>의왕시</a:t>
+            </a:r>
+            <a:endParaRPr lang="en-US" altLang="ko-KR" sz="2200"/>
+          </a:p>
+          <a:p>
+            <a:r>
+              <a:rPr lang="ko-KR" altLang="en-US" sz="2200"/>
+              <a:t>해당 지역들은 실제 값과 예측 값이 같은 방향성을 보이며</a:t>
+            </a:r>
+            <a:r>
+              <a:rPr lang="en-US" altLang="ko-KR" sz="2200"/>
+              <a:t>, </a:t>
+            </a:r>
+            <a:r>
+              <a:rPr lang="ko-KR" altLang="en-US" sz="2200"/>
+              <a:t>예측 데이터 역시 신뢰할 수 있으므로 제시된 정보에 맞춰 실수요자들이 부동산 매매 및 대출과 </a:t>
+            </a:r>
+            <a:r>
+              <a:rPr lang="ko-KR" altLang="en-US" sz="2200" err="1"/>
+              <a:t>시기등을</a:t>
+            </a:r>
+            <a:r>
+              <a:rPr lang="ko-KR" altLang="en-US" sz="2200"/>
+              <a:t> 고려할 수 있습니다</a:t>
+            </a:r>
+          </a:p>
+          <a:p>
+            <a:endParaRPr lang="en-US" altLang="ko-KR" sz="2200"/>
           </a:p>
         </p:txBody>
       </p:sp>
-      <p:pic>
-        <p:nvPicPr>
-          <p:cNvPr id="12290" name="Picture 2"/>
-          <p:cNvPicPr>
-            <a:picLocks noChangeAspect="1" noChangeArrowheads="1"/>
-          </p:cNvPicPr>
+      <p:grpSp>
+        <p:nvGrpSpPr>
+          <p:cNvPr id="16" name="그룹 15">
+            <a:extLst>
+              <a:ext uri="{FF2B5EF4-FFF2-40B4-BE49-F238E27FC236}">
+                <a16:creationId xmlns:a16="http://schemas.microsoft.com/office/drawing/2014/main" id="{2831A861-EC14-212F-A6E8-3DBDE562A524}"/>
+              </a:ext>
+            </a:extLst>
+          </p:cNvPr>
+          <p:cNvGrpSpPr/>
           <p:nvPr/>
-        </p:nvPicPr>
-        <p:blipFill>
-          <a:blip r:embed="rId2">
-            <a:extLst>
-              <a:ext uri="{28A0092B-C50C-407E-A947-70E740481C1C}">
-                <a14:useLocalDpi xmlns:a14="http://schemas.microsoft.com/office/drawing/2010/main" val="0"/>
-              </a:ext>
-            </a:extLst>
-          </a:blip>
-          <a:srcRect/>
-          <a:stretch>
-            <a:fillRect/>
-          </a:stretch>
-        </p:blipFill>
-        <p:spPr bwMode="auto">
+        </p:nvGrpSpPr>
+        <p:grpSpPr>
           <a:xfrm>
-            <a:off x="568926" y="2164621"/>
-            <a:ext cx="2552700" cy="1704975"/>
-          </a:xfrm>
-          <a:prstGeom prst="rect">
-            <a:avLst/>
-          </a:prstGeom>
-          <a:noFill/>
-          <a:ln>
+            <a:off x="466124" y="652048"/>
+            <a:ext cx="9029928" cy="839671"/>
+            <a:chOff x="416847" y="602127"/>
+            <a:chExt cx="6646930" cy="624548"/>
+          </a:xfrm>
+        </p:grpSpPr>
+        <p:pic>
+          <p:nvPicPr>
+            <p:cNvPr id="17" name="그래픽 16" descr="건물 단색으로 채워진">
+              <a:extLst>
+                <a:ext uri="{FF2B5EF4-FFF2-40B4-BE49-F238E27FC236}">
+                  <a16:creationId xmlns:a16="http://schemas.microsoft.com/office/drawing/2014/main" id="{2E8C6085-61D0-7A8D-FC20-AAE622A1D7BC}"/>
+                </a:ext>
+              </a:extLst>
+            </p:cNvPr>
+            <p:cNvPicPr>
+              <a:picLocks noChangeAspect="1"/>
+            </p:cNvPicPr>
+            <p:nvPr/>
+          </p:nvPicPr>
+          <p:blipFill>
+            <a:blip r:embed="rId5">
+              <a:extLst>
+                <a:ext uri="{28A0092B-C50C-407E-A947-70E740481C1C}">
+                  <a14:useLocalDpi xmlns:a14="http://schemas.microsoft.com/office/drawing/2010/main" val="0"/>
+                </a:ext>
+                <a:ext uri="{96DAC541-7B7A-43D3-8B79-37D633B846F1}">
+                  <asvg:svgBlip xmlns:asvg="http://schemas.microsoft.com/office/drawing/2016/SVG/main" r:embed="rId6"/>
+                </a:ext>
+              </a:extLst>
+            </a:blip>
+            <a:stretch>
+              <a:fillRect/>
+            </a:stretch>
+          </p:blipFill>
+          <p:spPr>
+            <a:xfrm>
+              <a:off x="416847" y="602127"/>
+              <a:ext cx="624547" cy="624548"/>
+            </a:xfrm>
+            <a:prstGeom prst="rect">
+              <a:avLst/>
+            </a:prstGeom>
+          </p:spPr>
+        </p:pic>
+        <p:sp>
+          <p:nvSpPr>
+            <p:cNvPr id="18" name="TextBox 17">
+              <a:extLst>
+                <a:ext uri="{FF2B5EF4-FFF2-40B4-BE49-F238E27FC236}">
+                  <a16:creationId xmlns:a16="http://schemas.microsoft.com/office/drawing/2014/main" id="{B610E59F-B4BD-109A-3251-A42BAED862D4}"/>
+                </a:ext>
+              </a:extLst>
+            </p:cNvPr>
+            <p:cNvSpPr txBox="1"/>
+            <p:nvPr/>
+          </p:nvSpPr>
+          <p:spPr>
+            <a:xfrm>
+              <a:off x="1496776" y="651137"/>
+              <a:ext cx="5567001" cy="526526"/>
+            </a:xfrm>
+            <a:prstGeom prst="rect">
+              <a:avLst/>
+            </a:prstGeom>
             <a:noFill/>
-          </a:ln>
-          <a:effectLst/>
-          <a:extLst>
-            <a:ext uri="{909E8E84-426E-40DD-AFC4-6F175D3DCCD1}">
-              <a14:hiddenFill xmlns:a14="http://schemas.microsoft.com/office/drawing/2010/main">
+          </p:spPr>
+          <p:txBody>
+            <a:bodyPr wrap="square" rtlCol="0">
+              <a:spAutoFit/>
+            </a:bodyPr>
+            <a:lstStyle/>
+            <a:p>
+              <a:r>
+                <a:rPr lang="ko-KR" altLang="en-US" sz="4000" b="1" dirty="0">
+                  <a:solidFill>
+                    <a:schemeClr val="tx1">
+                      <a:lumMod val="75000"/>
+                      <a:lumOff val="25000"/>
+                    </a:schemeClr>
+                  </a:solidFill>
+                </a:rPr>
+                <a:t>서비스 구현</a:t>
+              </a:r>
+            </a:p>
+          </p:txBody>
+        </p:sp>
+        <p:sp>
+          <p:nvSpPr>
+            <p:cNvPr id="19" name="TextBox 18">
+              <a:extLst>
+                <a:ext uri="{FF2B5EF4-FFF2-40B4-BE49-F238E27FC236}">
+                  <a16:creationId xmlns:a16="http://schemas.microsoft.com/office/drawing/2014/main" id="{9A565C60-A9C0-1D4F-18B7-59B9C5D9908D}"/>
+                </a:ext>
+              </a:extLst>
+            </p:cNvPr>
+            <p:cNvSpPr txBox="1"/>
+            <p:nvPr/>
+          </p:nvSpPr>
+          <p:spPr>
+            <a:xfrm>
+              <a:off x="1065326" y="602127"/>
+              <a:ext cx="870761" cy="618096"/>
+            </a:xfrm>
+            <a:prstGeom prst="rect">
+              <a:avLst/>
+            </a:prstGeom>
+            <a:noFill/>
+          </p:spPr>
+          <p:txBody>
+            <a:bodyPr wrap="square" rtlCol="0">
+              <a:spAutoFit/>
+            </a:bodyPr>
+            <a:lstStyle/>
+            <a:p>
+              <a:r>
+                <a:rPr lang="en-US" altLang="ko-KR" sz="4800" b="1" dirty="0">
+                  <a:solidFill>
+                    <a:schemeClr val="tx2">
+                      <a:lumMod val="75000"/>
+                    </a:schemeClr>
+                  </a:solidFill>
+                  <a:effectLst>
+                    <a:outerShdw blurRad="38100" dist="38100" dir="2700000" algn="tl">
+                      <a:srgbClr val="000000">
+                        <a:alpha val="43137"/>
+                      </a:srgbClr>
+                    </a:outerShdw>
+                  </a:effectLst>
+                </a:rPr>
+                <a:t>5.</a:t>
+              </a:r>
+              <a:endParaRPr lang="ko-KR" altLang="en-US" sz="4800" b="1" dirty="0">
                 <a:solidFill>
-                  <a:schemeClr val="accent1"/>
+                  <a:schemeClr val="tx2">
+                    <a:lumMod val="75000"/>
+                  </a:schemeClr>
                 </a:solidFill>
-              </a14:hiddenFill>
-            </a:ext>
-            <a:ext uri="{91240B29-F687-4F45-9708-019B960494DF}">
-              <a14:hiddenLine xmlns:a14="http://schemas.microsoft.com/office/drawing/2010/main" w="9525">
-                <a:solidFill>
-                  <a:schemeClr val="tx1"/>
-                </a:solidFill>
-                <a:miter lim="800000"/>
-                <a:headEnd/>
-                <a:tailEnd/>
-              </a14:hiddenLine>
-            </a:ext>
-            <a:ext uri="{AF507438-7753-43E0-B8FC-AC1667EBCBE1}">
-              <a14:hiddenEffects xmlns:a14="http://schemas.microsoft.com/office/drawing/2010/main">
                 <a:effectLst>
-                  <a:outerShdw dist="35921" dir="2700000" algn="ctr" rotWithShape="0">
-                    <a:schemeClr val="bg2"/>
+                  <a:outerShdw blurRad="38100" dist="38100" dir="2700000" algn="tl">
+                    <a:srgbClr val="000000">
+                      <a:alpha val="43137"/>
+                    </a:srgbClr>
                   </a:outerShdw>
                 </a:effectLst>
-              </a14:hiddenEffects>
-            </a:ext>
-          </a:extLst>
-        </p:spPr>
-      </p:pic>
-      <p:sp>
-        <p:nvSpPr>
-          <p:cNvPr id="4" name="TextBox 3"/>
-          <p:cNvSpPr txBox="1"/>
-          <p:nvPr/>
-        </p:nvSpPr>
-        <p:spPr>
-          <a:xfrm>
-            <a:off x="3204519" y="2224216"/>
-            <a:ext cx="8369643" cy="923330"/>
-          </a:xfrm>
-          <a:prstGeom prst="rect">
-            <a:avLst/>
-          </a:prstGeom>
-          <a:noFill/>
-        </p:spPr>
-        <p:txBody>
-          <a:bodyPr wrap="square" rtlCol="0">
-            <a:spAutoFit/>
-          </a:bodyPr>
-          <a:lstStyle/>
-          <a:p>
-            <a:r>
-              <a:rPr lang="ko-KR" altLang="en-US" dirty="0"/>
-              <a:t> 현재 </a:t>
-            </a:r>
-            <a:r>
-              <a:rPr lang="en-US" altLang="ko-KR" dirty="0"/>
-              <a:t>2020</a:t>
-            </a:r>
-            <a:r>
-              <a:rPr lang="ko-KR" altLang="en-US" dirty="0"/>
-              <a:t>년부터 투기과열지구지정제도에서 </a:t>
-            </a:r>
-            <a:r>
-              <a:rPr lang="ko-KR" altLang="en-US" dirty="0" err="1"/>
-              <a:t>비규제지역으로</a:t>
-            </a:r>
-            <a:r>
-              <a:rPr lang="ko-KR" altLang="en-US" dirty="0"/>
-              <a:t> 선정되면서 투자가 집중되고 있다</a:t>
-            </a:r>
-            <a:r>
-              <a:rPr lang="en-US" altLang="ko-KR" dirty="0"/>
-              <a:t>. </a:t>
-            </a:r>
-            <a:r>
-              <a:rPr lang="ko-KR" altLang="en-US" dirty="0"/>
-              <a:t>실제데이터에서 </a:t>
-            </a:r>
-            <a:r>
-              <a:rPr lang="en-US" altLang="ko-KR" dirty="0"/>
-              <a:t>2019</a:t>
-            </a:r>
-            <a:r>
-              <a:rPr lang="ko-KR" altLang="en-US" dirty="0"/>
-              <a:t>년까지 하락세이던 추세가 상승세로 전환된 것이 최근임에도 불구하고 지속되는 상승세를 잘 반영하고 있다</a:t>
-            </a:r>
-            <a:r>
-              <a:rPr lang="en-US" altLang="ko-KR" dirty="0"/>
-              <a:t>.</a:t>
-            </a:r>
-            <a:endParaRPr lang="ko-KR" altLang="en-US" dirty="0"/>
-          </a:p>
-        </p:txBody>
-      </p:sp>
+              </a:endParaRPr>
+            </a:p>
+          </p:txBody>
+        </p:sp>
+      </p:grpSp>
     </p:spTree>
     <p:extLst>
       <p:ext uri="{BB962C8B-B14F-4D97-AF65-F5344CB8AC3E}">
-        <p14:creationId xmlns:p14="http://schemas.microsoft.com/office/powerpoint/2010/main" val="2028220335"/>
+        <p14:creationId xmlns:p14="http://schemas.microsoft.com/office/powerpoint/2010/main" val="437497817"/>
       </p:ext>
     </p:extLst>
   </p:cSld>
@@ -15164,108 +17466,293 @@
           <a:chExt cx="0" cy="0"/>
         </a:xfrm>
       </p:grpSpPr>
-      <p:sp>
-        <p:nvSpPr>
-          <p:cNvPr id="2" name="제목 1">
-            <a:extLst>
-              <a:ext uri="{FF2B5EF4-FFF2-40B4-BE49-F238E27FC236}">
-                <a16:creationId xmlns:a16="http://schemas.microsoft.com/office/drawing/2014/main" id="{79E4594E-B25B-650A-155A-698223F56873}"/>
-              </a:ext>
-            </a:extLst>
-          </p:cNvPr>
-          <p:cNvSpPr>
-            <a:spLocks noGrp="1"/>
-          </p:cNvSpPr>
-          <p:nvPr>
-            <p:ph type="title"/>
-          </p:nvPr>
-        </p:nvSpPr>
+      <p:pic>
+        <p:nvPicPr>
+          <p:cNvPr id="20" name="그래픽 19" descr="도시 블록">
+            <a:extLst>
+              <a:ext uri="{FF2B5EF4-FFF2-40B4-BE49-F238E27FC236}">
+                <a16:creationId xmlns:a16="http://schemas.microsoft.com/office/drawing/2014/main" id="{96F3D848-157F-4B04-3196-83AD123FE382}"/>
+              </a:ext>
+            </a:extLst>
+          </p:cNvPr>
+          <p:cNvPicPr>
+            <a:picLocks noChangeAspect="1"/>
+          </p:cNvPicPr>
+          <p:nvPr/>
+        </p:nvPicPr>
+        <p:blipFill>
+          <a:blip r:embed="rId3">
+            <a:extLst>
+              <a:ext uri="{28A0092B-C50C-407E-A947-70E740481C1C}">
+                <a14:useLocalDpi xmlns:a14="http://schemas.microsoft.com/office/drawing/2010/main" val="0"/>
+              </a:ext>
+              <a:ext uri="{96DAC541-7B7A-43D3-8B79-37D633B846F1}">
+                <asvg:svgBlip xmlns:asvg="http://schemas.microsoft.com/office/drawing/2016/SVG/main" r:embed="rId4"/>
+              </a:ext>
+            </a:extLst>
+          </a:blip>
+          <a:stretch>
+            <a:fillRect/>
+          </a:stretch>
+        </p:blipFill>
         <p:spPr>
           <a:xfrm>
-            <a:off x="838200" y="1"/>
-            <a:ext cx="10515600" cy="1690688"/>
-          </a:xfrm>
+            <a:off x="0" y="-99433"/>
+            <a:ext cx="12192000" cy="6858000"/>
+          </a:xfrm>
+          <a:prstGeom prst="rect">
+            <a:avLst/>
+          </a:prstGeom>
         </p:spPr>
-        <p:txBody>
-          <a:bodyPr/>
-          <a:lstStyle/>
-          <a:p>
-            <a:r>
-              <a:rPr lang="en-US" altLang="ko-KR" dirty="0"/>
-              <a:t>5. Multi step forecasting</a:t>
-            </a:r>
-            <a:endParaRPr lang="ko-KR" altLang="en-US" dirty="0"/>
-          </a:p>
-        </p:txBody>
-      </p:sp>
-      <p:sp>
-        <p:nvSpPr>
-          <p:cNvPr id="3" name="내용 개체 틀 2">
-            <a:extLst>
-              <a:ext uri="{FF2B5EF4-FFF2-40B4-BE49-F238E27FC236}">
-                <a16:creationId xmlns:a16="http://schemas.microsoft.com/office/drawing/2014/main" id="{419432FB-CE38-1569-8178-97D2384AF1DA}"/>
-              </a:ext>
-            </a:extLst>
-          </p:cNvPr>
-          <p:cNvSpPr>
-            <a:spLocks noGrp="1"/>
-          </p:cNvSpPr>
-          <p:nvPr>
-            <p:ph idx="1"/>
-          </p:nvPr>
-        </p:nvSpPr>
-        <p:spPr>
+      </p:pic>
+      <p:grpSp>
+        <p:nvGrpSpPr>
+          <p:cNvPr id="16" name="그룹 15">
+            <a:extLst>
+              <a:ext uri="{FF2B5EF4-FFF2-40B4-BE49-F238E27FC236}">
+                <a16:creationId xmlns:a16="http://schemas.microsoft.com/office/drawing/2014/main" id="{2831A861-EC14-212F-A6E8-3DBDE562A524}"/>
+              </a:ext>
+            </a:extLst>
+          </p:cNvPr>
+          <p:cNvGrpSpPr/>
+          <p:nvPr/>
+        </p:nvGrpSpPr>
+        <p:grpSpPr>
           <a:xfrm>
-            <a:off x="502508" y="1117642"/>
-            <a:ext cx="10834816" cy="5031904"/>
-          </a:xfrm>
-        </p:spPr>
-        <p:txBody>
-          <a:bodyPr>
-            <a:normAutofit/>
-          </a:bodyPr>
-          <a:lstStyle/>
-          <a:p>
-            <a:r>
-              <a:rPr lang="en-US" altLang="ko-KR" dirty="0"/>
-              <a:t>5.2 </a:t>
-            </a:r>
-            <a:r>
-              <a:rPr lang="ko-KR" altLang="en-US" dirty="0"/>
-              <a:t>예측 데이터 분석</a:t>
-            </a:r>
-            <a:endParaRPr lang="en-US" altLang="ko-KR" dirty="0"/>
-          </a:p>
-          <a:p>
-            <a:pPr marL="0" indent="0">
-              <a:buNone/>
-            </a:pPr>
-            <a:r>
-              <a:rPr lang="ko-KR" altLang="en-US" sz="2400" dirty="0"/>
-              <a:t>예측이 잘 수행된 곳</a:t>
-            </a:r>
-            <a:r>
-              <a:rPr lang="en-US" altLang="ko-KR" sz="2400" dirty="0"/>
-              <a:t>: </a:t>
-            </a:r>
-            <a:r>
-              <a:rPr lang="ko-KR" altLang="en-US" sz="2400" dirty="0"/>
-              <a:t>이천</a:t>
-            </a:r>
-            <a:endParaRPr lang="en-US" altLang="ko-KR" sz="2400" dirty="0"/>
-          </a:p>
-        </p:txBody>
-      </p:sp>
+            <a:off x="466124" y="652048"/>
+            <a:ext cx="9029928" cy="839671"/>
+            <a:chOff x="416847" y="602127"/>
+            <a:chExt cx="6646930" cy="624548"/>
+          </a:xfrm>
+        </p:grpSpPr>
+        <p:pic>
+          <p:nvPicPr>
+            <p:cNvPr id="17" name="그래픽 16" descr="건물 단색으로 채워진">
+              <a:extLst>
+                <a:ext uri="{FF2B5EF4-FFF2-40B4-BE49-F238E27FC236}">
+                  <a16:creationId xmlns:a16="http://schemas.microsoft.com/office/drawing/2014/main" id="{2E8C6085-61D0-7A8D-FC20-AAE622A1D7BC}"/>
+                </a:ext>
+              </a:extLst>
+            </p:cNvPr>
+            <p:cNvPicPr>
+              <a:picLocks noChangeAspect="1"/>
+            </p:cNvPicPr>
+            <p:nvPr/>
+          </p:nvPicPr>
+          <p:blipFill>
+            <a:blip r:embed="rId5">
+              <a:extLst>
+                <a:ext uri="{28A0092B-C50C-407E-A947-70E740481C1C}">
+                  <a14:useLocalDpi xmlns:a14="http://schemas.microsoft.com/office/drawing/2010/main" val="0"/>
+                </a:ext>
+                <a:ext uri="{96DAC541-7B7A-43D3-8B79-37D633B846F1}">
+                  <asvg:svgBlip xmlns:asvg="http://schemas.microsoft.com/office/drawing/2016/SVG/main" r:embed="rId6"/>
+                </a:ext>
+              </a:extLst>
+            </a:blip>
+            <a:stretch>
+              <a:fillRect/>
+            </a:stretch>
+          </p:blipFill>
+          <p:spPr>
+            <a:xfrm>
+              <a:off x="416847" y="602127"/>
+              <a:ext cx="624547" cy="624548"/>
+            </a:xfrm>
+            <a:prstGeom prst="rect">
+              <a:avLst/>
+            </a:prstGeom>
+          </p:spPr>
+        </p:pic>
+        <p:sp>
+          <p:nvSpPr>
+            <p:cNvPr id="18" name="TextBox 17">
+              <a:extLst>
+                <a:ext uri="{FF2B5EF4-FFF2-40B4-BE49-F238E27FC236}">
+                  <a16:creationId xmlns:a16="http://schemas.microsoft.com/office/drawing/2014/main" id="{B610E59F-B4BD-109A-3251-A42BAED862D4}"/>
+                </a:ext>
+              </a:extLst>
+            </p:cNvPr>
+            <p:cNvSpPr txBox="1"/>
+            <p:nvPr/>
+          </p:nvSpPr>
+          <p:spPr>
+            <a:xfrm>
+              <a:off x="1496776" y="651137"/>
+              <a:ext cx="5567001" cy="526526"/>
+            </a:xfrm>
+            <a:prstGeom prst="rect">
+              <a:avLst/>
+            </a:prstGeom>
+            <a:noFill/>
+          </p:spPr>
+          <p:txBody>
+            <a:bodyPr wrap="square" rtlCol="0">
+              <a:spAutoFit/>
+            </a:bodyPr>
+            <a:lstStyle/>
+            <a:p>
+              <a:r>
+                <a:rPr lang="ko-KR" altLang="en-US" sz="4000" b="1" dirty="0">
+                  <a:solidFill>
+                    <a:schemeClr val="tx1">
+                      <a:lumMod val="75000"/>
+                      <a:lumOff val="25000"/>
+                    </a:schemeClr>
+                  </a:solidFill>
+                </a:rPr>
+                <a:t>서비스 구현</a:t>
+              </a:r>
+            </a:p>
+          </p:txBody>
+        </p:sp>
+        <p:sp>
+          <p:nvSpPr>
+            <p:cNvPr id="19" name="TextBox 18">
+              <a:extLst>
+                <a:ext uri="{FF2B5EF4-FFF2-40B4-BE49-F238E27FC236}">
+                  <a16:creationId xmlns:a16="http://schemas.microsoft.com/office/drawing/2014/main" id="{9A565C60-A9C0-1D4F-18B7-59B9C5D9908D}"/>
+                </a:ext>
+              </a:extLst>
+            </p:cNvPr>
+            <p:cNvSpPr txBox="1"/>
+            <p:nvPr/>
+          </p:nvSpPr>
+          <p:spPr>
+            <a:xfrm>
+              <a:off x="1065326" y="602127"/>
+              <a:ext cx="870761" cy="618096"/>
+            </a:xfrm>
+            <a:prstGeom prst="rect">
+              <a:avLst/>
+            </a:prstGeom>
+            <a:noFill/>
+          </p:spPr>
+          <p:txBody>
+            <a:bodyPr wrap="square" rtlCol="0">
+              <a:spAutoFit/>
+            </a:bodyPr>
+            <a:lstStyle/>
+            <a:p>
+              <a:r>
+                <a:rPr lang="en-US" altLang="ko-KR" sz="4800" b="1" dirty="0">
+                  <a:solidFill>
+                    <a:schemeClr val="tx2">
+                      <a:lumMod val="75000"/>
+                    </a:schemeClr>
+                  </a:solidFill>
+                  <a:effectLst>
+                    <a:outerShdw blurRad="38100" dist="38100" dir="2700000" algn="tl">
+                      <a:srgbClr val="000000">
+                        <a:alpha val="43137"/>
+                      </a:srgbClr>
+                    </a:outerShdw>
+                  </a:effectLst>
+                </a:rPr>
+                <a:t>5.</a:t>
+              </a:r>
+              <a:endParaRPr lang="ko-KR" altLang="en-US" sz="4800" b="1" dirty="0">
+                <a:solidFill>
+                  <a:schemeClr val="tx2">
+                    <a:lumMod val="75000"/>
+                  </a:schemeClr>
+                </a:solidFill>
+                <a:effectLst>
+                  <a:outerShdw blurRad="38100" dist="38100" dir="2700000" algn="tl">
+                    <a:srgbClr val="000000">
+                      <a:alpha val="43137"/>
+                    </a:srgbClr>
+                  </a:outerShdw>
+                </a:effectLst>
+              </a:endParaRPr>
+            </a:p>
+          </p:txBody>
+        </p:sp>
+      </p:grpSp>
       <p:pic>
         <p:nvPicPr>
-          <p:cNvPr id="12290" name="Picture 2"/>
+          <p:cNvPr id="14" name="Picture 2">
+            <a:extLst>
+              <a:ext uri="{FF2B5EF4-FFF2-40B4-BE49-F238E27FC236}">
+                <a16:creationId xmlns:a16="http://schemas.microsoft.com/office/drawing/2014/main" id="{1E863132-9D12-0838-FF63-A1F02D4540EC}"/>
+              </a:ext>
+            </a:extLst>
+          </p:cNvPr>
           <p:cNvPicPr>
             <a:picLocks noChangeAspect="1" noChangeArrowheads="1"/>
           </p:cNvPicPr>
           <p:nvPr/>
         </p:nvPicPr>
         <p:blipFill>
-          <a:blip r:embed="rId2">
+          <a:blip r:embed="rId7">
+            <a:extLst>
+              <a:ext uri="{28A0092B-C50C-407E-A947-70E740481C1C}">
+                <a14:useLocalDpi xmlns:a14="http://schemas.microsoft.com/office/drawing/2010/main" val="0"/>
+              </a:ext>
+            </a:extLst>
+          </a:blip>
+          <a:stretch>
+            <a:fillRect/>
+          </a:stretch>
+        </p:blipFill>
+        <p:spPr bwMode="auto">
+          <a:xfrm>
+            <a:off x="5147626" y="1287837"/>
+            <a:ext cx="2931925" cy="4990362"/>
+          </a:xfrm>
+          <a:prstGeom prst="rect">
+            <a:avLst/>
+          </a:prstGeom>
+          <a:noFill/>
+          <a:ln>
+            <a:noFill/>
+          </a:ln>
+          <a:effectLst>
+            <a:outerShdw blurRad="107950" dist="12700" dir="5400000" algn="ctr">
+              <a:srgbClr val="000000"/>
+            </a:outerShdw>
+          </a:effectLst>
+          <a:scene3d>
+            <a:camera prst="orthographicFront">
+              <a:rot lat="0" lon="0" rev="0"/>
+            </a:camera>
+            <a:lightRig rig="soft" dir="t">
+              <a:rot lat="0" lon="0" rev="0"/>
+            </a:lightRig>
+          </a:scene3d>
+          <a:sp3d contourW="44450" prstMaterial="matte">
+            <a:bevelT w="63500" h="63500" prst="artDeco"/>
+            <a:contourClr>
+              <a:srgbClr val="FFFFFF"/>
+            </a:contourClr>
+          </a:sp3d>
+          <a:extLst>
+            <a:ext uri="{909E8E84-426E-40DD-AFC4-6F175D3DCCD1}">
+              <a14:hiddenFill xmlns:a14="http://schemas.microsoft.com/office/drawing/2010/main">
+                <a:solidFill>
+                  <a:srgbClr val="FFFFFF"/>
+                </a:solidFill>
+              </a14:hiddenFill>
+            </a:ext>
+          </a:extLst>
+        </p:spPr>
+      </p:pic>
+      <p:pic>
+        <p:nvPicPr>
+          <p:cNvPr id="2052" name="Picture 4">
+            <a:extLst>
+              <a:ext uri="{FF2B5EF4-FFF2-40B4-BE49-F238E27FC236}">
+                <a16:creationId xmlns:a16="http://schemas.microsoft.com/office/drawing/2014/main" id="{88508E1A-3F8E-B763-02B8-A2ABFF553E77}"/>
+              </a:ext>
+            </a:extLst>
+          </p:cNvPr>
+          <p:cNvPicPr>
+            <a:picLocks noChangeAspect="1" noChangeArrowheads="1"/>
+          </p:cNvPicPr>
+          <p:nvPr/>
+        </p:nvPicPr>
+        <p:blipFill>
+          <a:blip r:embed="rId8">
             <a:extLst>
               <a:ext uri="{28A0092B-C50C-407E-A947-70E740481C1C}">
                 <a14:useLocalDpi xmlns:a14="http://schemas.microsoft.com/office/drawing/2010/main" val="0"/>
@@ -15279,173 +17766,34 @@
         </p:blipFill>
         <p:spPr bwMode="auto">
           <a:xfrm>
-            <a:off x="865489" y="2110738"/>
-            <a:ext cx="2552700" cy="1704975"/>
+            <a:off x="8852551" y="1254446"/>
+            <a:ext cx="2812458" cy="4976404"/>
           </a:xfrm>
           <a:prstGeom prst="rect">
             <a:avLst/>
           </a:prstGeom>
           <a:noFill/>
-          <a:ln>
-            <a:noFill/>
-          </a:ln>
-          <a:effectLst/>
+          <a:effectLst>
+            <a:outerShdw blurRad="50800" dist="38100" dir="2700000" algn="tl" rotWithShape="0">
+              <a:prstClr val="black">
+                <a:alpha val="40000"/>
+              </a:prstClr>
+            </a:outerShdw>
+          </a:effectLst>
+          <a:scene3d>
+            <a:camera prst="orthographicFront"/>
+            <a:lightRig rig="threePt" dir="t"/>
+          </a:scene3d>
+          <a:sp3d>
+            <a:bevelT/>
+          </a:sp3d>
           <a:extLst>
             <a:ext uri="{909E8E84-426E-40DD-AFC4-6F175D3DCCD1}">
               <a14:hiddenFill xmlns:a14="http://schemas.microsoft.com/office/drawing/2010/main">
                 <a:solidFill>
-                  <a:schemeClr val="accent1"/>
+                  <a:srgbClr val="FFFFFF"/>
                 </a:solidFill>
               </a14:hiddenFill>
-            </a:ext>
-            <a:ext uri="{91240B29-F687-4F45-9708-019B960494DF}">
-              <a14:hiddenLine xmlns:a14="http://schemas.microsoft.com/office/drawing/2010/main" w="9525">
-                <a:solidFill>
-                  <a:schemeClr val="tx1"/>
-                </a:solidFill>
-                <a:miter lim="800000"/>
-                <a:headEnd/>
-                <a:tailEnd/>
-              </a14:hiddenLine>
-            </a:ext>
-            <a:ext uri="{AF507438-7753-43E0-B8FC-AC1667EBCBE1}">
-              <a14:hiddenEffects xmlns:a14="http://schemas.microsoft.com/office/drawing/2010/main">
-                <a:effectLst>
-                  <a:outerShdw dist="35921" dir="2700000" algn="ctr" rotWithShape="0">
-                    <a:schemeClr val="bg2"/>
-                  </a:outerShdw>
-                </a:effectLst>
-              </a14:hiddenEffects>
-            </a:ext>
-          </a:extLst>
-        </p:spPr>
-      </p:pic>
-      <p:sp>
-        <p:nvSpPr>
-          <p:cNvPr id="4" name="TextBox 3"/>
-          <p:cNvSpPr txBox="1"/>
-          <p:nvPr/>
-        </p:nvSpPr>
-        <p:spPr>
-          <a:xfrm>
-            <a:off x="2537254" y="5313406"/>
-            <a:ext cx="7315200" cy="1200329"/>
-          </a:xfrm>
-          <a:prstGeom prst="rect">
-            <a:avLst/>
-          </a:prstGeom>
-          <a:noFill/>
-        </p:spPr>
-        <p:txBody>
-          <a:bodyPr wrap="square" rtlCol="0">
-            <a:spAutoFit/>
-          </a:bodyPr>
-          <a:lstStyle/>
-          <a:p>
-            <a:r>
-              <a:rPr lang="ko-KR" altLang="en-US" dirty="0"/>
-              <a:t> 현재 </a:t>
-            </a:r>
-            <a:r>
-              <a:rPr lang="en-US" altLang="ko-KR" dirty="0"/>
-              <a:t>2020</a:t>
-            </a:r>
-            <a:r>
-              <a:rPr lang="ko-KR" altLang="en-US" dirty="0"/>
-              <a:t>년부터 투기과열지구지정제도에서 </a:t>
-            </a:r>
-            <a:r>
-              <a:rPr lang="ko-KR" altLang="en-US" dirty="0" err="1"/>
-              <a:t>비규제지역으로</a:t>
-            </a:r>
-            <a:r>
-              <a:rPr lang="ko-KR" altLang="en-US" dirty="0"/>
-              <a:t> 선정되면서 투자가 집중되고 있다</a:t>
-            </a:r>
-            <a:r>
-              <a:rPr lang="en-US" altLang="ko-KR" dirty="0"/>
-              <a:t>. </a:t>
-            </a:r>
-            <a:r>
-              <a:rPr lang="ko-KR" altLang="en-US" dirty="0"/>
-              <a:t>실제데이터에서 </a:t>
-            </a:r>
-            <a:r>
-              <a:rPr lang="en-US" altLang="ko-KR" dirty="0"/>
-              <a:t>2019</a:t>
-            </a:r>
-            <a:r>
-              <a:rPr lang="ko-KR" altLang="en-US" dirty="0"/>
-              <a:t>년까지 하락세이던 추세가 상승세로 전환된 것이 최근임에도 불구하고 지속되는 상승세를 잘 반영하고 있다</a:t>
-            </a:r>
-            <a:r>
-              <a:rPr lang="en-US" altLang="ko-KR" dirty="0"/>
-              <a:t>.</a:t>
-            </a:r>
-            <a:endParaRPr lang="ko-KR" altLang="en-US" dirty="0"/>
-          </a:p>
-        </p:txBody>
-      </p:sp>
-      <p:pic>
-        <p:nvPicPr>
-          <p:cNvPr id="13314" name="Picture 2"/>
-          <p:cNvPicPr>
-            <a:picLocks noChangeAspect="1" noChangeArrowheads="1"/>
-          </p:cNvPicPr>
-          <p:nvPr/>
-        </p:nvPicPr>
-        <p:blipFill>
-          <a:blip r:embed="rId3">
-            <a:extLst>
-              <a:ext uri="{28A0092B-C50C-407E-A947-70E740481C1C}">
-                <a14:useLocalDpi xmlns:a14="http://schemas.microsoft.com/office/drawing/2010/main" val="0"/>
-              </a:ext>
-            </a:extLst>
-          </a:blip>
-          <a:srcRect/>
-          <a:stretch>
-            <a:fillRect/>
-          </a:stretch>
-        </p:blipFill>
-        <p:spPr bwMode="auto">
-          <a:xfrm>
-            <a:off x="5883981" y="1579270"/>
-            <a:ext cx="2439793" cy="3213191"/>
-          </a:xfrm>
-          <a:prstGeom prst="rect">
-            <a:avLst/>
-          </a:prstGeom>
-          <a:noFill/>
-          <a:ln>
-            <a:noFill/>
-          </a:ln>
-          <a:effectLst/>
-          <a:extLst>
-            <a:ext uri="{909E8E84-426E-40DD-AFC4-6F175D3DCCD1}">
-              <a14:hiddenFill xmlns:a14="http://schemas.microsoft.com/office/drawing/2010/main">
-                <a:solidFill>
-                  <a:schemeClr val="accent1"/>
-                </a:solidFill>
-              </a14:hiddenFill>
-            </a:ext>
-            <a:ext uri="{91240B29-F687-4F45-9708-019B960494DF}">
-              <a14:hiddenLine xmlns:a14="http://schemas.microsoft.com/office/drawing/2010/main" w="9525">
-                <a:solidFill>
-                  <a:schemeClr val="tx1"/>
-                </a:solidFill>
-                <a:miter lim="800000"/>
-                <a:headEnd/>
-                <a:tailEnd/>
-              </a14:hiddenLine>
-            </a:ext>
-            <a:ext uri="{AF507438-7753-43E0-B8FC-AC1667EBCBE1}">
-              <a14:hiddenEffects xmlns:a14="http://schemas.microsoft.com/office/drawing/2010/main">
-                <a:effectLst>
-                  <a:outerShdw dist="35921" dir="2700000" algn="ctr" rotWithShape="0">
-                    <a:schemeClr val="bg2"/>
-                  </a:outerShdw>
-                </a:effectLst>
-              </a14:hiddenEffects>
             </a:ext>
           </a:extLst>
         </p:spPr>
@@ -15453,7 +17801,7 @@
     </p:spTree>
     <p:extLst>
       <p:ext uri="{BB962C8B-B14F-4D97-AF65-F5344CB8AC3E}">
-        <p14:creationId xmlns:p14="http://schemas.microsoft.com/office/powerpoint/2010/main" val="1788491232"/>
+        <p14:creationId xmlns:p14="http://schemas.microsoft.com/office/powerpoint/2010/main" val="2286247985"/>
       </p:ext>
     </p:extLst>
   </p:cSld>
@@ -15464,384 +17812,6 @@
 </file>
 
 <file path=ppt/slides/slide32.xml><?xml version="1.0" encoding="utf-8"?>
-<p:sld xmlns:a="http://schemas.openxmlformats.org/drawingml/2006/main" xmlns:r="http://schemas.openxmlformats.org/officeDocument/2006/relationships" xmlns:p="http://schemas.openxmlformats.org/presentationml/2006/main">
-  <p:cSld>
-    <p:spTree>
-      <p:nvGrpSpPr>
-        <p:cNvPr id="1" name=""/>
-        <p:cNvGrpSpPr/>
-        <p:nvPr/>
-      </p:nvGrpSpPr>
-      <p:grpSpPr>
-        <a:xfrm>
-          <a:off x="0" y="0"/>
-          <a:ext cx="0" cy="0"/>
-          <a:chOff x="0" y="0"/>
-          <a:chExt cx="0" cy="0"/>
-        </a:xfrm>
-      </p:grpSpPr>
-      <p:sp>
-        <p:nvSpPr>
-          <p:cNvPr id="2" name="제목 1">
-            <a:extLst>
-              <a:ext uri="{FF2B5EF4-FFF2-40B4-BE49-F238E27FC236}">
-                <a16:creationId xmlns:a16="http://schemas.microsoft.com/office/drawing/2014/main" id="{79E4594E-B25B-650A-155A-698223F56873}"/>
-              </a:ext>
-            </a:extLst>
-          </p:cNvPr>
-          <p:cNvSpPr>
-            <a:spLocks noGrp="1"/>
-          </p:cNvSpPr>
-          <p:nvPr>
-            <p:ph type="title"/>
-          </p:nvPr>
-        </p:nvSpPr>
-        <p:spPr>
-          <a:xfrm>
-            <a:off x="838200" y="1"/>
-            <a:ext cx="10515600" cy="1690688"/>
-          </a:xfrm>
-        </p:spPr>
-        <p:txBody>
-          <a:bodyPr/>
-          <a:lstStyle/>
-          <a:p>
-            <a:r>
-              <a:rPr lang="en-US" altLang="ko-KR" dirty="0"/>
-              <a:t>6. </a:t>
-            </a:r>
-            <a:r>
-              <a:rPr lang="ko-KR" altLang="en-US" dirty="0"/>
-              <a:t>서비스 방향</a:t>
-            </a:r>
-          </a:p>
-        </p:txBody>
-      </p:sp>
-      <p:sp>
-        <p:nvSpPr>
-          <p:cNvPr id="3" name="내용 개체 틀 2">
-            <a:extLst>
-              <a:ext uri="{FF2B5EF4-FFF2-40B4-BE49-F238E27FC236}">
-                <a16:creationId xmlns:a16="http://schemas.microsoft.com/office/drawing/2014/main" id="{419432FB-CE38-1569-8178-97D2384AF1DA}"/>
-              </a:ext>
-            </a:extLst>
-          </p:cNvPr>
-          <p:cNvSpPr>
-            <a:spLocks noGrp="1"/>
-          </p:cNvSpPr>
-          <p:nvPr>
-            <p:ph idx="1"/>
-          </p:nvPr>
-        </p:nvSpPr>
-        <p:spPr>
-          <a:xfrm>
-            <a:off x="502508" y="1117642"/>
-            <a:ext cx="10834816" cy="5031904"/>
-          </a:xfrm>
-        </p:spPr>
-        <p:txBody>
-          <a:bodyPr>
-            <a:normAutofit/>
-          </a:bodyPr>
-          <a:lstStyle/>
-          <a:p>
-            <a:r>
-              <a:rPr lang="ko-KR" altLang="en-US" dirty="0"/>
-              <a:t>실수요자를 위한 정보 제공 서비스</a:t>
-            </a:r>
-            <a:endParaRPr lang="en-US" altLang="ko-KR" dirty="0"/>
-          </a:p>
-          <a:p>
-            <a:r>
-              <a:rPr lang="ko-KR" altLang="en-US" sz="1600" dirty="0"/>
-              <a:t>상승세 </a:t>
-            </a:r>
-            <a:r>
-              <a:rPr lang="en-US" altLang="ko-KR" sz="1600" dirty="0"/>
-              <a:t>- </a:t>
-            </a:r>
-            <a:r>
-              <a:rPr lang="ko-KR" altLang="en-US" sz="1600" dirty="0"/>
-              <a:t>평택시</a:t>
-            </a:r>
-            <a:r>
-              <a:rPr lang="en-US" altLang="ko-KR" sz="1600" dirty="0"/>
-              <a:t>, </a:t>
-            </a:r>
-            <a:r>
-              <a:rPr lang="ko-KR" altLang="en-US" sz="1600" dirty="0"/>
-              <a:t>이천시</a:t>
-            </a:r>
-            <a:r>
-              <a:rPr lang="en-US" altLang="ko-KR" sz="1600" dirty="0"/>
-              <a:t>, </a:t>
-            </a:r>
-            <a:r>
-              <a:rPr lang="ko-KR" altLang="en-US" sz="1600" dirty="0"/>
-              <a:t>안성시</a:t>
-            </a:r>
-          </a:p>
-          <a:p>
-            <a:r>
-              <a:rPr lang="ko-KR" altLang="en-US" sz="1600" dirty="0" err="1"/>
-              <a:t>유지세</a:t>
-            </a:r>
-            <a:r>
-              <a:rPr lang="ko-KR" altLang="en-US" sz="1600" dirty="0"/>
-              <a:t> </a:t>
-            </a:r>
-            <a:r>
-              <a:rPr lang="en-US" altLang="ko-KR" sz="1600" dirty="0"/>
-              <a:t>- </a:t>
-            </a:r>
-            <a:r>
-              <a:rPr lang="ko-KR" altLang="en-US" sz="1600" dirty="0"/>
-              <a:t>김포시</a:t>
-            </a:r>
-            <a:r>
-              <a:rPr lang="en-US" altLang="ko-KR" sz="1600" dirty="0"/>
-              <a:t>, </a:t>
-            </a:r>
-            <a:r>
-              <a:rPr lang="ko-KR" altLang="en-US" sz="1600" dirty="0" err="1"/>
-              <a:t>양주시</a:t>
-            </a:r>
-            <a:r>
-              <a:rPr lang="en-US" altLang="ko-KR" sz="1600" dirty="0"/>
-              <a:t>, </a:t>
-            </a:r>
-            <a:r>
-              <a:rPr lang="ko-KR" altLang="en-US" sz="1600" dirty="0" err="1"/>
-              <a:t>여주시</a:t>
-            </a:r>
-            <a:endParaRPr lang="ko-KR" altLang="en-US" sz="1600" dirty="0"/>
-          </a:p>
-          <a:p>
-            <a:r>
-              <a:rPr lang="ko-KR" altLang="en-US" sz="1600" dirty="0"/>
-              <a:t>하락세 </a:t>
-            </a:r>
-            <a:r>
-              <a:rPr lang="en-US" altLang="ko-KR" sz="1600" dirty="0"/>
-              <a:t>- </a:t>
-            </a:r>
-            <a:r>
-              <a:rPr lang="ko-KR" altLang="en-US" sz="1600" dirty="0"/>
-              <a:t>수원시</a:t>
-            </a:r>
-            <a:r>
-              <a:rPr lang="en-US" altLang="ko-KR" sz="1600" dirty="0"/>
-              <a:t>, </a:t>
-            </a:r>
-            <a:r>
-              <a:rPr lang="ko-KR" altLang="en-US" sz="1600" dirty="0"/>
-              <a:t>안양시</a:t>
-            </a:r>
-            <a:r>
-              <a:rPr lang="en-US" altLang="ko-KR" sz="1600" dirty="0"/>
-              <a:t>, </a:t>
-            </a:r>
-            <a:r>
-              <a:rPr lang="ko-KR" altLang="en-US" sz="1600" dirty="0"/>
-              <a:t>광명시</a:t>
-            </a:r>
-            <a:r>
-              <a:rPr lang="en-US" altLang="ko-KR" sz="1600" dirty="0"/>
-              <a:t>, </a:t>
-            </a:r>
-            <a:r>
-              <a:rPr lang="ko-KR" altLang="en-US" sz="1600" dirty="0"/>
-              <a:t>동두천시</a:t>
-            </a:r>
-            <a:r>
-              <a:rPr lang="en-US" altLang="ko-KR" sz="1600" dirty="0"/>
-              <a:t>, </a:t>
-            </a:r>
-            <a:r>
-              <a:rPr lang="ko-KR" altLang="en-US" sz="1600" dirty="0"/>
-              <a:t>하남시</a:t>
-            </a:r>
-            <a:r>
-              <a:rPr lang="en-US" altLang="ko-KR" sz="1600" dirty="0"/>
-              <a:t>, </a:t>
-            </a:r>
-            <a:r>
-              <a:rPr lang="ko-KR" altLang="en-US" sz="1600" dirty="0" err="1"/>
-              <a:t>화성시</a:t>
-            </a:r>
-            <a:r>
-              <a:rPr lang="en-US" altLang="ko-KR" sz="1600" dirty="0"/>
-              <a:t>, </a:t>
-            </a:r>
-            <a:r>
-              <a:rPr lang="ko-KR" altLang="en-US" sz="1600" dirty="0"/>
-              <a:t>의왕시</a:t>
-            </a:r>
-            <a:endParaRPr lang="en-US" altLang="ko-KR" sz="1600" dirty="0"/>
-          </a:p>
-          <a:p>
-            <a:r>
-              <a:rPr lang="ko-KR" altLang="en-US" sz="1600" dirty="0"/>
-              <a:t>해당 지역들은 실제 값과 예측 값이 같은 방향성을 보이며</a:t>
-            </a:r>
-            <a:r>
-              <a:rPr lang="en-US" altLang="ko-KR" sz="1600" dirty="0"/>
-              <a:t>, </a:t>
-            </a:r>
-            <a:r>
-              <a:rPr lang="ko-KR" altLang="en-US" sz="1600" dirty="0"/>
-              <a:t>예측 데이터 역시 신뢰할 수 있으므로 제시된 정보에 맞춰 실수요자들이 부동산 매매 및 대출과 </a:t>
-            </a:r>
-            <a:r>
-              <a:rPr lang="ko-KR" altLang="en-US" sz="1600" dirty="0" err="1"/>
-              <a:t>시기등을</a:t>
-            </a:r>
-            <a:r>
-              <a:rPr lang="ko-KR" altLang="en-US" sz="1600" dirty="0"/>
-              <a:t> 고려할 수 있습니다</a:t>
-            </a:r>
-          </a:p>
-          <a:p>
-            <a:endParaRPr lang="en-US" altLang="ko-KR" dirty="0"/>
-          </a:p>
-        </p:txBody>
-      </p:sp>
-    </p:spTree>
-    <p:extLst>
-      <p:ext uri="{BB962C8B-B14F-4D97-AF65-F5344CB8AC3E}">
-        <p14:creationId xmlns:p14="http://schemas.microsoft.com/office/powerpoint/2010/main" val="437497817"/>
-      </p:ext>
-    </p:extLst>
-  </p:cSld>
-  <p:clrMapOvr>
-    <a:masterClrMapping/>
-  </p:clrMapOvr>
-</p:sld>
-</file>
-
-<file path=ppt/slides/slide33.xml><?xml version="1.0" encoding="utf-8"?>
-<p:sld xmlns:a="http://schemas.openxmlformats.org/drawingml/2006/main" xmlns:r="http://schemas.openxmlformats.org/officeDocument/2006/relationships" xmlns:p="http://schemas.openxmlformats.org/presentationml/2006/main">
-  <p:cSld>
-    <p:spTree>
-      <p:nvGrpSpPr>
-        <p:cNvPr id="1" name=""/>
-        <p:cNvGrpSpPr/>
-        <p:nvPr/>
-      </p:nvGrpSpPr>
-      <p:grpSpPr>
-        <a:xfrm>
-          <a:off x="0" y="0"/>
-          <a:ext cx="0" cy="0"/>
-          <a:chOff x="0" y="0"/>
-          <a:chExt cx="0" cy="0"/>
-        </a:xfrm>
-      </p:grpSpPr>
-      <p:sp>
-        <p:nvSpPr>
-          <p:cNvPr id="2" name="제목 1">
-            <a:extLst>
-              <a:ext uri="{FF2B5EF4-FFF2-40B4-BE49-F238E27FC236}">
-                <a16:creationId xmlns:a16="http://schemas.microsoft.com/office/drawing/2014/main" id="{79E4594E-B25B-650A-155A-698223F56873}"/>
-              </a:ext>
-            </a:extLst>
-          </p:cNvPr>
-          <p:cNvSpPr>
-            <a:spLocks noGrp="1"/>
-          </p:cNvSpPr>
-          <p:nvPr>
-            <p:ph type="title"/>
-          </p:nvPr>
-        </p:nvSpPr>
-        <p:spPr>
-          <a:xfrm>
-            <a:off x="838200" y="1"/>
-            <a:ext cx="10515600" cy="1690688"/>
-          </a:xfrm>
-        </p:spPr>
-        <p:txBody>
-          <a:bodyPr/>
-          <a:lstStyle/>
-          <a:p>
-            <a:r>
-              <a:rPr lang="en-US" altLang="ko-KR" dirty="0"/>
-              <a:t>6. </a:t>
-            </a:r>
-            <a:r>
-              <a:rPr lang="ko-KR" altLang="en-US" dirty="0"/>
-              <a:t>서비스 방향</a:t>
-            </a:r>
-          </a:p>
-        </p:txBody>
-      </p:sp>
-      <p:sp>
-        <p:nvSpPr>
-          <p:cNvPr id="3" name="내용 개체 틀 2">
-            <a:extLst>
-              <a:ext uri="{FF2B5EF4-FFF2-40B4-BE49-F238E27FC236}">
-                <a16:creationId xmlns:a16="http://schemas.microsoft.com/office/drawing/2014/main" id="{419432FB-CE38-1569-8178-97D2384AF1DA}"/>
-              </a:ext>
-            </a:extLst>
-          </p:cNvPr>
-          <p:cNvSpPr>
-            <a:spLocks noGrp="1"/>
-          </p:cNvSpPr>
-          <p:nvPr>
-            <p:ph idx="1"/>
-          </p:nvPr>
-        </p:nvSpPr>
-        <p:spPr>
-          <a:xfrm>
-            <a:off x="502508" y="1117642"/>
-            <a:ext cx="10834816" cy="5031904"/>
-          </a:xfrm>
-        </p:spPr>
-        <p:txBody>
-          <a:bodyPr>
-            <a:normAutofit/>
-          </a:bodyPr>
-          <a:lstStyle/>
-          <a:p>
-            <a:endParaRPr lang="en-US" altLang="ko-KR" dirty="0"/>
-          </a:p>
-          <a:p>
-            <a:endParaRPr lang="en-US" altLang="ko-KR" dirty="0"/>
-          </a:p>
-          <a:p>
-            <a:endParaRPr lang="en-US" altLang="ko-KR" dirty="0"/>
-          </a:p>
-          <a:p>
-            <a:endParaRPr lang="en-US" altLang="ko-KR" dirty="0"/>
-          </a:p>
-          <a:p>
-            <a:pPr marL="0" indent="0" algn="ctr">
-              <a:buNone/>
-            </a:pPr>
-            <a:r>
-              <a:rPr lang="ko-KR" altLang="en-US" dirty="0" err="1"/>
-              <a:t>피그마</a:t>
-            </a:r>
-            <a:r>
-              <a:rPr lang="ko-KR" altLang="en-US" dirty="0"/>
-              <a:t> 시연</a:t>
-            </a:r>
-            <a:endParaRPr lang="en-US" altLang="ko-KR" dirty="0"/>
-          </a:p>
-        </p:txBody>
-      </p:sp>
-    </p:spTree>
-    <p:extLst>
-      <p:ext uri="{BB962C8B-B14F-4D97-AF65-F5344CB8AC3E}">
-        <p14:creationId xmlns:p14="http://schemas.microsoft.com/office/powerpoint/2010/main" val="2103353573"/>
-      </p:ext>
-    </p:extLst>
-  </p:cSld>
-  <p:clrMapOvr>
-    <a:masterClrMapping/>
-  </p:clrMapOvr>
-</p:sld>
-</file>
-
-<file path=ppt/slides/slide34.xml><?xml version="1.0" encoding="utf-8"?>
 <p:sld xmlns:a="http://schemas.openxmlformats.org/drawingml/2006/main" xmlns:r="http://schemas.openxmlformats.org/officeDocument/2006/relationships" xmlns:p="http://schemas.openxmlformats.org/presentationml/2006/main">
   <p:cSld>
     <p:bg>
@@ -15941,7 +17911,7 @@
           <a:lstStyle/>
           <a:p>
             <a:r>
-              <a:rPr lang="ko-KR" altLang="en-US" sz="6600" b="1" dirty="0">
+              <a:rPr lang="ko-KR" altLang="en-US" sz="6600" b="1">
                 <a:solidFill>
                   <a:schemeClr val="bg2">
                     <a:lumMod val="90000"/>
@@ -15950,9 +17920,55 @@
               </a:rPr>
               <a:t>감사합니다</a:t>
             </a:r>
+            <a:endParaRPr lang="ko-KR" altLang="en-US" sz="6600" b="1" dirty="0">
+              <a:solidFill>
+                <a:schemeClr val="bg2">
+                  <a:lumMod val="90000"/>
+                </a:schemeClr>
+              </a:solidFill>
+            </a:endParaRPr>
           </a:p>
         </p:txBody>
       </p:sp>
+      <p:pic>
+        <p:nvPicPr>
+          <p:cNvPr id="5" name="그래픽 4" descr="네 잎 클로버 단색으로 채워진">
+            <a:extLst>
+              <a:ext uri="{FF2B5EF4-FFF2-40B4-BE49-F238E27FC236}">
+                <a16:creationId xmlns:a16="http://schemas.microsoft.com/office/drawing/2014/main" id="{0E43C4BF-FECF-764B-CEBA-FD688BDEC29B}"/>
+              </a:ext>
+            </a:extLst>
+          </p:cNvPr>
+          <p:cNvPicPr>
+            <a:picLocks noChangeAspect="1"/>
+          </p:cNvPicPr>
+          <p:nvPr/>
+        </p:nvPicPr>
+        <p:blipFill>
+          <a:blip r:embed="rId3">
+            <a:extLst>
+              <a:ext uri="{28A0092B-C50C-407E-A947-70E740481C1C}">
+                <a14:useLocalDpi xmlns:a14="http://schemas.microsoft.com/office/drawing/2010/main" val="0"/>
+              </a:ext>
+              <a:ext uri="{96DAC541-7B7A-43D3-8B79-37D633B846F1}">
+                <asvg:svgBlip xmlns:asvg="http://schemas.microsoft.com/office/drawing/2016/SVG/main" r:embed="rId4"/>
+              </a:ext>
+            </a:extLst>
+          </a:blip>
+          <a:stretch>
+            <a:fillRect/>
+          </a:stretch>
+        </p:blipFill>
+        <p:spPr>
+          <a:xfrm>
+            <a:off x="1650714" y="2122231"/>
+            <a:ext cx="2055797" cy="2055797"/>
+          </a:xfrm>
+          <a:prstGeom prst="rect">
+            <a:avLst/>
+          </a:prstGeom>
+        </p:spPr>
+      </p:pic>
     </p:spTree>
     <p:extLst>
       <p:ext uri="{BB962C8B-B14F-4D97-AF65-F5344CB8AC3E}">
@@ -15966,7 +17982,7 @@
 </p:sld>
 </file>
 
-<file path=ppt/slides/slide35.xml><?xml version="1.0" encoding="utf-8"?>
+<file path=ppt/slides/slide33.xml><?xml version="1.0" encoding="utf-8"?>
 <p:sld xmlns:a="http://schemas.openxmlformats.org/drawingml/2006/main" xmlns:r="http://schemas.openxmlformats.org/officeDocument/2006/relationships" xmlns:p="http://schemas.openxmlformats.org/presentationml/2006/main">
   <p:cSld>
     <p:spTree>
@@ -16072,6 +18088,45 @@
           </a:p>
         </p:txBody>
       </p:sp>
+      <p:pic>
+        <p:nvPicPr>
+          <p:cNvPr id="6" name="그래픽 5" descr="말풍선 2개">
+            <a:extLst>
+              <a:ext uri="{FF2B5EF4-FFF2-40B4-BE49-F238E27FC236}">
+                <a16:creationId xmlns:a16="http://schemas.microsoft.com/office/drawing/2014/main" id="{D7D45A70-FAC2-86E7-8551-9252764C2CCB}"/>
+              </a:ext>
+            </a:extLst>
+          </p:cNvPr>
+          <p:cNvPicPr>
+            <a:picLocks noChangeAspect="1"/>
+          </p:cNvPicPr>
+          <p:nvPr/>
+        </p:nvPicPr>
+        <p:blipFill>
+          <a:blip r:embed="rId4">
+            <a:extLst>
+              <a:ext uri="{28A0092B-C50C-407E-A947-70E740481C1C}">
+                <a14:useLocalDpi xmlns:a14="http://schemas.microsoft.com/office/drawing/2010/main" val="0"/>
+              </a:ext>
+              <a:ext uri="{96DAC541-7B7A-43D3-8B79-37D633B846F1}">
+                <asvg:svgBlip xmlns:asvg="http://schemas.microsoft.com/office/drawing/2016/SVG/main" r:embed="rId5"/>
+              </a:ext>
+            </a:extLst>
+          </a:blip>
+          <a:stretch>
+            <a:fillRect/>
+          </a:stretch>
+        </p:blipFill>
+        <p:spPr>
+          <a:xfrm>
+            <a:off x="5772364" y="-269840"/>
+            <a:ext cx="4572000" cy="4572000"/>
+          </a:xfrm>
+          <a:prstGeom prst="rect">
+            <a:avLst/>
+          </a:prstGeom>
+        </p:spPr>
+      </p:pic>
     </p:spTree>
     <p:extLst>
       <p:ext uri="{BB962C8B-B14F-4D97-AF65-F5344CB8AC3E}">
@@ -17148,10 +19203,10 @@
       </p:grpSpPr>
       <p:sp>
         <p:nvSpPr>
-          <p:cNvPr id="2" name="직사각형 1">
-            <a:extLst>
-              <a:ext uri="{FF2B5EF4-FFF2-40B4-BE49-F238E27FC236}">
-                <a16:creationId xmlns:a16="http://schemas.microsoft.com/office/drawing/2014/main" id="{1F70DD83-D183-9264-93D7-A19C0DBB281E}"/>
+          <p:cNvPr id="26" name="직사각형 25">
+            <a:extLst>
+              <a:ext uri="{FF2B5EF4-FFF2-40B4-BE49-F238E27FC236}">
+                <a16:creationId xmlns:a16="http://schemas.microsoft.com/office/drawing/2014/main" id="{0B88CE15-EA15-89F8-B953-04B3BC6365C3}"/>
               </a:ext>
             </a:extLst>
           </p:cNvPr>
@@ -17160,18 +19215,24 @@
         </p:nvSpPr>
         <p:spPr>
           <a:xfrm>
-            <a:off x="279400" y="228600"/>
+            <a:off x="279400" y="299720"/>
             <a:ext cx="11633200" cy="6258560"/>
           </a:xfrm>
           <a:prstGeom prst="rect">
             <a:avLst/>
           </a:prstGeom>
-          <a:solidFill>
-            <a:schemeClr val="bg1">
-              <a:lumMod val="95000"/>
-              <a:alpha val="70000"/>
-            </a:schemeClr>
-          </a:solidFill>
+          <a:pattFill prst="horzBrick">
+            <a:fgClr>
+              <a:schemeClr val="bg1">
+                <a:lumMod val="85000"/>
+              </a:schemeClr>
+            </a:fgClr>
+            <a:bgClr>
+              <a:schemeClr val="bg1">
+                <a:lumMod val="95000"/>
+              </a:schemeClr>
+            </a:bgClr>
+          </a:pattFill>
           <a:ln>
             <a:noFill/>
           </a:ln>
@@ -17469,357 +19530,6 @@
           </p:spPr>
         </p:pic>
       </p:grpSp>
-      <p:pic>
-        <p:nvPicPr>
-          <p:cNvPr id="9" name="그래픽 8" descr="커서 단색으로 채워진">
-            <a:extLst>
-              <a:ext uri="{FF2B5EF4-FFF2-40B4-BE49-F238E27FC236}">
-                <a16:creationId xmlns:a16="http://schemas.microsoft.com/office/drawing/2014/main" id="{2E1B4ED5-A990-DE90-388C-BA7CBA9D20AD}"/>
-              </a:ext>
-            </a:extLst>
-          </p:cNvPr>
-          <p:cNvPicPr>
-            <a:picLocks noChangeAspect="1"/>
-          </p:cNvPicPr>
-          <p:nvPr/>
-        </p:nvPicPr>
-        <p:blipFill>
-          <a:blip r:embed="rId6">
-            <a:extLst>
-              <a:ext uri="{28A0092B-C50C-407E-A947-70E740481C1C}">
-                <a14:useLocalDpi xmlns:a14="http://schemas.microsoft.com/office/drawing/2010/main" val="0"/>
-              </a:ext>
-              <a:ext uri="{96DAC541-7B7A-43D3-8B79-37D633B846F1}">
-                <asvg:svgBlip xmlns:asvg="http://schemas.microsoft.com/office/drawing/2016/SVG/main" r:embed="rId7"/>
-              </a:ext>
-            </a:extLst>
-          </a:blip>
-          <a:stretch>
-            <a:fillRect/>
-          </a:stretch>
-        </p:blipFill>
-        <p:spPr>
-          <a:xfrm>
-            <a:off x="4662049" y="544165"/>
-            <a:ext cx="914400" cy="914400"/>
-          </a:xfrm>
-          <a:prstGeom prst="rect">
-            <a:avLst/>
-          </a:prstGeom>
-        </p:spPr>
-      </p:pic>
-      <p:pic>
-        <p:nvPicPr>
-          <p:cNvPr id="11" name="그래픽 10" descr="두 번 탭 제스처 단색으로 채워진">
-            <a:extLst>
-              <a:ext uri="{FF2B5EF4-FFF2-40B4-BE49-F238E27FC236}">
-                <a16:creationId xmlns:a16="http://schemas.microsoft.com/office/drawing/2014/main" id="{B30EED63-BEC1-78A1-A594-19E77FABD911}"/>
-              </a:ext>
-            </a:extLst>
-          </p:cNvPr>
-          <p:cNvPicPr>
-            <a:picLocks noChangeAspect="1"/>
-          </p:cNvPicPr>
-          <p:nvPr/>
-        </p:nvPicPr>
-        <p:blipFill>
-          <a:blip r:embed="rId8">
-            <a:extLst>
-              <a:ext uri="{28A0092B-C50C-407E-A947-70E740481C1C}">
-                <a14:useLocalDpi xmlns:a14="http://schemas.microsoft.com/office/drawing/2010/main" val="0"/>
-              </a:ext>
-              <a:ext uri="{96DAC541-7B7A-43D3-8B79-37D633B846F1}">
-                <asvg:svgBlip xmlns:asvg="http://schemas.microsoft.com/office/drawing/2016/SVG/main" r:embed="rId9"/>
-              </a:ext>
-            </a:extLst>
-          </a:blip>
-          <a:stretch>
-            <a:fillRect/>
-          </a:stretch>
-        </p:blipFill>
-        <p:spPr>
-          <a:xfrm>
-            <a:off x="5481600" y="467573"/>
-            <a:ext cx="914400" cy="914400"/>
-          </a:xfrm>
-          <a:prstGeom prst="rect">
-            <a:avLst/>
-          </a:prstGeom>
-        </p:spPr>
-      </p:pic>
-      <p:pic>
-        <p:nvPicPr>
-          <p:cNvPr id="17" name="그래픽 16" descr="하향 경향 그래프 단색으로 채워진">
-            <a:extLst>
-              <a:ext uri="{FF2B5EF4-FFF2-40B4-BE49-F238E27FC236}">
-                <a16:creationId xmlns:a16="http://schemas.microsoft.com/office/drawing/2014/main" id="{0AD8EEAC-4FF0-E4E9-BF0F-940076BC0F77}"/>
-              </a:ext>
-            </a:extLst>
-          </p:cNvPr>
-          <p:cNvPicPr>
-            <a:picLocks noChangeAspect="1"/>
-          </p:cNvPicPr>
-          <p:nvPr/>
-        </p:nvPicPr>
-        <p:blipFill>
-          <a:blip r:embed="rId10">
-            <a:extLst>
-              <a:ext uri="{28A0092B-C50C-407E-A947-70E740481C1C}">
-                <a14:useLocalDpi xmlns:a14="http://schemas.microsoft.com/office/drawing/2010/main" val="0"/>
-              </a:ext>
-              <a:ext uri="{96DAC541-7B7A-43D3-8B79-37D633B846F1}">
-                <asvg:svgBlip xmlns:asvg="http://schemas.microsoft.com/office/drawing/2016/SVG/main" r:embed="rId11"/>
-              </a:ext>
-            </a:extLst>
-          </a:blip>
-          <a:stretch>
-            <a:fillRect/>
-          </a:stretch>
-        </p:blipFill>
-        <p:spPr>
-          <a:xfrm>
-            <a:off x="6269116" y="356440"/>
-            <a:ext cx="914400" cy="914400"/>
-          </a:xfrm>
-          <a:prstGeom prst="rect">
-            <a:avLst/>
-          </a:prstGeom>
-        </p:spPr>
-      </p:pic>
-      <p:pic>
-        <p:nvPicPr>
-          <p:cNvPr id="19" name="그래픽 18" descr="내려가는 에스컬레이터 단색으로 채워진">
-            <a:extLst>
-              <a:ext uri="{FF2B5EF4-FFF2-40B4-BE49-F238E27FC236}">
-                <a16:creationId xmlns:a16="http://schemas.microsoft.com/office/drawing/2014/main" id="{AAFCCF27-D94D-5C3A-4B44-2844DC369AE6}"/>
-              </a:ext>
-            </a:extLst>
-          </p:cNvPr>
-          <p:cNvPicPr>
-            <a:picLocks noChangeAspect="1"/>
-          </p:cNvPicPr>
-          <p:nvPr/>
-        </p:nvPicPr>
-        <p:blipFill>
-          <a:blip r:embed="rId12">
-            <a:extLst>
-              <a:ext uri="{28A0092B-C50C-407E-A947-70E740481C1C}">
-                <a14:useLocalDpi xmlns:a14="http://schemas.microsoft.com/office/drawing/2010/main" val="0"/>
-              </a:ext>
-              <a:ext uri="{96DAC541-7B7A-43D3-8B79-37D633B846F1}">
-                <asvg:svgBlip xmlns:asvg="http://schemas.microsoft.com/office/drawing/2016/SVG/main" r:embed="rId13"/>
-              </a:ext>
-            </a:extLst>
-          </a:blip>
-          <a:stretch>
-            <a:fillRect/>
-          </a:stretch>
-        </p:blipFill>
-        <p:spPr>
-          <a:xfrm>
-            <a:off x="7089114" y="361071"/>
-            <a:ext cx="914400" cy="914400"/>
-          </a:xfrm>
-          <a:prstGeom prst="rect">
-            <a:avLst/>
-          </a:prstGeom>
-        </p:spPr>
-      </p:pic>
-      <p:pic>
-        <p:nvPicPr>
-          <p:cNvPr id="21" name="그래픽 20" descr="올라가는 에스컬레이터 단색으로 채워진">
-            <a:extLst>
-              <a:ext uri="{FF2B5EF4-FFF2-40B4-BE49-F238E27FC236}">
-                <a16:creationId xmlns:a16="http://schemas.microsoft.com/office/drawing/2014/main" id="{3A92B8EC-896A-5EF8-1777-D8771850CAE1}"/>
-              </a:ext>
-            </a:extLst>
-          </p:cNvPr>
-          <p:cNvPicPr>
-            <a:picLocks noChangeAspect="1"/>
-          </p:cNvPicPr>
-          <p:nvPr/>
-        </p:nvPicPr>
-        <p:blipFill>
-          <a:blip r:embed="rId14">
-            <a:extLst>
-              <a:ext uri="{28A0092B-C50C-407E-A947-70E740481C1C}">
-                <a14:useLocalDpi xmlns:a14="http://schemas.microsoft.com/office/drawing/2010/main" val="0"/>
-              </a:ext>
-              <a:ext uri="{96DAC541-7B7A-43D3-8B79-37D633B846F1}">
-                <asvg:svgBlip xmlns:asvg="http://schemas.microsoft.com/office/drawing/2016/SVG/main" r:embed="rId15"/>
-              </a:ext>
-            </a:extLst>
-          </a:blip>
-          <a:stretch>
-            <a:fillRect/>
-          </a:stretch>
-        </p:blipFill>
-        <p:spPr>
-          <a:xfrm>
-            <a:off x="8010429" y="260739"/>
-            <a:ext cx="914400" cy="914400"/>
-          </a:xfrm>
-          <a:prstGeom prst="rect">
-            <a:avLst/>
-          </a:prstGeom>
-        </p:spPr>
-      </p:pic>
-      <p:pic>
-        <p:nvPicPr>
-          <p:cNvPr id="23" name="그래픽 22" descr="지수 그래프 단색으로 채워진">
-            <a:extLst>
-              <a:ext uri="{FF2B5EF4-FFF2-40B4-BE49-F238E27FC236}">
-                <a16:creationId xmlns:a16="http://schemas.microsoft.com/office/drawing/2014/main" id="{876168D2-AD48-FE0B-9C73-B717CD16A454}"/>
-              </a:ext>
-            </a:extLst>
-          </p:cNvPr>
-          <p:cNvPicPr>
-            <a:picLocks noChangeAspect="1"/>
-          </p:cNvPicPr>
-          <p:nvPr/>
-        </p:nvPicPr>
-        <p:blipFill>
-          <a:blip r:embed="rId16">
-            <a:extLst>
-              <a:ext uri="{28A0092B-C50C-407E-A947-70E740481C1C}">
-                <a14:useLocalDpi xmlns:a14="http://schemas.microsoft.com/office/drawing/2010/main" val="0"/>
-              </a:ext>
-              <a:ext uri="{96DAC541-7B7A-43D3-8B79-37D633B846F1}">
-                <asvg:svgBlip xmlns:asvg="http://schemas.microsoft.com/office/drawing/2016/SVG/main" r:embed="rId17"/>
-              </a:ext>
-            </a:extLst>
-          </a:blip>
-          <a:stretch>
-            <a:fillRect/>
-          </a:stretch>
-        </p:blipFill>
-        <p:spPr>
-          <a:xfrm>
-            <a:off x="8938660" y="163841"/>
-            <a:ext cx="914400" cy="914400"/>
-          </a:xfrm>
-          <a:prstGeom prst="rect">
-            <a:avLst/>
-          </a:prstGeom>
-        </p:spPr>
-      </p:pic>
-      <p:pic>
-        <p:nvPicPr>
-          <p:cNvPr id="25" name="그래픽 24" descr="빨리 감기 단색으로 채워진">
-            <a:extLst>
-              <a:ext uri="{FF2B5EF4-FFF2-40B4-BE49-F238E27FC236}">
-                <a16:creationId xmlns:a16="http://schemas.microsoft.com/office/drawing/2014/main" id="{FAA83BD0-E9B3-7D46-2007-8C787BCDDDB6}"/>
-              </a:ext>
-            </a:extLst>
-          </p:cNvPr>
-          <p:cNvPicPr>
-            <a:picLocks noChangeAspect="1"/>
-          </p:cNvPicPr>
-          <p:nvPr/>
-        </p:nvPicPr>
-        <p:blipFill>
-          <a:blip r:embed="rId18">
-            <a:extLst>
-              <a:ext uri="{28A0092B-C50C-407E-A947-70E740481C1C}">
-                <a14:useLocalDpi xmlns:a14="http://schemas.microsoft.com/office/drawing/2010/main" val="0"/>
-              </a:ext>
-              <a:ext uri="{96DAC541-7B7A-43D3-8B79-37D633B846F1}">
-                <asvg:svgBlip xmlns:asvg="http://schemas.microsoft.com/office/drawing/2016/SVG/main" r:embed="rId19"/>
-              </a:ext>
-            </a:extLst>
-          </a:blip>
-          <a:stretch>
-            <a:fillRect/>
-          </a:stretch>
-        </p:blipFill>
-        <p:spPr>
-          <a:xfrm>
-            <a:off x="9796241" y="51895"/>
-            <a:ext cx="914400" cy="914400"/>
-          </a:xfrm>
-          <a:prstGeom prst="rect">
-            <a:avLst/>
-          </a:prstGeom>
-        </p:spPr>
-      </p:pic>
-      <p:pic>
-        <p:nvPicPr>
-          <p:cNvPr id="27" name="그래픽 26" descr="구두 발자국 단색으로 채워진">
-            <a:extLst>
-              <a:ext uri="{FF2B5EF4-FFF2-40B4-BE49-F238E27FC236}">
-                <a16:creationId xmlns:a16="http://schemas.microsoft.com/office/drawing/2014/main" id="{934CE8DF-89A9-E199-A01C-B6E40298C7D2}"/>
-              </a:ext>
-            </a:extLst>
-          </p:cNvPr>
-          <p:cNvPicPr>
-            <a:picLocks noChangeAspect="1"/>
-          </p:cNvPicPr>
-          <p:nvPr/>
-        </p:nvPicPr>
-        <p:blipFill>
-          <a:blip r:embed="rId20">
-            <a:extLst>
-              <a:ext uri="{28A0092B-C50C-407E-A947-70E740481C1C}">
-                <a14:useLocalDpi xmlns:a14="http://schemas.microsoft.com/office/drawing/2010/main" val="0"/>
-              </a:ext>
-              <a:ext uri="{96DAC541-7B7A-43D3-8B79-37D633B846F1}">
-                <asvg:svgBlip xmlns:asvg="http://schemas.microsoft.com/office/drawing/2016/SVG/main" r:embed="rId21"/>
-              </a:ext>
-            </a:extLst>
-          </a:blip>
-          <a:stretch>
-            <a:fillRect/>
-          </a:stretch>
-        </p:blipFill>
-        <p:spPr>
-          <a:xfrm>
-            <a:off x="10588402" y="116654"/>
-            <a:ext cx="914400" cy="914400"/>
-          </a:xfrm>
-          <a:prstGeom prst="rect">
-            <a:avLst/>
-          </a:prstGeom>
-        </p:spPr>
-      </p:pic>
-      <p:pic>
-        <p:nvPicPr>
-          <p:cNvPr id="29" name="그래픽 28" descr="네 잎 클로버 단색으로 채워진">
-            <a:extLst>
-              <a:ext uri="{FF2B5EF4-FFF2-40B4-BE49-F238E27FC236}">
-                <a16:creationId xmlns:a16="http://schemas.microsoft.com/office/drawing/2014/main" id="{CBE1A4F9-AAD0-19F5-4405-8C551424B282}"/>
-              </a:ext>
-            </a:extLst>
-          </p:cNvPr>
-          <p:cNvPicPr>
-            <a:picLocks noChangeAspect="1"/>
-          </p:cNvPicPr>
-          <p:nvPr/>
-        </p:nvPicPr>
-        <p:blipFill>
-          <a:blip r:embed="rId22">
-            <a:extLst>
-              <a:ext uri="{28A0092B-C50C-407E-A947-70E740481C1C}">
-                <a14:useLocalDpi xmlns:a14="http://schemas.microsoft.com/office/drawing/2010/main" val="0"/>
-              </a:ext>
-              <a:ext uri="{96DAC541-7B7A-43D3-8B79-37D633B846F1}">
-                <asvg:svgBlip xmlns:asvg="http://schemas.microsoft.com/office/drawing/2016/SVG/main" r:embed="rId23"/>
-              </a:ext>
-            </a:extLst>
-          </a:blip>
-          <a:stretch>
-            <a:fillRect/>
-          </a:stretch>
-        </p:blipFill>
-        <p:spPr>
-          <a:xfrm>
-            <a:off x="11277600" y="153146"/>
-            <a:ext cx="914400" cy="914400"/>
-          </a:xfrm>
-          <a:prstGeom prst="rect">
-            <a:avLst/>
-          </a:prstGeom>
-        </p:spPr>
-      </p:pic>
       <p:grpSp>
         <p:nvGrpSpPr>
           <p:cNvPr id="35" name="그룹 34">
@@ -18035,13 +19745,13 @@
           <p:nvPr/>
         </p:nvPicPr>
         <p:blipFill>
-          <a:blip r:embed="rId24">
+          <a:blip r:embed="rId6">
             <a:extLst>
               <a:ext uri="{28A0092B-C50C-407E-A947-70E740481C1C}">
                 <a14:useLocalDpi xmlns:a14="http://schemas.microsoft.com/office/drawing/2010/main" val="0"/>
               </a:ext>
               <a:ext uri="{96DAC541-7B7A-43D3-8B79-37D633B846F1}">
-                <asvg:svgBlip xmlns:asvg="http://schemas.microsoft.com/office/drawing/2016/SVG/main" r:embed="rId25"/>
+                <asvg:svgBlip xmlns:asvg="http://schemas.microsoft.com/office/drawing/2016/SVG/main" r:embed="rId7"/>
               </a:ext>
             </a:extLst>
           </a:blip>
@@ -18091,10 +19801,10 @@
       </p:grpSpPr>
       <p:sp>
         <p:nvSpPr>
-          <p:cNvPr id="2" name="직사각형 1">
-            <a:extLst>
-              <a:ext uri="{FF2B5EF4-FFF2-40B4-BE49-F238E27FC236}">
-                <a16:creationId xmlns:a16="http://schemas.microsoft.com/office/drawing/2014/main" id="{1F70DD83-D183-9264-93D7-A19C0DBB281E}"/>
+          <p:cNvPr id="21" name="직사각형 20">
+            <a:extLst>
+              <a:ext uri="{FF2B5EF4-FFF2-40B4-BE49-F238E27FC236}">
+                <a16:creationId xmlns:a16="http://schemas.microsoft.com/office/drawing/2014/main" id="{11F657B7-A387-0BF3-9AA4-90444D53BCFA}"/>
               </a:ext>
             </a:extLst>
           </p:cNvPr>
@@ -18103,18 +19813,24 @@
         </p:nvSpPr>
         <p:spPr>
           <a:xfrm>
-            <a:off x="279400" y="228600"/>
+            <a:off x="279400" y="299720"/>
             <a:ext cx="11633200" cy="6258560"/>
           </a:xfrm>
           <a:prstGeom prst="rect">
             <a:avLst/>
           </a:prstGeom>
-          <a:solidFill>
-            <a:schemeClr val="bg1">
-              <a:lumMod val="95000"/>
-              <a:alpha val="70000"/>
-            </a:schemeClr>
-          </a:solidFill>
+          <a:pattFill prst="horzBrick">
+            <a:fgClr>
+              <a:schemeClr val="bg1">
+                <a:lumMod val="85000"/>
+              </a:schemeClr>
+            </a:fgClr>
+            <a:bgClr>
+              <a:schemeClr val="bg1">
+                <a:lumMod val="95000"/>
+              </a:schemeClr>
+            </a:bgClr>
+          </a:pattFill>
           <a:ln>
             <a:noFill/>
           </a:ln>
@@ -18139,96 +19855,8 @@
           <a:bodyPr rtlCol="0" anchor="ctr"/>
           <a:lstStyle/>
           <a:p>
-            <a:r>
-              <a:rPr lang="en-US" altLang="ko-KR" dirty="0"/>
-              <a:t>MMI(</a:t>
-            </a:r>
-            <a:r>
-              <a:rPr lang="ko-KR" altLang="en-US" dirty="0"/>
-              <a:t>광공업지수</a:t>
-            </a:r>
-            <a:r>
-              <a:rPr lang="en-US" altLang="ko-KR" dirty="0"/>
-              <a:t>) CPI(</a:t>
-            </a:r>
-            <a:r>
-              <a:rPr lang="ko-KR" altLang="en-US" dirty="0"/>
-              <a:t>소비자물가지수</a:t>
-            </a:r>
-            <a:r>
-              <a:rPr lang="en-US" altLang="ko-KR" dirty="0"/>
-              <a:t>) </a:t>
-            </a:r>
-            <a:r>
-              <a:rPr lang="ko-KR" altLang="en-US" dirty="0"/>
-              <a:t>대출금리</a:t>
-            </a:r>
-          </a:p>
-          <a:p>
-            <a:r>
-              <a:rPr lang="ko-KR" altLang="en-US" dirty="0"/>
-              <a:t>전국</a:t>
-            </a:r>
-            <a:r>
-              <a:rPr lang="en-US" altLang="ko-KR" dirty="0"/>
-              <a:t>-</a:t>
-            </a:r>
-            <a:r>
-              <a:rPr lang="ko-KR" altLang="en-US" dirty="0"/>
-              <a:t>전세가격지수 경기도</a:t>
-            </a:r>
-            <a:r>
-              <a:rPr lang="en-US" altLang="ko-KR" dirty="0"/>
-              <a:t>-</a:t>
-            </a:r>
-            <a:r>
-              <a:rPr lang="ko-KR" altLang="en-US" dirty="0"/>
-              <a:t>전세가격지수</a:t>
-            </a:r>
-          </a:p>
-          <a:p>
-            <a:r>
-              <a:rPr lang="ko-KR" altLang="en-US" dirty="0"/>
-              <a:t>환율 </a:t>
-            </a:r>
-            <a:r>
-              <a:rPr lang="en-US" altLang="ko-KR" dirty="0"/>
-              <a:t>M2(</a:t>
-            </a:r>
-            <a:r>
-              <a:rPr lang="ko-KR" altLang="en-US" dirty="0"/>
-              <a:t>통화량</a:t>
-            </a:r>
-            <a:r>
-              <a:rPr lang="en-US" altLang="ko-KR" dirty="0"/>
-              <a:t>) </a:t>
-            </a:r>
-            <a:r>
-              <a:rPr lang="ko-KR" altLang="en-US" dirty="0"/>
-              <a:t>코스피 코스닥</a:t>
-            </a:r>
-            <a:r>
-              <a:rPr lang="en-US" altLang="ko-KR" dirty="0"/>
-              <a:t>(</a:t>
-            </a:r>
-            <a:r>
-              <a:rPr lang="ko-KR" altLang="en-US" dirty="0"/>
-              <a:t>주가</a:t>
-            </a:r>
-            <a:r>
-              <a:rPr lang="en-US" altLang="ko-KR" dirty="0"/>
-              <a:t>) </a:t>
-            </a:r>
-            <a:r>
-              <a:rPr lang="ko-KR" altLang="en-US" dirty="0"/>
-              <a:t>건축허용면적</a:t>
-            </a:r>
-          </a:p>
-          <a:p>
-            <a:r>
-              <a:rPr lang="ko-KR" altLang="en-US" dirty="0"/>
-              <a:t>전국아파트거래량 경기도아파트거래량</a:t>
-            </a:r>
+            <a:pPr algn="ctr"/>
+            <a:endParaRPr lang="ko-KR" altLang="en-US" dirty="0"/>
           </a:p>
         </p:txBody>
       </p:sp>
@@ -18746,10 +20374,10 @@
       </p:grpSpPr>
       <p:sp>
         <p:nvSpPr>
-          <p:cNvPr id="2" name="직사각형 1">
-            <a:extLst>
-              <a:ext uri="{FF2B5EF4-FFF2-40B4-BE49-F238E27FC236}">
-                <a16:creationId xmlns:a16="http://schemas.microsoft.com/office/drawing/2014/main" id="{1F70DD83-D183-9264-93D7-A19C0DBB281E}"/>
+          <p:cNvPr id="10" name="직사각형 9">
+            <a:extLst>
+              <a:ext uri="{FF2B5EF4-FFF2-40B4-BE49-F238E27FC236}">
+                <a16:creationId xmlns:a16="http://schemas.microsoft.com/office/drawing/2014/main" id="{499D2E89-A485-A895-B6A1-87AB06193D4F}"/>
               </a:ext>
             </a:extLst>
           </p:cNvPr>
@@ -18758,18 +20386,24 @@
         </p:nvSpPr>
         <p:spPr>
           <a:xfrm>
-            <a:off x="279400" y="228600"/>
+            <a:off x="279400" y="299720"/>
             <a:ext cx="11633200" cy="6258560"/>
           </a:xfrm>
           <a:prstGeom prst="rect">
             <a:avLst/>
           </a:prstGeom>
-          <a:solidFill>
-            <a:schemeClr val="bg1">
-              <a:lumMod val="95000"/>
-              <a:alpha val="70000"/>
-            </a:schemeClr>
-          </a:solidFill>
+          <a:pattFill prst="horzBrick">
+            <a:fgClr>
+              <a:schemeClr val="bg1">
+                <a:lumMod val="85000"/>
+              </a:schemeClr>
+            </a:fgClr>
+            <a:bgClr>
+              <a:schemeClr val="bg1">
+                <a:lumMod val="95000"/>
+              </a:schemeClr>
+            </a:bgClr>
+          </a:pattFill>
           <a:ln>
             <a:noFill/>
           </a:ln>
